--- a/docs/dinosaur.pptx
+++ b/docs/dinosaur.pptx
@@ -5,9 +5,10 @@
     <p:sldMasterId id="2147483648" r:id="rId1"/>
   </p:sldMasterIdLst>
   <p:sldIdLst>
-    <p:sldId id="256" r:id="rId2"/>
-    <p:sldId id="257" r:id="rId3"/>
-    <p:sldId id="258" r:id="rId4"/>
+    <p:sldId id="258" r:id="rId2"/>
+    <p:sldId id="259" r:id="rId3"/>
+    <p:sldId id="257" r:id="rId4"/>
+    <p:sldId id="256" r:id="rId5"/>
   </p:sldIdLst>
   <p:sldSz cx="12192000" cy="6858000"/>
   <p:notesSz cx="7102475" cy="9388475"/>
@@ -261,7 +262,7 @@
           <a:p>
             <a:fld id="{3B2AEB83-41BA-48FC-90B2-417C973AED04}" type="datetimeFigureOut">
               <a:rPr lang="en-US" smtClean="0"/>
-              <a:t>1/17/2025</a:t>
+              <a:t>2/21/2025</a:t>
             </a:fld>
             <a:endParaRPr lang="en-US"/>
           </a:p>
@@ -459,7 +460,7 @@
           <a:p>
             <a:fld id="{3B2AEB83-41BA-48FC-90B2-417C973AED04}" type="datetimeFigureOut">
               <a:rPr lang="en-US" smtClean="0"/>
-              <a:t>1/17/2025</a:t>
+              <a:t>2/21/2025</a:t>
             </a:fld>
             <a:endParaRPr lang="en-US"/>
           </a:p>
@@ -667,7 +668,7 @@
           <a:p>
             <a:fld id="{3B2AEB83-41BA-48FC-90B2-417C973AED04}" type="datetimeFigureOut">
               <a:rPr lang="en-US" smtClean="0"/>
-              <a:t>1/17/2025</a:t>
+              <a:t>2/21/2025</a:t>
             </a:fld>
             <a:endParaRPr lang="en-US"/>
           </a:p>
@@ -865,7 +866,7 @@
           <a:p>
             <a:fld id="{3B2AEB83-41BA-48FC-90B2-417C973AED04}" type="datetimeFigureOut">
               <a:rPr lang="en-US" smtClean="0"/>
-              <a:t>1/17/2025</a:t>
+              <a:t>2/21/2025</a:t>
             </a:fld>
             <a:endParaRPr lang="en-US"/>
           </a:p>
@@ -1140,7 +1141,7 @@
           <a:p>
             <a:fld id="{3B2AEB83-41BA-48FC-90B2-417C973AED04}" type="datetimeFigureOut">
               <a:rPr lang="en-US" smtClean="0"/>
-              <a:t>1/17/2025</a:t>
+              <a:t>2/21/2025</a:t>
             </a:fld>
             <a:endParaRPr lang="en-US"/>
           </a:p>
@@ -1405,7 +1406,7 @@
           <a:p>
             <a:fld id="{3B2AEB83-41BA-48FC-90B2-417C973AED04}" type="datetimeFigureOut">
               <a:rPr lang="en-US" smtClean="0"/>
-              <a:t>1/17/2025</a:t>
+              <a:t>2/21/2025</a:t>
             </a:fld>
             <a:endParaRPr lang="en-US"/>
           </a:p>
@@ -1817,7 +1818,7 @@
           <a:p>
             <a:fld id="{3B2AEB83-41BA-48FC-90B2-417C973AED04}" type="datetimeFigureOut">
               <a:rPr lang="en-US" smtClean="0"/>
-              <a:t>1/17/2025</a:t>
+              <a:t>2/21/2025</a:t>
             </a:fld>
             <a:endParaRPr lang="en-US"/>
           </a:p>
@@ -1958,7 +1959,7 @@
           <a:p>
             <a:fld id="{3B2AEB83-41BA-48FC-90B2-417C973AED04}" type="datetimeFigureOut">
               <a:rPr lang="en-US" smtClean="0"/>
-              <a:t>1/17/2025</a:t>
+              <a:t>2/21/2025</a:t>
             </a:fld>
             <a:endParaRPr lang="en-US"/>
           </a:p>
@@ -2071,7 +2072,7 @@
           <a:p>
             <a:fld id="{3B2AEB83-41BA-48FC-90B2-417C973AED04}" type="datetimeFigureOut">
               <a:rPr lang="en-US" smtClean="0"/>
-              <a:t>1/17/2025</a:t>
+              <a:t>2/21/2025</a:t>
             </a:fld>
             <a:endParaRPr lang="en-US"/>
           </a:p>
@@ -2382,7 +2383,7 @@
           <a:p>
             <a:fld id="{3B2AEB83-41BA-48FC-90B2-417C973AED04}" type="datetimeFigureOut">
               <a:rPr lang="en-US" smtClean="0"/>
-              <a:t>1/17/2025</a:t>
+              <a:t>2/21/2025</a:t>
             </a:fld>
             <a:endParaRPr lang="en-US"/>
           </a:p>
@@ -2670,7 +2671,7 @@
           <a:p>
             <a:fld id="{3B2AEB83-41BA-48FC-90B2-417C973AED04}" type="datetimeFigureOut">
               <a:rPr lang="en-US" smtClean="0"/>
-              <a:t>1/17/2025</a:t>
+              <a:t>2/21/2025</a:t>
             </a:fld>
             <a:endParaRPr lang="en-US"/>
           </a:p>
@@ -2911,7 +2912,7 @@
           <a:p>
             <a:fld id="{3B2AEB83-41BA-48FC-90B2-417C973AED04}" type="datetimeFigureOut">
               <a:rPr lang="en-US" smtClean="0"/>
-              <a:t>1/17/2025</a:t>
+              <a:t>2/21/2025</a:t>
             </a:fld>
             <a:endParaRPr lang="en-US"/>
           </a:p>
@@ -3330,230 +3331,2696 @@
       </p:grpSpPr>
       <p:sp>
         <p:nvSpPr>
-          <p:cNvPr id="4" name="Oval 3">
-            <a:extLst>
-              <a:ext uri="{FF2B5EF4-FFF2-40B4-BE49-F238E27FC236}">
-                <a16:creationId xmlns:a16="http://schemas.microsoft.com/office/drawing/2014/main" id="{4D544A8A-3BB0-2DFD-3B64-19383A87C29A}"/>
-              </a:ext>
-            </a:extLst>
-          </p:cNvPr>
-          <p:cNvSpPr/>
-          <p:nvPr/>
+          <p:cNvPr id="2" name="Title 1">
+            <a:extLst>
+              <a:ext uri="{FF2B5EF4-FFF2-40B4-BE49-F238E27FC236}">
+                <a16:creationId xmlns:a16="http://schemas.microsoft.com/office/drawing/2014/main" id="{9AF386DA-445C-1084-3B33-4233742CBC92}"/>
+              </a:ext>
+            </a:extLst>
+          </p:cNvPr>
+          <p:cNvSpPr>
+            <a:spLocks noGrp="1"/>
+          </p:cNvSpPr>
+          <p:nvPr>
+            <p:ph type="title"/>
+          </p:nvPr>
         </p:nvSpPr>
         <p:spPr>
           <a:xfrm>
-            <a:off x="3511464" y="3439706"/>
-            <a:ext cx="708848" cy="258328"/>
+            <a:off x="9705762" y="168304"/>
+            <a:ext cx="2226134" cy="631284"/>
           </a:xfrm>
-          <a:prstGeom prst="ellipse">
-            <a:avLst/>
-          </a:prstGeom>
         </p:spPr>
-        <p:style>
-          <a:lnRef idx="2">
-            <a:schemeClr val="accent1">
-              <a:shade val="15000"/>
-            </a:schemeClr>
-          </a:lnRef>
-          <a:fillRef idx="1">
-            <a:schemeClr val="accent1"/>
-          </a:fillRef>
-          <a:effectRef idx="0">
-            <a:schemeClr val="accent1"/>
-          </a:effectRef>
-          <a:fontRef idx="minor">
-            <a:schemeClr val="lt1"/>
-          </a:fontRef>
-        </p:style>
         <p:txBody>
-          <a:bodyPr rtlCol="0" anchor="ctr"/>
+          <a:bodyPr>
+            <a:normAutofit/>
+          </a:bodyPr>
           <a:lstStyle/>
           <a:p>
             <a:pPr algn="ctr"/>
             <a:r>
-              <a:rPr lang="en-US" sz="1000" dirty="0"/>
-              <a:t>Idle</a:t>
+              <a:rPr lang="en-US" sz="2000" dirty="0"/>
+              <a:t>Pins</a:t>
             </a:r>
           </a:p>
         </p:txBody>
       </p:sp>
-      <p:cxnSp>
-        <p:nvCxnSpPr>
-          <p:cNvPr id="6" name="Straight Arrow Connector 5">
-            <a:extLst>
-              <a:ext uri="{FF2B5EF4-FFF2-40B4-BE49-F238E27FC236}">
-                <a16:creationId xmlns:a16="http://schemas.microsoft.com/office/drawing/2014/main" id="{065FE340-F7C0-2D0F-EDEE-39281DF52596}"/>
-              </a:ext>
-            </a:extLst>
-          </p:cNvPr>
-          <p:cNvCxnSpPr>
-            <a:cxnSpLocks/>
-            <a:stCxn id="4" idx="6"/>
-            <a:endCxn id="22" idx="1"/>
-          </p:cNvCxnSpPr>
-          <p:nvPr/>
-        </p:nvCxnSpPr>
-        <p:spPr>
-          <a:xfrm flipV="1">
-            <a:off x="4220312" y="3325994"/>
-            <a:ext cx="324629" cy="242876"/>
-          </a:xfrm>
-          <a:prstGeom prst="straightConnector1">
-            <a:avLst/>
-          </a:prstGeom>
-          <a:ln>
-            <a:tailEnd type="triangle"/>
-          </a:ln>
-        </p:spPr>
-        <p:style>
-          <a:lnRef idx="1">
-            <a:schemeClr val="accent1"/>
-          </a:lnRef>
-          <a:fillRef idx="0">
-            <a:schemeClr val="accent1"/>
-          </a:fillRef>
-          <a:effectRef idx="0">
-            <a:schemeClr val="accent1"/>
-          </a:effectRef>
-          <a:fontRef idx="minor">
-            <a:schemeClr val="tx1"/>
-          </a:fontRef>
-        </p:style>
-      </p:cxnSp>
-      <p:cxnSp>
-        <p:nvCxnSpPr>
-          <p:cNvPr id="11" name="Straight Arrow Connector 10">
-            <a:extLst>
-              <a:ext uri="{FF2B5EF4-FFF2-40B4-BE49-F238E27FC236}">
-                <a16:creationId xmlns:a16="http://schemas.microsoft.com/office/drawing/2014/main" id="{FE84E0DE-ACDD-76F0-6239-6E66F70971BE}"/>
-              </a:ext>
-            </a:extLst>
-          </p:cNvPr>
-          <p:cNvCxnSpPr>
-            <a:cxnSpLocks/>
-            <a:stCxn id="22" idx="3"/>
-            <a:endCxn id="27" idx="1"/>
-          </p:cNvCxnSpPr>
-          <p:nvPr/>
-        </p:nvCxnSpPr>
-        <p:spPr>
-          <a:xfrm flipV="1">
-            <a:off x="5172210" y="2505079"/>
-            <a:ext cx="906374" cy="820915"/>
-          </a:xfrm>
-          <a:prstGeom prst="straightConnector1">
-            <a:avLst/>
-          </a:prstGeom>
-          <a:ln>
-            <a:tailEnd type="triangle"/>
-          </a:ln>
-        </p:spPr>
-        <p:style>
-          <a:lnRef idx="1">
-            <a:schemeClr val="accent1"/>
-          </a:lnRef>
-          <a:fillRef idx="0">
-            <a:schemeClr val="accent1"/>
-          </a:fillRef>
-          <a:effectRef idx="0">
-            <a:schemeClr val="accent1"/>
-          </a:effectRef>
-          <a:fontRef idx="minor">
-            <a:schemeClr val="tx1"/>
-          </a:fontRef>
-        </p:style>
-      </p:cxnSp>
-      <p:cxnSp>
-        <p:nvCxnSpPr>
-          <p:cNvPr id="13" name="Straight Arrow Connector 12">
-            <a:extLst>
-              <a:ext uri="{FF2B5EF4-FFF2-40B4-BE49-F238E27FC236}">
-                <a16:creationId xmlns:a16="http://schemas.microsoft.com/office/drawing/2014/main" id="{0D3EA336-F13E-5FA6-ADDA-81D08ED980BE}"/>
-              </a:ext>
-            </a:extLst>
-          </p:cNvPr>
-          <p:cNvCxnSpPr>
-            <a:cxnSpLocks/>
-            <a:stCxn id="22" idx="3"/>
-            <a:endCxn id="29" idx="1"/>
-          </p:cNvCxnSpPr>
-          <p:nvPr/>
-        </p:nvCxnSpPr>
-        <p:spPr>
-          <a:xfrm flipV="1">
-            <a:off x="5172210" y="3271453"/>
-            <a:ext cx="906374" cy="54541"/>
-          </a:xfrm>
-          <a:prstGeom prst="straightConnector1">
-            <a:avLst/>
-          </a:prstGeom>
-          <a:ln>
-            <a:tailEnd type="triangle"/>
-          </a:ln>
-        </p:spPr>
-        <p:style>
-          <a:lnRef idx="1">
-            <a:schemeClr val="accent1"/>
-          </a:lnRef>
-          <a:fillRef idx="0">
-            <a:schemeClr val="accent1"/>
-          </a:fillRef>
-          <a:effectRef idx="0">
-            <a:schemeClr val="accent1"/>
-          </a:effectRef>
-          <a:fontRef idx="minor">
-            <a:schemeClr val="tx1"/>
-          </a:fontRef>
-        </p:style>
-      </p:cxnSp>
-      <p:cxnSp>
-        <p:nvCxnSpPr>
-          <p:cNvPr id="16" name="Straight Arrow Connector 15">
-            <a:extLst>
-              <a:ext uri="{FF2B5EF4-FFF2-40B4-BE49-F238E27FC236}">
-                <a16:creationId xmlns:a16="http://schemas.microsoft.com/office/drawing/2014/main" id="{F9BA919B-B317-A0E8-DEA2-2EDD5D0A8F9F}"/>
-              </a:ext>
-            </a:extLst>
-          </p:cNvPr>
-          <p:cNvCxnSpPr>
-            <a:cxnSpLocks/>
-            <a:endCxn id="29" idx="1"/>
-          </p:cNvCxnSpPr>
-          <p:nvPr/>
-        </p:nvCxnSpPr>
-        <p:spPr>
-          <a:xfrm flipV="1">
-            <a:off x="5172210" y="3271453"/>
-            <a:ext cx="906374" cy="168253"/>
-          </a:xfrm>
-          <a:prstGeom prst="straightConnector1">
-            <a:avLst/>
-          </a:prstGeom>
-          <a:ln>
-            <a:tailEnd type="triangle"/>
-          </a:ln>
-        </p:spPr>
-        <p:style>
-          <a:lnRef idx="1">
-            <a:schemeClr val="accent1"/>
-          </a:lnRef>
-          <a:fillRef idx="0">
-            <a:schemeClr val="accent1"/>
-          </a:fillRef>
-          <a:effectRef idx="0">
-            <a:schemeClr val="accent1"/>
-          </a:effectRef>
-          <a:fontRef idx="minor">
-            <a:schemeClr val="tx1"/>
-          </a:fontRef>
-        </p:style>
-      </p:cxnSp>
+      <p:graphicFrame>
+        <p:nvGraphicFramePr>
+          <p:cNvPr id="4" name="Content Placeholder 3">
+            <a:extLst>
+              <a:ext uri="{FF2B5EF4-FFF2-40B4-BE49-F238E27FC236}">
+                <a16:creationId xmlns:a16="http://schemas.microsoft.com/office/drawing/2014/main" id="{C4DAC521-E733-902D-5DBB-358695E52147}"/>
+              </a:ext>
+            </a:extLst>
+          </p:cNvPr>
+          <p:cNvGraphicFramePr>
+            <a:graphicFrameLocks noGrp="1"/>
+          </p:cNvGraphicFramePr>
+          <p:nvPr>
+            <p:ph idx="1"/>
+            <p:extLst>
+              <p:ext uri="{D42A27DB-BD31-4B8C-83A1-F6EECF244321}">
+                <p14:modId xmlns:p14="http://schemas.microsoft.com/office/powerpoint/2010/main" val="4187186148"/>
+              </p:ext>
+            </p:extLst>
+          </p:nvPr>
+        </p:nvGraphicFramePr>
+        <p:xfrm>
+          <a:off x="2128133" y="233316"/>
+          <a:ext cx="6261384" cy="5791200"/>
+        </p:xfrm>
+        <a:graphic>
+          <a:graphicData uri="http://schemas.openxmlformats.org/drawingml/2006/table">
+            <a:tbl>
+              <a:tblPr firstRow="1" bandRow="1">
+                <a:tableStyleId>{5C22544A-7EE6-4342-B048-85BDC9FD1C3A}</a:tableStyleId>
+              </a:tblPr>
+              <a:tblGrid>
+                <a:gridCol w="746281">
+                  <a:extLst>
+                    <a:ext uri="{9D8B030D-6E8A-4147-A177-3AD203B41FA5}">
+                      <a16:colId xmlns:a16="http://schemas.microsoft.com/office/drawing/2014/main" val="696950623"/>
+                    </a:ext>
+                  </a:extLst>
+                </a:gridCol>
+                <a:gridCol w="754483">
+                  <a:extLst>
+                    <a:ext uri="{9D8B030D-6E8A-4147-A177-3AD203B41FA5}">
+                      <a16:colId xmlns:a16="http://schemas.microsoft.com/office/drawing/2014/main" val="3569791209"/>
+                    </a:ext>
+                  </a:extLst>
+                </a:gridCol>
+                <a:gridCol w="468681">
+                  <a:extLst>
+                    <a:ext uri="{9D8B030D-6E8A-4147-A177-3AD203B41FA5}">
+                      <a16:colId xmlns:a16="http://schemas.microsoft.com/office/drawing/2014/main" val="864455450"/>
+                    </a:ext>
+                  </a:extLst>
+                </a:gridCol>
+                <a:gridCol w="2409363">
+                  <a:extLst>
+                    <a:ext uri="{9D8B030D-6E8A-4147-A177-3AD203B41FA5}">
+                      <a16:colId xmlns:a16="http://schemas.microsoft.com/office/drawing/2014/main" val="1556280684"/>
+                    </a:ext>
+                  </a:extLst>
+                </a:gridCol>
+                <a:gridCol w="976377">
+                  <a:extLst>
+                    <a:ext uri="{9D8B030D-6E8A-4147-A177-3AD203B41FA5}">
+                      <a16:colId xmlns:a16="http://schemas.microsoft.com/office/drawing/2014/main" val="3286478401"/>
+                    </a:ext>
+                  </a:extLst>
+                </a:gridCol>
+                <a:gridCol w="906199">
+                  <a:extLst>
+                    <a:ext uri="{9D8B030D-6E8A-4147-A177-3AD203B41FA5}">
+                      <a16:colId xmlns:a16="http://schemas.microsoft.com/office/drawing/2014/main" val="1813250324"/>
+                    </a:ext>
+                  </a:extLst>
+                </a:gridCol>
+              </a:tblGrid>
+              <a:tr h="158907">
+                <a:tc>
+                  <a:txBody>
+                    <a:bodyPr/>
+                    <a:lstStyle/>
+                    <a:p>
+                      <a:r>
+                        <a:rPr lang="en-US" sz="700" dirty="0"/>
+                        <a:t>Controller Board Pin</a:t>
+                      </a:r>
+                    </a:p>
+                  </a:txBody>
+                  <a:tcPr/>
+                </a:tc>
+                <a:tc>
+                  <a:txBody>
+                    <a:bodyPr/>
+                    <a:lstStyle/>
+                    <a:p>
+                      <a:r>
+                        <a:rPr lang="en-US" sz="700" dirty="0"/>
+                        <a:t>RP Pico Pin</a:t>
+                      </a:r>
+                    </a:p>
+                  </a:txBody>
+                  <a:tcPr/>
+                </a:tc>
+                <a:tc>
+                  <a:txBody>
+                    <a:bodyPr/>
+                    <a:lstStyle/>
+                    <a:p>
+                      <a:r>
+                        <a:rPr lang="en-US" sz="700"/>
+                        <a:t>Color</a:t>
+                      </a:r>
+                      <a:endParaRPr lang="en-US"/>
+                    </a:p>
+                  </a:txBody>
+                  <a:tcPr/>
+                </a:tc>
+                <a:tc>
+                  <a:txBody>
+                    <a:bodyPr/>
+                    <a:lstStyle/>
+                    <a:p>
+                      <a:r>
+                        <a:rPr lang="en-US" sz="700" dirty="0"/>
+                        <a:t>Purpose</a:t>
+                      </a:r>
+                    </a:p>
+                  </a:txBody>
+                  <a:tcPr/>
+                </a:tc>
+                <a:tc>
+                  <a:txBody>
+                    <a:bodyPr/>
+                    <a:lstStyle/>
+                    <a:p>
+                      <a:r>
+                        <a:rPr lang="en-US" sz="700" dirty="0"/>
+                        <a:t>Controller board pins cross connections</a:t>
+                      </a:r>
+                    </a:p>
+                  </a:txBody>
+                  <a:tcPr/>
+                </a:tc>
+                <a:tc>
+                  <a:txBody>
+                    <a:bodyPr/>
+                    <a:lstStyle/>
+                    <a:p>
+                      <a:r>
+                        <a:rPr lang="en-US" sz="700" dirty="0"/>
+                        <a:t>Harness</a:t>
+                      </a:r>
+                    </a:p>
+                  </a:txBody>
+                  <a:tcPr/>
+                </a:tc>
+                <a:extLst>
+                  <a:ext uri="{0D108BD9-81ED-4DB2-BD59-A6C34878D82A}">
+                    <a16:rowId xmlns:a16="http://schemas.microsoft.com/office/drawing/2014/main" val="1638991790"/>
+                  </a:ext>
+                </a:extLst>
+              </a:tr>
+              <a:tr h="158907">
+                <a:tc>
+                  <a:txBody>
+                    <a:bodyPr/>
+                    <a:lstStyle/>
+                    <a:p>
+                      <a:r>
+                        <a:rPr lang="en-US" sz="700" dirty="0"/>
+                        <a:t>3</a:t>
+                      </a:r>
+                    </a:p>
+                  </a:txBody>
+                  <a:tcPr/>
+                </a:tc>
+                <a:tc>
+                  <a:txBody>
+                    <a:bodyPr/>
+                    <a:lstStyle/>
+                    <a:p>
+                      <a:endParaRPr lang="en-US" sz="700" dirty="0"/>
+                    </a:p>
+                  </a:txBody>
+                  <a:tcPr/>
+                </a:tc>
+                <a:tc>
+                  <a:txBody>
+                    <a:bodyPr/>
+                    <a:lstStyle/>
+                    <a:p>
+                      <a:r>
+                        <a:rPr lang="en-US" sz="800" dirty="0"/>
+                        <a:t>Red</a:t>
+                      </a:r>
+                      <a:endParaRPr lang="en-US" dirty="0"/>
+                    </a:p>
+                  </a:txBody>
+                  <a:tcPr/>
+                </a:tc>
+                <a:tc>
+                  <a:txBody>
+                    <a:bodyPr/>
+                    <a:lstStyle/>
+                    <a:p>
+                      <a:r>
+                        <a:rPr lang="en-US" sz="700"/>
+                        <a:t>VCC+ Power to the boards</a:t>
+                      </a:r>
+                      <a:endParaRPr lang="en-US" sz="700" dirty="0"/>
+                    </a:p>
+                  </a:txBody>
+                  <a:tcPr/>
+                </a:tc>
+                <a:tc>
+                  <a:txBody>
+                    <a:bodyPr/>
+                    <a:lstStyle/>
+                    <a:p>
+                      <a:endParaRPr lang="en-US" sz="700" dirty="0"/>
+                    </a:p>
+                  </a:txBody>
+                  <a:tcPr/>
+                </a:tc>
+                <a:tc>
+                  <a:txBody>
+                    <a:bodyPr/>
+                    <a:lstStyle/>
+                    <a:p>
+                      <a:endParaRPr lang="en-US" sz="700" dirty="0"/>
+                    </a:p>
+                  </a:txBody>
+                  <a:tcPr/>
+                </a:tc>
+                <a:extLst>
+                  <a:ext uri="{0D108BD9-81ED-4DB2-BD59-A6C34878D82A}">
+                    <a16:rowId xmlns:a16="http://schemas.microsoft.com/office/drawing/2014/main" val="3274643784"/>
+                  </a:ext>
+                </a:extLst>
+              </a:tr>
+              <a:tr h="158907">
+                <a:tc>
+                  <a:txBody>
+                    <a:bodyPr/>
+                    <a:lstStyle/>
+                    <a:p>
+                      <a:r>
+                        <a:rPr lang="en-US" sz="700" dirty="0"/>
+                        <a:t>4</a:t>
+                      </a:r>
+                    </a:p>
+                  </a:txBody>
+                  <a:tcPr/>
+                </a:tc>
+                <a:tc>
+                  <a:txBody>
+                    <a:bodyPr/>
+                    <a:lstStyle/>
+                    <a:p>
+                      <a:endParaRPr lang="en-US" sz="700" dirty="0"/>
+                    </a:p>
+                  </a:txBody>
+                  <a:tcPr/>
+                </a:tc>
+                <a:tc>
+                  <a:txBody>
+                    <a:bodyPr/>
+                    <a:lstStyle/>
+                    <a:p>
+                      <a:r>
+                        <a:rPr lang="en-US" sz="800" dirty="0"/>
+                        <a:t>Black</a:t>
+                      </a:r>
+                      <a:endParaRPr lang="en-US" dirty="0"/>
+                    </a:p>
+                  </a:txBody>
+                  <a:tcPr/>
+                </a:tc>
+                <a:tc>
+                  <a:txBody>
+                    <a:bodyPr/>
+                    <a:lstStyle/>
+                    <a:p>
+                      <a:pPr marL="0" marR="0" lvl="0" indent="0" algn="l" defTabSz="914400" rtl="0" eaLnBrk="1" fontAlgn="auto" latinLnBrk="0" hangingPunct="1">
+                        <a:lnSpc>
+                          <a:spcPct val="100000"/>
+                        </a:lnSpc>
+                        <a:spcBef>
+                          <a:spcPts val="0"/>
+                        </a:spcBef>
+                        <a:spcAft>
+                          <a:spcPts val="0"/>
+                        </a:spcAft>
+                        <a:buClrTx/>
+                        <a:buSzTx/>
+                        <a:buFontTx/>
+                        <a:buNone/>
+                        <a:tabLst/>
+                        <a:defRPr/>
+                      </a:pPr>
+                      <a:r>
+                        <a:rPr lang="en-US" sz="700" dirty="0"/>
+                        <a:t>GND. Power to the boards</a:t>
+                      </a:r>
+                    </a:p>
+                  </a:txBody>
+                  <a:tcPr/>
+                </a:tc>
+                <a:tc>
+                  <a:txBody>
+                    <a:bodyPr/>
+                    <a:lstStyle/>
+                    <a:p>
+                      <a:endParaRPr lang="en-US" sz="700" dirty="0"/>
+                    </a:p>
+                  </a:txBody>
+                  <a:tcPr/>
+                </a:tc>
+                <a:tc>
+                  <a:txBody>
+                    <a:bodyPr/>
+                    <a:lstStyle/>
+                    <a:p>
+                      <a:endParaRPr lang="en-US" sz="700" dirty="0"/>
+                    </a:p>
+                  </a:txBody>
+                  <a:tcPr/>
+                </a:tc>
+                <a:extLst>
+                  <a:ext uri="{0D108BD9-81ED-4DB2-BD59-A6C34878D82A}">
+                    <a16:rowId xmlns:a16="http://schemas.microsoft.com/office/drawing/2014/main" val="1227540460"/>
+                  </a:ext>
+                </a:extLst>
+              </a:tr>
+              <a:tr h="158907">
+                <a:tc>
+                  <a:txBody>
+                    <a:bodyPr/>
+                    <a:lstStyle/>
+                    <a:p>
+                      <a:r>
+                        <a:rPr lang="en-US" sz="700" dirty="0"/>
+                        <a:t>6</a:t>
+                      </a:r>
+                    </a:p>
+                  </a:txBody>
+                  <a:tcPr/>
+                </a:tc>
+                <a:tc>
+                  <a:txBody>
+                    <a:bodyPr/>
+                    <a:lstStyle/>
+                    <a:p>
+                      <a:r>
+                        <a:rPr lang="en-US" sz="700" dirty="0"/>
+                        <a:t>38 (GND)</a:t>
+                      </a:r>
+                    </a:p>
+                  </a:txBody>
+                  <a:tcPr/>
+                </a:tc>
+                <a:tc>
+                  <a:txBody>
+                    <a:bodyPr/>
+                    <a:lstStyle/>
+                    <a:p>
+                      <a:r>
+                        <a:rPr lang="en-US" sz="700" dirty="0"/>
+                        <a:t>Black</a:t>
+                      </a:r>
+                      <a:endParaRPr lang="en-US" dirty="0"/>
+                    </a:p>
+                  </a:txBody>
+                  <a:tcPr/>
+                </a:tc>
+                <a:tc>
+                  <a:txBody>
+                    <a:bodyPr/>
+                    <a:lstStyle/>
+                    <a:p>
+                      <a:r>
+                        <a:rPr lang="en-US" sz="700"/>
+                        <a:t> </a:t>
+                      </a:r>
+                      <a:endParaRPr lang="en-US" sz="700" dirty="0"/>
+                    </a:p>
+                  </a:txBody>
+                  <a:tcPr/>
+                </a:tc>
+                <a:tc>
+                  <a:txBody>
+                    <a:bodyPr/>
+                    <a:lstStyle/>
+                    <a:p>
+                      <a:endParaRPr lang="en-US" sz="700" dirty="0"/>
+                    </a:p>
+                  </a:txBody>
+                  <a:tcPr/>
+                </a:tc>
+                <a:tc>
+                  <a:txBody>
+                    <a:bodyPr/>
+                    <a:lstStyle/>
+                    <a:p>
+                      <a:endParaRPr lang="en-US" sz="700" dirty="0"/>
+                    </a:p>
+                  </a:txBody>
+                  <a:tcPr/>
+                </a:tc>
+                <a:extLst>
+                  <a:ext uri="{0D108BD9-81ED-4DB2-BD59-A6C34878D82A}">
+                    <a16:rowId xmlns:a16="http://schemas.microsoft.com/office/drawing/2014/main" val="752171958"/>
+                  </a:ext>
+                </a:extLst>
+              </a:tr>
+              <a:tr h="158907">
+                <a:tc>
+                  <a:txBody>
+                    <a:bodyPr/>
+                    <a:lstStyle/>
+                    <a:p>
+                      <a:r>
+                        <a:rPr lang="en-US" sz="700" dirty="0"/>
+                        <a:t>7</a:t>
+                      </a:r>
+                    </a:p>
+                  </a:txBody>
+                  <a:tcPr/>
+                </a:tc>
+                <a:tc>
+                  <a:txBody>
+                    <a:bodyPr/>
+                    <a:lstStyle/>
+                    <a:p>
+                      <a:r>
+                        <a:rPr lang="en-US" sz="700" dirty="0"/>
+                        <a:t>39 (VSYS)</a:t>
+                      </a:r>
+                    </a:p>
+                  </a:txBody>
+                  <a:tcPr/>
+                </a:tc>
+                <a:tc>
+                  <a:txBody>
+                    <a:bodyPr/>
+                    <a:lstStyle/>
+                    <a:p>
+                      <a:r>
+                        <a:rPr lang="en-US" sz="700" dirty="0"/>
+                        <a:t>Red</a:t>
+                      </a:r>
+                      <a:endParaRPr lang="en-US" dirty="0"/>
+                    </a:p>
+                  </a:txBody>
+                  <a:tcPr/>
+                </a:tc>
+                <a:tc>
+                  <a:txBody>
+                    <a:bodyPr/>
+                    <a:lstStyle/>
+                    <a:p>
+                      <a:r>
+                        <a:rPr lang="en-US" sz="700"/>
+                        <a:t>Supplies power to RP board</a:t>
+                      </a:r>
+                      <a:endParaRPr lang="en-US" sz="700" dirty="0"/>
+                    </a:p>
+                  </a:txBody>
+                  <a:tcPr/>
+                </a:tc>
+                <a:tc>
+                  <a:txBody>
+                    <a:bodyPr/>
+                    <a:lstStyle/>
+                    <a:p>
+                      <a:endParaRPr lang="en-US" sz="700" dirty="0"/>
+                    </a:p>
+                  </a:txBody>
+                  <a:tcPr/>
+                </a:tc>
+                <a:tc>
+                  <a:txBody>
+                    <a:bodyPr/>
+                    <a:lstStyle/>
+                    <a:p>
+                      <a:endParaRPr lang="en-US" sz="700" dirty="0"/>
+                    </a:p>
+                  </a:txBody>
+                  <a:tcPr/>
+                </a:tc>
+                <a:extLst>
+                  <a:ext uri="{0D108BD9-81ED-4DB2-BD59-A6C34878D82A}">
+                    <a16:rowId xmlns:a16="http://schemas.microsoft.com/office/drawing/2014/main" val="1714685091"/>
+                  </a:ext>
+                </a:extLst>
+              </a:tr>
+              <a:tr h="158907">
+                <a:tc>
+                  <a:txBody>
+                    <a:bodyPr/>
+                    <a:lstStyle/>
+                    <a:p>
+                      <a:r>
+                        <a:rPr lang="en-US" sz="700" dirty="0"/>
+                        <a:t>8</a:t>
+                      </a:r>
+                    </a:p>
+                  </a:txBody>
+                  <a:tcPr/>
+                </a:tc>
+                <a:tc>
+                  <a:txBody>
+                    <a:bodyPr/>
+                    <a:lstStyle/>
+                    <a:p>
+                      <a:pPr marL="0" marR="0" lvl="0" indent="0" algn="l" defTabSz="914400" rtl="0" eaLnBrk="1" fontAlgn="auto" latinLnBrk="0" hangingPunct="1">
+                        <a:lnSpc>
+                          <a:spcPct val="100000"/>
+                        </a:lnSpc>
+                        <a:spcBef>
+                          <a:spcPts val="0"/>
+                        </a:spcBef>
+                        <a:spcAft>
+                          <a:spcPts val="0"/>
+                        </a:spcAft>
+                        <a:buClrTx/>
+                        <a:buSzTx/>
+                        <a:buFontTx/>
+                        <a:buNone/>
+                        <a:tabLst/>
+                        <a:defRPr/>
+                      </a:pPr>
+                      <a:r>
+                        <a:rPr lang="en-US" sz="700" dirty="0"/>
+                        <a:t>26 (GP20)</a:t>
+                      </a:r>
+                    </a:p>
+                  </a:txBody>
+                  <a:tcPr/>
+                </a:tc>
+                <a:tc>
+                  <a:txBody>
+                    <a:bodyPr/>
+                    <a:lstStyle/>
+                    <a:p>
+                      <a:r>
+                        <a:rPr lang="en-US" sz="700"/>
+                        <a:t>White</a:t>
+                      </a:r>
+                      <a:endParaRPr lang="en-US"/>
+                    </a:p>
+                  </a:txBody>
+                  <a:tcPr/>
+                </a:tc>
+                <a:tc>
+                  <a:txBody>
+                    <a:bodyPr/>
+                    <a:lstStyle/>
+                    <a:p>
+                      <a:r>
+                        <a:rPr lang="en-US" sz="700"/>
+                        <a:t>Motion sensor or bypass switch</a:t>
+                      </a:r>
+                      <a:endParaRPr lang="en-US" sz="700" dirty="0"/>
+                    </a:p>
+                  </a:txBody>
+                  <a:tcPr/>
+                </a:tc>
+                <a:tc>
+                  <a:txBody>
+                    <a:bodyPr/>
+                    <a:lstStyle/>
+                    <a:p>
+                      <a:endParaRPr lang="en-US" sz="700" dirty="0"/>
+                    </a:p>
+                  </a:txBody>
+                  <a:tcPr/>
+                </a:tc>
+                <a:tc>
+                  <a:txBody>
+                    <a:bodyPr/>
+                    <a:lstStyle/>
+                    <a:p>
+                      <a:r>
+                        <a:rPr lang="en-US" sz="700" dirty="0"/>
+                        <a:t>RP</a:t>
+                      </a:r>
+                    </a:p>
+                  </a:txBody>
+                  <a:tcPr/>
+                </a:tc>
+                <a:extLst>
+                  <a:ext uri="{0D108BD9-81ED-4DB2-BD59-A6C34878D82A}">
+                    <a16:rowId xmlns:a16="http://schemas.microsoft.com/office/drawing/2014/main" val="1152644567"/>
+                  </a:ext>
+                </a:extLst>
+              </a:tr>
+              <a:tr h="158907">
+                <a:tc>
+                  <a:txBody>
+                    <a:bodyPr/>
+                    <a:lstStyle/>
+                    <a:p>
+                      <a:r>
+                        <a:rPr lang="en-US" sz="700" dirty="0"/>
+                        <a:t>9</a:t>
+                      </a:r>
+                    </a:p>
+                  </a:txBody>
+                  <a:tcPr/>
+                </a:tc>
+                <a:tc>
+                  <a:txBody>
+                    <a:bodyPr/>
+                    <a:lstStyle/>
+                    <a:p>
+                      <a:pPr marL="0" marR="0" lvl="0" indent="0" algn="l" defTabSz="914400" rtl="0" eaLnBrk="1" fontAlgn="auto" latinLnBrk="0" hangingPunct="1">
+                        <a:lnSpc>
+                          <a:spcPct val="100000"/>
+                        </a:lnSpc>
+                        <a:spcBef>
+                          <a:spcPts val="0"/>
+                        </a:spcBef>
+                        <a:spcAft>
+                          <a:spcPts val="0"/>
+                        </a:spcAft>
+                        <a:buClrTx/>
+                        <a:buSzTx/>
+                        <a:buFontTx/>
+                        <a:buNone/>
+                        <a:tabLst/>
+                        <a:defRPr/>
+                      </a:pPr>
+                      <a:r>
+                        <a:rPr lang="en-US" sz="700" dirty="0"/>
+                        <a:t>25 (GP19)</a:t>
+                      </a:r>
+                    </a:p>
+                  </a:txBody>
+                  <a:tcPr/>
+                </a:tc>
+                <a:tc>
+                  <a:txBody>
+                    <a:bodyPr/>
+                    <a:lstStyle/>
+                    <a:p>
+                      <a:r>
+                        <a:rPr lang="en-US" sz="700"/>
+                        <a:t>Yellow</a:t>
+                      </a:r>
+                      <a:endParaRPr lang="en-US"/>
+                    </a:p>
+                  </a:txBody>
+                  <a:tcPr/>
+                </a:tc>
+                <a:tc>
+                  <a:txBody>
+                    <a:bodyPr/>
+                    <a:lstStyle/>
+                    <a:p>
+                      <a:r>
+                        <a:rPr lang="en-US" sz="700" dirty="0"/>
+                        <a:t>Limit switch 2</a:t>
+                      </a:r>
+                    </a:p>
+                  </a:txBody>
+                  <a:tcPr/>
+                </a:tc>
+                <a:tc>
+                  <a:txBody>
+                    <a:bodyPr/>
+                    <a:lstStyle/>
+                    <a:p>
+                      <a:endParaRPr lang="en-US" sz="700" dirty="0"/>
+                    </a:p>
+                  </a:txBody>
+                  <a:tcPr/>
+                </a:tc>
+                <a:tc>
+                  <a:txBody>
+                    <a:bodyPr/>
+                    <a:lstStyle/>
+                    <a:p>
+                      <a:r>
+                        <a:rPr lang="en-US" sz="700" dirty="0"/>
+                        <a:t>RP</a:t>
+                      </a:r>
+                    </a:p>
+                  </a:txBody>
+                  <a:tcPr/>
+                </a:tc>
+                <a:extLst>
+                  <a:ext uri="{0D108BD9-81ED-4DB2-BD59-A6C34878D82A}">
+                    <a16:rowId xmlns:a16="http://schemas.microsoft.com/office/drawing/2014/main" val="4168894944"/>
+                  </a:ext>
+                </a:extLst>
+              </a:tr>
+              <a:tr h="158907">
+                <a:tc>
+                  <a:txBody>
+                    <a:bodyPr/>
+                    <a:lstStyle/>
+                    <a:p>
+                      <a:r>
+                        <a:rPr lang="en-US" sz="700" dirty="0"/>
+                        <a:t>10</a:t>
+                      </a:r>
+                    </a:p>
+                  </a:txBody>
+                  <a:tcPr/>
+                </a:tc>
+                <a:tc>
+                  <a:txBody>
+                    <a:bodyPr/>
+                    <a:lstStyle/>
+                    <a:p>
+                      <a:r>
+                        <a:rPr lang="en-US" sz="700" dirty="0"/>
+                        <a:t>24 (GP18)</a:t>
+                      </a:r>
+                    </a:p>
+                  </a:txBody>
+                  <a:tcPr/>
+                </a:tc>
+                <a:tc>
+                  <a:txBody>
+                    <a:bodyPr/>
+                    <a:lstStyle/>
+                    <a:p>
+                      <a:r>
+                        <a:rPr lang="en-US" sz="700"/>
+                        <a:t>Blue</a:t>
+                      </a:r>
+                      <a:endParaRPr lang="en-US"/>
+                    </a:p>
+                  </a:txBody>
+                  <a:tcPr/>
+                </a:tc>
+                <a:tc>
+                  <a:txBody>
+                    <a:bodyPr/>
+                    <a:lstStyle/>
+                    <a:p>
+                      <a:r>
+                        <a:rPr lang="en-US" sz="700"/>
+                        <a:t>Limit switch 1</a:t>
+                      </a:r>
+                      <a:endParaRPr lang="en-US" sz="700" dirty="0"/>
+                    </a:p>
+                  </a:txBody>
+                  <a:tcPr/>
+                </a:tc>
+                <a:tc>
+                  <a:txBody>
+                    <a:bodyPr/>
+                    <a:lstStyle/>
+                    <a:p>
+                      <a:endParaRPr lang="en-US" sz="700" dirty="0"/>
+                    </a:p>
+                  </a:txBody>
+                  <a:tcPr/>
+                </a:tc>
+                <a:tc>
+                  <a:txBody>
+                    <a:bodyPr/>
+                    <a:lstStyle/>
+                    <a:p>
+                      <a:r>
+                        <a:rPr lang="en-US" sz="700" dirty="0"/>
+                        <a:t>RP</a:t>
+                      </a:r>
+                    </a:p>
+                  </a:txBody>
+                  <a:tcPr/>
+                </a:tc>
+                <a:extLst>
+                  <a:ext uri="{0D108BD9-81ED-4DB2-BD59-A6C34878D82A}">
+                    <a16:rowId xmlns:a16="http://schemas.microsoft.com/office/drawing/2014/main" val="3355078547"/>
+                  </a:ext>
+                </a:extLst>
+              </a:tr>
+              <a:tr h="158907">
+                <a:tc>
+                  <a:txBody>
+                    <a:bodyPr/>
+                    <a:lstStyle/>
+                    <a:p>
+                      <a:r>
+                        <a:rPr lang="en-US" sz="700" dirty="0"/>
+                        <a:t>11</a:t>
+                      </a:r>
+                    </a:p>
+                  </a:txBody>
+                  <a:tcPr/>
+                </a:tc>
+                <a:tc>
+                  <a:txBody>
+                    <a:bodyPr/>
+                    <a:lstStyle/>
+                    <a:p>
+                      <a:r>
+                        <a:rPr lang="en-US" sz="700" dirty="0"/>
+                        <a:t>23 (GP21)</a:t>
+                      </a:r>
+                    </a:p>
+                  </a:txBody>
+                  <a:tcPr/>
+                </a:tc>
+                <a:tc>
+                  <a:txBody>
+                    <a:bodyPr/>
+                    <a:lstStyle/>
+                    <a:p>
+                      <a:r>
+                        <a:rPr lang="en-US" sz="700"/>
+                        <a:t>Red</a:t>
+                      </a:r>
+                      <a:endParaRPr lang="en-US"/>
+                    </a:p>
+                  </a:txBody>
+                  <a:tcPr/>
+                </a:tc>
+                <a:tc>
+                  <a:txBody>
+                    <a:bodyPr/>
+                    <a:lstStyle/>
+                    <a:p>
+                      <a:r>
+                        <a:rPr lang="en-US" sz="700"/>
+                        <a:t>Motion sensor</a:t>
+                      </a:r>
+                      <a:endParaRPr lang="en-US" sz="700" dirty="0"/>
+                    </a:p>
+                  </a:txBody>
+                  <a:tcPr/>
+                </a:tc>
+                <a:tc>
+                  <a:txBody>
+                    <a:bodyPr/>
+                    <a:lstStyle/>
+                    <a:p>
+                      <a:endParaRPr lang="en-US" sz="700" dirty="0"/>
+                    </a:p>
+                  </a:txBody>
+                  <a:tcPr/>
+                </a:tc>
+                <a:tc>
+                  <a:txBody>
+                    <a:bodyPr/>
+                    <a:lstStyle/>
+                    <a:p>
+                      <a:pPr marL="0" marR="0" lvl="0" indent="0" algn="l" defTabSz="914400" rtl="0" eaLnBrk="1" fontAlgn="auto" latinLnBrk="0" hangingPunct="1">
+                        <a:lnSpc>
+                          <a:spcPct val="100000"/>
+                        </a:lnSpc>
+                        <a:spcBef>
+                          <a:spcPts val="0"/>
+                        </a:spcBef>
+                        <a:spcAft>
+                          <a:spcPts val="0"/>
+                        </a:spcAft>
+                        <a:buClrTx/>
+                        <a:buSzTx/>
+                        <a:buFontTx/>
+                        <a:buNone/>
+                        <a:tabLst/>
+                        <a:defRPr/>
+                      </a:pPr>
+                      <a:r>
+                        <a:rPr lang="en-US" sz="700" dirty="0"/>
+                        <a:t>RP</a:t>
+                      </a:r>
+                    </a:p>
+                  </a:txBody>
+                  <a:tcPr/>
+                </a:tc>
+                <a:extLst>
+                  <a:ext uri="{0D108BD9-81ED-4DB2-BD59-A6C34878D82A}">
+                    <a16:rowId xmlns:a16="http://schemas.microsoft.com/office/drawing/2014/main" val="3888512149"/>
+                  </a:ext>
+                </a:extLst>
+              </a:tr>
+              <a:tr h="158907">
+                <a:tc>
+                  <a:txBody>
+                    <a:bodyPr/>
+                    <a:lstStyle/>
+                    <a:p>
+                      <a:r>
+                        <a:rPr lang="en-US" sz="700" dirty="0"/>
+                        <a:t>12</a:t>
+                      </a:r>
+                    </a:p>
+                  </a:txBody>
+                  <a:tcPr/>
+                </a:tc>
+                <a:tc>
+                  <a:txBody>
+                    <a:bodyPr/>
+                    <a:lstStyle/>
+                    <a:p>
+                      <a:pPr marL="0" marR="0" lvl="0" indent="0" algn="l" defTabSz="914400" rtl="0" eaLnBrk="1" fontAlgn="auto" latinLnBrk="0" hangingPunct="1">
+                        <a:lnSpc>
+                          <a:spcPct val="100000"/>
+                        </a:lnSpc>
+                        <a:spcBef>
+                          <a:spcPts val="0"/>
+                        </a:spcBef>
+                        <a:spcAft>
+                          <a:spcPts val="0"/>
+                        </a:spcAft>
+                        <a:buClrTx/>
+                        <a:buSzTx/>
+                        <a:buFontTx/>
+                        <a:buNone/>
+                        <a:tabLst/>
+                        <a:defRPr/>
+                      </a:pPr>
+                      <a:r>
+                        <a:rPr lang="en-US" sz="700" dirty="0"/>
+                        <a:t>22 (GP17)</a:t>
+                      </a:r>
+                    </a:p>
+                  </a:txBody>
+                  <a:tcPr/>
+                </a:tc>
+                <a:tc>
+                  <a:txBody>
+                    <a:bodyPr/>
+                    <a:lstStyle/>
+                    <a:p>
+                      <a:r>
+                        <a:rPr lang="en-US" sz="700"/>
+                        <a:t>Green</a:t>
+                      </a:r>
+                      <a:endParaRPr lang="en-US"/>
+                    </a:p>
+                  </a:txBody>
+                  <a:tcPr/>
+                </a:tc>
+                <a:tc>
+                  <a:txBody>
+                    <a:bodyPr/>
+                    <a:lstStyle/>
+                    <a:p>
+                      <a:r>
+                        <a:rPr lang="en-US" sz="700"/>
+                        <a:t>GPIO Out to DPDT trigger</a:t>
+                      </a:r>
+                      <a:endParaRPr lang="en-US" sz="700" dirty="0"/>
+                    </a:p>
+                  </a:txBody>
+                  <a:tcPr/>
+                </a:tc>
+                <a:tc>
+                  <a:txBody>
+                    <a:bodyPr/>
+                    <a:lstStyle/>
+                    <a:p>
+                      <a:endParaRPr lang="en-US" sz="700" dirty="0"/>
+                    </a:p>
+                  </a:txBody>
+                  <a:tcPr/>
+                </a:tc>
+                <a:tc>
+                  <a:txBody>
+                    <a:bodyPr/>
+                    <a:lstStyle/>
+                    <a:p>
+                      <a:r>
+                        <a:rPr lang="en-US" sz="700" dirty="0"/>
+                        <a:t>RP</a:t>
+                      </a:r>
+                    </a:p>
+                  </a:txBody>
+                  <a:tcPr/>
+                </a:tc>
+                <a:extLst>
+                  <a:ext uri="{0D108BD9-81ED-4DB2-BD59-A6C34878D82A}">
+                    <a16:rowId xmlns:a16="http://schemas.microsoft.com/office/drawing/2014/main" val="3226662448"/>
+                  </a:ext>
+                </a:extLst>
+              </a:tr>
+              <a:tr h="158907">
+                <a:tc>
+                  <a:txBody>
+                    <a:bodyPr/>
+                    <a:lstStyle/>
+                    <a:p>
+                      <a:r>
+                        <a:rPr lang="en-US" sz="700" dirty="0"/>
+                        <a:t>13</a:t>
+                      </a:r>
+                    </a:p>
+                  </a:txBody>
+                  <a:tcPr/>
+                </a:tc>
+                <a:tc>
+                  <a:txBody>
+                    <a:bodyPr/>
+                    <a:lstStyle/>
+                    <a:p>
+                      <a:r>
+                        <a:rPr lang="en-US" sz="700" dirty="0"/>
+                        <a:t>21 (GP16)</a:t>
+                      </a:r>
+                    </a:p>
+                  </a:txBody>
+                  <a:tcPr/>
+                </a:tc>
+                <a:tc>
+                  <a:txBody>
+                    <a:bodyPr/>
+                    <a:lstStyle/>
+                    <a:p>
+                      <a:r>
+                        <a:rPr lang="en-US" sz="700"/>
+                        <a:t>Black</a:t>
+                      </a:r>
+                      <a:endParaRPr lang="en-US"/>
+                    </a:p>
+                  </a:txBody>
+                  <a:tcPr/>
+                </a:tc>
+                <a:tc>
+                  <a:txBody>
+                    <a:bodyPr/>
+                    <a:lstStyle/>
+                    <a:p>
+                      <a:r>
+                        <a:rPr lang="en-US" sz="700"/>
+                        <a:t>GPIO out SPST trigger</a:t>
+                      </a:r>
+                      <a:endParaRPr lang="en-US" sz="700" dirty="0"/>
+                    </a:p>
+                  </a:txBody>
+                  <a:tcPr/>
+                </a:tc>
+                <a:tc>
+                  <a:txBody>
+                    <a:bodyPr/>
+                    <a:lstStyle/>
+                    <a:p>
+                      <a:endParaRPr lang="en-US" sz="700" dirty="0"/>
+                    </a:p>
+                  </a:txBody>
+                  <a:tcPr/>
+                </a:tc>
+                <a:tc>
+                  <a:txBody>
+                    <a:bodyPr/>
+                    <a:lstStyle/>
+                    <a:p>
+                      <a:r>
+                        <a:rPr lang="en-US" sz="700" dirty="0"/>
+                        <a:t>RP</a:t>
+                      </a:r>
+                    </a:p>
+                  </a:txBody>
+                  <a:tcPr/>
+                </a:tc>
+                <a:extLst>
+                  <a:ext uri="{0D108BD9-81ED-4DB2-BD59-A6C34878D82A}">
+                    <a16:rowId xmlns:a16="http://schemas.microsoft.com/office/drawing/2014/main" val="2461861957"/>
+                  </a:ext>
+                </a:extLst>
+              </a:tr>
+              <a:tr h="158907">
+                <a:tc>
+                  <a:txBody>
+                    <a:bodyPr/>
+                    <a:lstStyle/>
+                    <a:p>
+                      <a:r>
+                        <a:rPr lang="en-US" sz="700" dirty="0"/>
+                        <a:t>15</a:t>
+                      </a:r>
+                    </a:p>
+                  </a:txBody>
+                  <a:tcPr/>
+                </a:tc>
+                <a:tc>
+                  <a:txBody>
+                    <a:bodyPr/>
+                    <a:lstStyle/>
+                    <a:p>
+                      <a:endParaRPr lang="en-US" sz="700" dirty="0"/>
+                    </a:p>
+                  </a:txBody>
+                  <a:tcPr/>
+                </a:tc>
+                <a:tc>
+                  <a:txBody>
+                    <a:bodyPr/>
+                    <a:lstStyle/>
+                    <a:p>
+                      <a:r>
+                        <a:rPr lang="en-US" sz="700"/>
+                        <a:t>Black</a:t>
+                      </a:r>
+                      <a:endParaRPr lang="en-US"/>
+                    </a:p>
+                  </a:txBody>
+                  <a:tcPr/>
+                </a:tc>
+                <a:tc>
+                  <a:txBody>
+                    <a:bodyPr/>
+                    <a:lstStyle/>
+                    <a:p>
+                      <a:r>
+                        <a:rPr lang="en-US" sz="700"/>
+                        <a:t>To common pin of bypass switch</a:t>
+                      </a:r>
+                      <a:endParaRPr lang="en-US" sz="700" dirty="0"/>
+                    </a:p>
+                  </a:txBody>
+                  <a:tcPr/>
+                </a:tc>
+                <a:tc>
+                  <a:txBody>
+                    <a:bodyPr/>
+                    <a:lstStyle/>
+                    <a:p>
+                      <a:endParaRPr lang="en-US" sz="700" dirty="0"/>
+                    </a:p>
+                  </a:txBody>
+                  <a:tcPr/>
+                </a:tc>
+                <a:tc>
+                  <a:txBody>
+                    <a:bodyPr/>
+                    <a:lstStyle/>
+                    <a:p>
+                      <a:r>
+                        <a:rPr lang="en-US" sz="700" dirty="0"/>
+                        <a:t>Bypass switch</a:t>
+                      </a:r>
+                    </a:p>
+                  </a:txBody>
+                  <a:tcPr/>
+                </a:tc>
+                <a:extLst>
+                  <a:ext uri="{0D108BD9-81ED-4DB2-BD59-A6C34878D82A}">
+                    <a16:rowId xmlns:a16="http://schemas.microsoft.com/office/drawing/2014/main" val="1531903705"/>
+                  </a:ext>
+                </a:extLst>
+              </a:tr>
+              <a:tr h="158907">
+                <a:tc>
+                  <a:txBody>
+                    <a:bodyPr/>
+                    <a:lstStyle/>
+                    <a:p>
+                      <a:r>
+                        <a:rPr lang="en-US" sz="700" dirty="0"/>
+                        <a:t>16</a:t>
+                      </a:r>
+                    </a:p>
+                  </a:txBody>
+                  <a:tcPr/>
+                </a:tc>
+                <a:tc>
+                  <a:txBody>
+                    <a:bodyPr/>
+                    <a:lstStyle/>
+                    <a:p>
+                      <a:endParaRPr lang="en-US" sz="700" dirty="0"/>
+                    </a:p>
+                  </a:txBody>
+                  <a:tcPr/>
+                </a:tc>
+                <a:tc>
+                  <a:txBody>
+                    <a:bodyPr/>
+                    <a:lstStyle/>
+                    <a:p>
+                      <a:r>
+                        <a:rPr lang="en-US" sz="700" dirty="0"/>
+                        <a:t>Red</a:t>
+                      </a:r>
+                      <a:endParaRPr lang="en-US" dirty="0"/>
+                    </a:p>
+                  </a:txBody>
+                  <a:tcPr/>
+                </a:tc>
+                <a:tc>
+                  <a:txBody>
+                    <a:bodyPr/>
+                    <a:lstStyle/>
+                    <a:p>
+                      <a:r>
+                        <a:rPr lang="en-US" sz="700" dirty="0"/>
+                        <a:t>Trigger voltage (1M pull-up resistor to VCC+)</a:t>
+                      </a:r>
+                    </a:p>
+                  </a:txBody>
+                  <a:tcPr/>
+                </a:tc>
+                <a:tc>
+                  <a:txBody>
+                    <a:bodyPr/>
+                    <a:lstStyle/>
+                    <a:p>
+                      <a:endParaRPr lang="en-US" sz="700" dirty="0"/>
+                    </a:p>
+                  </a:txBody>
+                  <a:tcPr/>
+                </a:tc>
+                <a:tc>
+                  <a:txBody>
+                    <a:bodyPr/>
+                    <a:lstStyle/>
+                    <a:p>
+                      <a:pPr marL="0" marR="0" lvl="0" indent="0" algn="l" defTabSz="914400" rtl="0" eaLnBrk="1" fontAlgn="auto" latinLnBrk="0" hangingPunct="1">
+                        <a:lnSpc>
+                          <a:spcPct val="100000"/>
+                        </a:lnSpc>
+                        <a:spcBef>
+                          <a:spcPts val="0"/>
+                        </a:spcBef>
+                        <a:spcAft>
+                          <a:spcPts val="0"/>
+                        </a:spcAft>
+                        <a:buClrTx/>
+                        <a:buSzTx/>
+                        <a:buFontTx/>
+                        <a:buNone/>
+                        <a:tabLst/>
+                        <a:defRPr/>
+                      </a:pPr>
+                      <a:r>
+                        <a:rPr lang="en-US" sz="700" dirty="0"/>
+                        <a:t>Bypass switch</a:t>
+                      </a:r>
+                    </a:p>
+                  </a:txBody>
+                  <a:tcPr/>
+                </a:tc>
+                <a:extLst>
+                  <a:ext uri="{0D108BD9-81ED-4DB2-BD59-A6C34878D82A}">
+                    <a16:rowId xmlns:a16="http://schemas.microsoft.com/office/drawing/2014/main" val="2217675217"/>
+                  </a:ext>
+                </a:extLst>
+              </a:tr>
+              <a:tr h="158907">
+                <a:tc>
+                  <a:txBody>
+                    <a:bodyPr/>
+                    <a:lstStyle/>
+                    <a:p>
+                      <a:r>
+                        <a:rPr lang="en-US" sz="700" dirty="0"/>
+                        <a:t>2*</a:t>
+                      </a:r>
+                    </a:p>
+                  </a:txBody>
+                  <a:tcPr/>
+                </a:tc>
+                <a:tc>
+                  <a:txBody>
+                    <a:bodyPr/>
+                    <a:lstStyle/>
+                    <a:p>
+                      <a:endParaRPr lang="en-US" sz="700" dirty="0"/>
+                    </a:p>
+                  </a:txBody>
+                  <a:tcPr/>
+                </a:tc>
+                <a:tc>
+                  <a:txBody>
+                    <a:bodyPr/>
+                    <a:lstStyle/>
+                    <a:p>
+                      <a:r>
+                        <a:rPr lang="en-US" sz="700" dirty="0"/>
+                        <a:t>Red</a:t>
+                      </a:r>
+                    </a:p>
+                  </a:txBody>
+                  <a:tcPr/>
+                </a:tc>
+                <a:tc>
+                  <a:txBody>
+                    <a:bodyPr/>
+                    <a:lstStyle/>
+                    <a:p>
+                      <a:r>
+                        <a:rPr lang="en-US" sz="700" dirty="0"/>
+                        <a:t>Trigger voltage (1M pull-up resistor to VCC+)</a:t>
+                      </a:r>
+                    </a:p>
+                  </a:txBody>
+                  <a:tcPr/>
+                </a:tc>
+                <a:tc>
+                  <a:txBody>
+                    <a:bodyPr/>
+                    <a:lstStyle/>
+                    <a:p>
+                      <a:r>
+                        <a:rPr lang="en-US" sz="700" dirty="0"/>
+                        <a:t>10</a:t>
+                      </a:r>
+                    </a:p>
+                  </a:txBody>
+                  <a:tcPr/>
+                </a:tc>
+                <a:tc>
+                  <a:txBody>
+                    <a:bodyPr/>
+                    <a:lstStyle/>
+                    <a:p>
+                      <a:r>
+                        <a:rPr lang="en-US" sz="700" dirty="0"/>
+                        <a:t>Limit Switch 1</a:t>
+                      </a:r>
+                    </a:p>
+                  </a:txBody>
+                  <a:tcPr/>
+                </a:tc>
+                <a:extLst>
+                  <a:ext uri="{0D108BD9-81ED-4DB2-BD59-A6C34878D82A}">
+                    <a16:rowId xmlns:a16="http://schemas.microsoft.com/office/drawing/2014/main" val="890863445"/>
+                  </a:ext>
+                </a:extLst>
+              </a:tr>
+              <a:tr h="158907">
+                <a:tc>
+                  <a:txBody>
+                    <a:bodyPr/>
+                    <a:lstStyle/>
+                    <a:p>
+                      <a:r>
+                        <a:rPr lang="en-US" sz="700" dirty="0"/>
+                        <a:t>3*</a:t>
+                      </a:r>
+                    </a:p>
+                  </a:txBody>
+                  <a:tcPr/>
+                </a:tc>
+                <a:tc>
+                  <a:txBody>
+                    <a:bodyPr/>
+                    <a:lstStyle/>
+                    <a:p>
+                      <a:endParaRPr lang="en-US" sz="700" dirty="0"/>
+                    </a:p>
+                  </a:txBody>
+                  <a:tcPr/>
+                </a:tc>
+                <a:tc>
+                  <a:txBody>
+                    <a:bodyPr/>
+                    <a:lstStyle/>
+                    <a:p>
+                      <a:r>
+                        <a:rPr lang="en-US" sz="700"/>
+                        <a:t>Red</a:t>
+                      </a:r>
+                      <a:endParaRPr lang="en-US" sz="700" dirty="0"/>
+                    </a:p>
+                  </a:txBody>
+                  <a:tcPr/>
+                </a:tc>
+                <a:tc>
+                  <a:txBody>
+                    <a:bodyPr/>
+                    <a:lstStyle/>
+                    <a:p>
+                      <a:r>
+                        <a:rPr lang="en-US" sz="700"/>
+                        <a:t>Trigger voltage (1M pull-up resistor to VCC+)</a:t>
+                      </a:r>
+                      <a:endParaRPr lang="en-US" sz="700" dirty="0"/>
+                    </a:p>
+                  </a:txBody>
+                  <a:tcPr/>
+                </a:tc>
+                <a:tc>
+                  <a:txBody>
+                    <a:bodyPr/>
+                    <a:lstStyle/>
+                    <a:p>
+                      <a:r>
+                        <a:rPr lang="en-US" sz="700" dirty="0"/>
+                        <a:t>9</a:t>
+                      </a:r>
+                    </a:p>
+                  </a:txBody>
+                  <a:tcPr/>
+                </a:tc>
+                <a:tc>
+                  <a:txBody>
+                    <a:bodyPr/>
+                    <a:lstStyle/>
+                    <a:p>
+                      <a:r>
+                        <a:rPr lang="en-US" sz="700" dirty="0"/>
+                        <a:t>Limit Switch 2</a:t>
+                      </a:r>
+                    </a:p>
+                  </a:txBody>
+                  <a:tcPr/>
+                </a:tc>
+                <a:extLst>
+                  <a:ext uri="{0D108BD9-81ED-4DB2-BD59-A6C34878D82A}">
+                    <a16:rowId xmlns:a16="http://schemas.microsoft.com/office/drawing/2014/main" val="2415942561"/>
+                  </a:ext>
+                </a:extLst>
+              </a:tr>
+              <a:tr h="158907">
+                <a:tc>
+                  <a:txBody>
+                    <a:bodyPr/>
+                    <a:lstStyle/>
+                    <a:p>
+                      <a:r>
+                        <a:rPr lang="en-US" sz="700" dirty="0"/>
+                        <a:t>4*</a:t>
+                      </a:r>
+                    </a:p>
+                  </a:txBody>
+                  <a:tcPr/>
+                </a:tc>
+                <a:tc>
+                  <a:txBody>
+                    <a:bodyPr/>
+                    <a:lstStyle/>
+                    <a:p>
+                      <a:endParaRPr lang="en-US" sz="700" dirty="0"/>
+                    </a:p>
+                  </a:txBody>
+                  <a:tcPr/>
+                </a:tc>
+                <a:tc>
+                  <a:txBody>
+                    <a:bodyPr/>
+                    <a:lstStyle/>
+                    <a:p>
+                      <a:r>
+                        <a:rPr lang="en-US" sz="700"/>
+                        <a:t>Black</a:t>
+                      </a:r>
+                      <a:endParaRPr lang="en-US" sz="700" dirty="0"/>
+                    </a:p>
+                  </a:txBody>
+                  <a:tcPr/>
+                </a:tc>
+                <a:tc>
+                  <a:txBody>
+                    <a:bodyPr/>
+                    <a:lstStyle/>
+                    <a:p>
+                      <a:r>
+                        <a:rPr lang="en-US" sz="700"/>
+                        <a:t>GND to both limit switches.</a:t>
+                      </a:r>
+                      <a:endParaRPr lang="en-US" sz="700" dirty="0"/>
+                    </a:p>
+                  </a:txBody>
+                  <a:tcPr/>
+                </a:tc>
+                <a:tc>
+                  <a:txBody>
+                    <a:bodyPr/>
+                    <a:lstStyle/>
+                    <a:p>
+                      <a:endParaRPr lang="en-US" sz="700" dirty="0"/>
+                    </a:p>
+                  </a:txBody>
+                  <a:tcPr/>
+                </a:tc>
+                <a:tc>
+                  <a:txBody>
+                    <a:bodyPr/>
+                    <a:lstStyle/>
+                    <a:p>
+                      <a:pPr marL="0" marR="0" lvl="0" indent="0" algn="l" defTabSz="914400" rtl="0" eaLnBrk="1" fontAlgn="auto" latinLnBrk="0" hangingPunct="1">
+                        <a:lnSpc>
+                          <a:spcPct val="100000"/>
+                        </a:lnSpc>
+                        <a:spcBef>
+                          <a:spcPts val="0"/>
+                        </a:spcBef>
+                        <a:spcAft>
+                          <a:spcPts val="0"/>
+                        </a:spcAft>
+                        <a:buClrTx/>
+                        <a:buSzTx/>
+                        <a:buFontTx/>
+                        <a:buNone/>
+                        <a:tabLst/>
+                        <a:defRPr/>
+                      </a:pPr>
+                      <a:endParaRPr lang="en-US" sz="700" dirty="0"/>
+                    </a:p>
+                  </a:txBody>
+                  <a:tcPr/>
+                </a:tc>
+                <a:extLst>
+                  <a:ext uri="{0D108BD9-81ED-4DB2-BD59-A6C34878D82A}">
+                    <a16:rowId xmlns:a16="http://schemas.microsoft.com/office/drawing/2014/main" val="3428818748"/>
+                  </a:ext>
+                </a:extLst>
+              </a:tr>
+              <a:tr h="158907">
+                <a:tc>
+                  <a:txBody>
+                    <a:bodyPr/>
+                    <a:lstStyle/>
+                    <a:p>
+                      <a:r>
+                        <a:rPr lang="en-US" sz="700" dirty="0"/>
+                        <a:t>5*</a:t>
+                      </a:r>
+                    </a:p>
+                  </a:txBody>
+                  <a:tcPr/>
+                </a:tc>
+                <a:tc>
+                  <a:txBody>
+                    <a:bodyPr/>
+                    <a:lstStyle/>
+                    <a:p>
+                      <a:endParaRPr lang="en-US" sz="700" dirty="0"/>
+                    </a:p>
+                  </a:txBody>
+                  <a:tcPr/>
+                </a:tc>
+                <a:tc>
+                  <a:txBody>
+                    <a:bodyPr/>
+                    <a:lstStyle/>
+                    <a:p>
+                      <a:r>
+                        <a:rPr lang="en-US" sz="700"/>
+                        <a:t>White</a:t>
+                      </a:r>
+                      <a:endParaRPr lang="en-US" sz="700" dirty="0"/>
+                    </a:p>
+                  </a:txBody>
+                  <a:tcPr/>
+                </a:tc>
+                <a:tc>
+                  <a:txBody>
+                    <a:bodyPr/>
+                    <a:lstStyle/>
+                    <a:p>
+                      <a:r>
+                        <a:rPr lang="en-US" sz="700"/>
+                        <a:t>Trigger from motion sensor connects to Pin 6 of controller board.</a:t>
+                      </a:r>
+                      <a:endParaRPr lang="en-US" sz="700" dirty="0"/>
+                    </a:p>
+                  </a:txBody>
+                  <a:tcPr/>
+                </a:tc>
+                <a:tc>
+                  <a:txBody>
+                    <a:bodyPr/>
+                    <a:lstStyle/>
+                    <a:p>
+                      <a:r>
+                        <a:rPr lang="en-US" sz="700" dirty="0"/>
+                        <a:t>11</a:t>
+                      </a:r>
+                    </a:p>
+                  </a:txBody>
+                  <a:tcPr/>
+                </a:tc>
+                <a:tc>
+                  <a:txBody>
+                    <a:bodyPr/>
+                    <a:lstStyle/>
+                    <a:p>
+                      <a:pPr marL="0" marR="0" lvl="0" indent="0" algn="l" defTabSz="914400" rtl="0" eaLnBrk="1" fontAlgn="auto" latinLnBrk="0" hangingPunct="1">
+                        <a:lnSpc>
+                          <a:spcPct val="100000"/>
+                        </a:lnSpc>
+                        <a:spcBef>
+                          <a:spcPts val="0"/>
+                        </a:spcBef>
+                        <a:spcAft>
+                          <a:spcPts val="0"/>
+                        </a:spcAft>
+                        <a:buClrTx/>
+                        <a:buSzTx/>
+                        <a:buFontTx/>
+                        <a:buNone/>
+                        <a:tabLst/>
+                        <a:defRPr/>
+                      </a:pPr>
+                      <a:r>
+                        <a:rPr lang="en-US" sz="700" dirty="0"/>
+                        <a:t>Motion sensor</a:t>
+                      </a:r>
+                    </a:p>
+                  </a:txBody>
+                  <a:tcPr/>
+                </a:tc>
+                <a:extLst>
+                  <a:ext uri="{0D108BD9-81ED-4DB2-BD59-A6C34878D82A}">
+                    <a16:rowId xmlns:a16="http://schemas.microsoft.com/office/drawing/2014/main" val="1661854459"/>
+                  </a:ext>
+                </a:extLst>
+              </a:tr>
+              <a:tr h="158907">
+                <a:tc>
+                  <a:txBody>
+                    <a:bodyPr/>
+                    <a:lstStyle/>
+                    <a:p>
+                      <a:r>
+                        <a:rPr lang="en-US" sz="700" dirty="0"/>
+                        <a:t>6*</a:t>
+                      </a:r>
+                    </a:p>
+                  </a:txBody>
+                  <a:tcPr/>
+                </a:tc>
+                <a:tc>
+                  <a:txBody>
+                    <a:bodyPr/>
+                    <a:lstStyle/>
+                    <a:p>
+                      <a:endParaRPr lang="en-US" sz="700" dirty="0"/>
+                    </a:p>
+                  </a:txBody>
+                  <a:tcPr/>
+                </a:tc>
+                <a:tc>
+                  <a:txBody>
+                    <a:bodyPr/>
+                    <a:lstStyle/>
+                    <a:p>
+                      <a:r>
+                        <a:rPr lang="en-US" sz="700"/>
+                        <a:t>Red</a:t>
+                      </a:r>
+                      <a:endParaRPr lang="en-US" sz="700" dirty="0"/>
+                    </a:p>
+                  </a:txBody>
+                  <a:tcPr/>
+                </a:tc>
+                <a:tc>
+                  <a:txBody>
+                    <a:bodyPr/>
+                    <a:lstStyle/>
+                    <a:p>
+                      <a:r>
+                        <a:rPr lang="en-US" sz="700"/>
+                        <a:t>VCC</a:t>
+                      </a:r>
+                      <a:endParaRPr lang="en-US" sz="700" dirty="0"/>
+                    </a:p>
+                  </a:txBody>
+                  <a:tcPr/>
+                </a:tc>
+                <a:tc>
+                  <a:txBody>
+                    <a:bodyPr/>
+                    <a:lstStyle/>
+                    <a:p>
+                      <a:endParaRPr lang="en-US" sz="700" dirty="0"/>
+                    </a:p>
+                  </a:txBody>
+                  <a:tcPr/>
+                </a:tc>
+                <a:tc>
+                  <a:txBody>
+                    <a:bodyPr/>
+                    <a:lstStyle/>
+                    <a:p>
+                      <a:pPr marL="0" marR="0" lvl="0" indent="0" algn="l" defTabSz="914400" rtl="0" eaLnBrk="1" fontAlgn="auto" latinLnBrk="0" hangingPunct="1">
+                        <a:lnSpc>
+                          <a:spcPct val="100000"/>
+                        </a:lnSpc>
+                        <a:spcBef>
+                          <a:spcPts val="0"/>
+                        </a:spcBef>
+                        <a:spcAft>
+                          <a:spcPts val="0"/>
+                        </a:spcAft>
+                        <a:buClrTx/>
+                        <a:buSzTx/>
+                        <a:buFontTx/>
+                        <a:buNone/>
+                        <a:tabLst/>
+                        <a:defRPr/>
+                      </a:pPr>
+                      <a:r>
+                        <a:rPr lang="en-US" sz="700" dirty="0"/>
+                        <a:t>Motion sensor</a:t>
+                      </a:r>
+                    </a:p>
+                  </a:txBody>
+                  <a:tcPr/>
+                </a:tc>
+                <a:extLst>
+                  <a:ext uri="{0D108BD9-81ED-4DB2-BD59-A6C34878D82A}">
+                    <a16:rowId xmlns:a16="http://schemas.microsoft.com/office/drawing/2014/main" val="2980785588"/>
+                  </a:ext>
+                </a:extLst>
+              </a:tr>
+              <a:tr h="158907">
+                <a:tc>
+                  <a:txBody>
+                    <a:bodyPr/>
+                    <a:lstStyle/>
+                    <a:p>
+                      <a:r>
+                        <a:rPr lang="en-US" sz="700" dirty="0"/>
+                        <a:t>7*</a:t>
+                      </a:r>
+                    </a:p>
+                  </a:txBody>
+                  <a:tcPr/>
+                </a:tc>
+                <a:tc>
+                  <a:txBody>
+                    <a:bodyPr/>
+                    <a:lstStyle/>
+                    <a:p>
+                      <a:endParaRPr lang="en-US" sz="700" dirty="0"/>
+                    </a:p>
+                  </a:txBody>
+                  <a:tcPr/>
+                </a:tc>
+                <a:tc>
+                  <a:txBody>
+                    <a:bodyPr/>
+                    <a:lstStyle/>
+                    <a:p>
+                      <a:r>
+                        <a:rPr lang="en-US" sz="700"/>
+                        <a:t>Black</a:t>
+                      </a:r>
+                      <a:endParaRPr lang="en-US" sz="700" dirty="0"/>
+                    </a:p>
+                  </a:txBody>
+                  <a:tcPr/>
+                </a:tc>
+                <a:tc>
+                  <a:txBody>
+                    <a:bodyPr/>
+                    <a:lstStyle/>
+                    <a:p>
+                      <a:pPr marL="0" marR="0" lvl="0" indent="0" algn="l" defTabSz="914400" rtl="0" eaLnBrk="1" fontAlgn="auto" latinLnBrk="0" hangingPunct="1">
+                        <a:lnSpc>
+                          <a:spcPct val="100000"/>
+                        </a:lnSpc>
+                        <a:spcBef>
+                          <a:spcPts val="0"/>
+                        </a:spcBef>
+                        <a:spcAft>
+                          <a:spcPts val="0"/>
+                        </a:spcAft>
+                        <a:buClrTx/>
+                        <a:buSzTx/>
+                        <a:buFontTx/>
+                        <a:buNone/>
+                        <a:tabLst/>
+                        <a:defRPr/>
+                      </a:pPr>
+                      <a:r>
+                        <a:rPr lang="en-US" sz="700"/>
+                        <a:t>GND</a:t>
+                      </a:r>
+                      <a:endParaRPr lang="en-US" sz="700" dirty="0"/>
+                    </a:p>
+                  </a:txBody>
+                  <a:tcPr/>
+                </a:tc>
+                <a:tc>
+                  <a:txBody>
+                    <a:bodyPr/>
+                    <a:lstStyle/>
+                    <a:p>
+                      <a:pPr marL="0" marR="0" lvl="0" indent="0" algn="l" defTabSz="914400" rtl="0" eaLnBrk="1" fontAlgn="auto" latinLnBrk="0" hangingPunct="1">
+                        <a:lnSpc>
+                          <a:spcPct val="100000"/>
+                        </a:lnSpc>
+                        <a:spcBef>
+                          <a:spcPts val="0"/>
+                        </a:spcBef>
+                        <a:spcAft>
+                          <a:spcPts val="0"/>
+                        </a:spcAft>
+                        <a:buClrTx/>
+                        <a:buSzTx/>
+                        <a:buFontTx/>
+                        <a:buNone/>
+                        <a:tabLst/>
+                        <a:defRPr/>
+                      </a:pPr>
+                      <a:endParaRPr lang="en-US" sz="700" dirty="0"/>
+                    </a:p>
+                  </a:txBody>
+                  <a:tcPr/>
+                </a:tc>
+                <a:tc>
+                  <a:txBody>
+                    <a:bodyPr/>
+                    <a:lstStyle/>
+                    <a:p>
+                      <a:pPr marL="0" marR="0" lvl="0" indent="0" algn="l" defTabSz="914400" rtl="0" eaLnBrk="1" fontAlgn="auto" latinLnBrk="0" hangingPunct="1">
+                        <a:lnSpc>
+                          <a:spcPct val="100000"/>
+                        </a:lnSpc>
+                        <a:spcBef>
+                          <a:spcPts val="0"/>
+                        </a:spcBef>
+                        <a:spcAft>
+                          <a:spcPts val="0"/>
+                        </a:spcAft>
+                        <a:buClrTx/>
+                        <a:buSzTx/>
+                        <a:buFontTx/>
+                        <a:buNone/>
+                        <a:tabLst/>
+                        <a:defRPr/>
+                      </a:pPr>
+                      <a:r>
+                        <a:rPr lang="en-US" sz="700" dirty="0"/>
+                        <a:t>Motion sensor</a:t>
+                      </a:r>
+                    </a:p>
+                  </a:txBody>
+                  <a:tcPr/>
+                </a:tc>
+                <a:extLst>
+                  <a:ext uri="{0D108BD9-81ED-4DB2-BD59-A6C34878D82A}">
+                    <a16:rowId xmlns:a16="http://schemas.microsoft.com/office/drawing/2014/main" val="862657227"/>
+                  </a:ext>
+                </a:extLst>
+              </a:tr>
+              <a:tr h="158907">
+                <a:tc>
+                  <a:txBody>
+                    <a:bodyPr/>
+                    <a:lstStyle/>
+                    <a:p>
+                      <a:r>
+                        <a:rPr lang="en-US" sz="700" dirty="0"/>
+                        <a:t>8*</a:t>
+                      </a:r>
+                    </a:p>
+                  </a:txBody>
+                  <a:tcPr/>
+                </a:tc>
+                <a:tc>
+                  <a:txBody>
+                    <a:bodyPr/>
+                    <a:lstStyle/>
+                    <a:p>
+                      <a:endParaRPr lang="en-US" sz="700" dirty="0"/>
+                    </a:p>
+                  </a:txBody>
+                  <a:tcPr/>
+                </a:tc>
+                <a:tc>
+                  <a:txBody>
+                    <a:bodyPr/>
+                    <a:lstStyle/>
+                    <a:p>
+                      <a:r>
+                        <a:rPr lang="en-US" sz="700"/>
+                        <a:t>Red</a:t>
+                      </a:r>
+                      <a:endParaRPr lang="en-US" sz="700" dirty="0"/>
+                    </a:p>
+                  </a:txBody>
+                  <a:tcPr/>
+                </a:tc>
+                <a:tc>
+                  <a:txBody>
+                    <a:bodyPr/>
+                    <a:lstStyle/>
+                    <a:p>
+                      <a:pPr marL="0" marR="0" lvl="0" indent="0" algn="l" defTabSz="914400" rtl="0" eaLnBrk="1" fontAlgn="auto" latinLnBrk="0" hangingPunct="1">
+                        <a:lnSpc>
+                          <a:spcPct val="100000"/>
+                        </a:lnSpc>
+                        <a:spcBef>
+                          <a:spcPts val="0"/>
+                        </a:spcBef>
+                        <a:spcAft>
+                          <a:spcPts val="0"/>
+                        </a:spcAft>
+                        <a:buClrTx/>
+                        <a:buSzTx/>
+                        <a:buFontTx/>
+                        <a:buNone/>
+                        <a:tabLst/>
+                        <a:defRPr/>
+                      </a:pPr>
+                      <a:r>
+                        <a:rPr lang="en-US" sz="700"/>
+                        <a:t>A diode and resistor will be connected directly on the LED</a:t>
+                      </a:r>
+                      <a:endParaRPr lang="en-US" sz="700" dirty="0"/>
+                    </a:p>
+                  </a:txBody>
+                  <a:tcPr/>
+                </a:tc>
+                <a:tc>
+                  <a:txBody>
+                    <a:bodyPr/>
+                    <a:lstStyle/>
+                    <a:p>
+                      <a:pPr marL="0" marR="0" lvl="0" indent="0" algn="l" defTabSz="914400" rtl="0" eaLnBrk="1" fontAlgn="auto" latinLnBrk="0" hangingPunct="1">
+                        <a:lnSpc>
+                          <a:spcPct val="100000"/>
+                        </a:lnSpc>
+                        <a:spcBef>
+                          <a:spcPts val="0"/>
+                        </a:spcBef>
+                        <a:spcAft>
+                          <a:spcPts val="0"/>
+                        </a:spcAft>
+                        <a:buClrTx/>
+                        <a:buSzTx/>
+                        <a:buFontTx/>
+                        <a:buNone/>
+                        <a:tabLst/>
+                        <a:defRPr/>
+                      </a:pPr>
+                      <a:r>
+                        <a:rPr lang="en-US" sz="700" dirty="0"/>
+                        <a:t>13*</a:t>
+                      </a:r>
+                    </a:p>
+                  </a:txBody>
+                  <a:tcPr/>
+                </a:tc>
+                <a:tc>
+                  <a:txBody>
+                    <a:bodyPr/>
+                    <a:lstStyle/>
+                    <a:p>
+                      <a:r>
+                        <a:rPr lang="en-US" sz="700" dirty="0"/>
+                        <a:t>Eyes</a:t>
+                      </a:r>
+                    </a:p>
+                  </a:txBody>
+                  <a:tcPr/>
+                </a:tc>
+                <a:extLst>
+                  <a:ext uri="{0D108BD9-81ED-4DB2-BD59-A6C34878D82A}">
+                    <a16:rowId xmlns:a16="http://schemas.microsoft.com/office/drawing/2014/main" val="2458307732"/>
+                  </a:ext>
+                </a:extLst>
+              </a:tr>
+              <a:tr h="158907">
+                <a:tc>
+                  <a:txBody>
+                    <a:bodyPr/>
+                    <a:lstStyle/>
+                    <a:p>
+                      <a:r>
+                        <a:rPr lang="en-US" sz="700" dirty="0"/>
+                        <a:t>9*</a:t>
+                      </a:r>
+                    </a:p>
+                  </a:txBody>
+                  <a:tcPr/>
+                </a:tc>
+                <a:tc>
+                  <a:txBody>
+                    <a:bodyPr/>
+                    <a:lstStyle/>
+                    <a:p>
+                      <a:endParaRPr lang="en-US" sz="700" dirty="0"/>
+                    </a:p>
+                  </a:txBody>
+                  <a:tcPr/>
+                </a:tc>
+                <a:tc>
+                  <a:txBody>
+                    <a:bodyPr/>
+                    <a:lstStyle/>
+                    <a:p>
+                      <a:r>
+                        <a:rPr lang="en-US" sz="700"/>
+                        <a:t>Black</a:t>
+                      </a:r>
+                      <a:endParaRPr lang="en-US" sz="700" dirty="0"/>
+                    </a:p>
+                  </a:txBody>
+                  <a:tcPr/>
+                </a:tc>
+                <a:tc>
+                  <a:txBody>
+                    <a:bodyPr/>
+                    <a:lstStyle/>
+                    <a:p>
+                      <a:r>
+                        <a:rPr lang="en-US" sz="700"/>
+                        <a:t>GND</a:t>
+                      </a:r>
+                      <a:endParaRPr lang="en-US" sz="700" dirty="0"/>
+                    </a:p>
+                  </a:txBody>
+                  <a:tcPr/>
+                </a:tc>
+                <a:tc>
+                  <a:txBody>
+                    <a:bodyPr/>
+                    <a:lstStyle/>
+                    <a:p>
+                      <a:endParaRPr lang="en-US" sz="700" dirty="0"/>
+                    </a:p>
+                  </a:txBody>
+                  <a:tcPr/>
+                </a:tc>
+                <a:tc>
+                  <a:txBody>
+                    <a:bodyPr/>
+                    <a:lstStyle/>
+                    <a:p>
+                      <a:r>
+                        <a:rPr lang="en-US" sz="700" dirty="0"/>
+                        <a:t>Eyes</a:t>
+                      </a:r>
+                    </a:p>
+                  </a:txBody>
+                  <a:tcPr/>
+                </a:tc>
+                <a:extLst>
+                  <a:ext uri="{0D108BD9-81ED-4DB2-BD59-A6C34878D82A}">
+                    <a16:rowId xmlns:a16="http://schemas.microsoft.com/office/drawing/2014/main" val="3248192002"/>
+                  </a:ext>
+                </a:extLst>
+              </a:tr>
+              <a:tr h="158907">
+                <a:tc>
+                  <a:txBody>
+                    <a:bodyPr/>
+                    <a:lstStyle/>
+                    <a:p>
+                      <a:r>
+                        <a:rPr lang="en-US" sz="700" dirty="0"/>
+                        <a:t>10*</a:t>
+                      </a:r>
+                    </a:p>
+                  </a:txBody>
+                  <a:tcPr/>
+                </a:tc>
+                <a:tc>
+                  <a:txBody>
+                    <a:bodyPr/>
+                    <a:lstStyle/>
+                    <a:p>
+                      <a:endParaRPr lang="en-US" sz="700"/>
+                    </a:p>
+                  </a:txBody>
+                  <a:tcPr/>
+                </a:tc>
+                <a:tc>
+                  <a:txBody>
+                    <a:bodyPr/>
+                    <a:lstStyle/>
+                    <a:p>
+                      <a:r>
+                        <a:rPr lang="en-US" sz="700"/>
+                        <a:t>Red</a:t>
+                      </a:r>
+                      <a:endParaRPr lang="en-US" sz="700" dirty="0"/>
+                    </a:p>
+                  </a:txBody>
+                  <a:tcPr/>
+                </a:tc>
+                <a:tc>
+                  <a:txBody>
+                    <a:bodyPr/>
+                    <a:lstStyle/>
+                    <a:p>
+                      <a:r>
+                        <a:rPr lang="en-US" sz="700"/>
+                        <a:t>VCC</a:t>
+                      </a:r>
+                      <a:endParaRPr lang="en-US" sz="700" dirty="0"/>
+                    </a:p>
+                  </a:txBody>
+                  <a:tcPr/>
+                </a:tc>
+                <a:tc>
+                  <a:txBody>
+                    <a:bodyPr/>
+                    <a:lstStyle/>
+                    <a:p>
+                      <a:endParaRPr lang="en-US" sz="700" dirty="0"/>
+                    </a:p>
+                  </a:txBody>
+                  <a:tcPr/>
+                </a:tc>
+                <a:tc>
+                  <a:txBody>
+                    <a:bodyPr/>
+                    <a:lstStyle/>
+                    <a:p>
+                      <a:r>
+                        <a:rPr lang="en-US" sz="700" dirty="0"/>
+                        <a:t>SPST</a:t>
+                      </a:r>
+                    </a:p>
+                  </a:txBody>
+                  <a:tcPr/>
+                </a:tc>
+                <a:extLst>
+                  <a:ext uri="{0D108BD9-81ED-4DB2-BD59-A6C34878D82A}">
+                    <a16:rowId xmlns:a16="http://schemas.microsoft.com/office/drawing/2014/main" val="3969164745"/>
+                  </a:ext>
+                </a:extLst>
+              </a:tr>
+              <a:tr h="158907">
+                <a:tc>
+                  <a:txBody>
+                    <a:bodyPr/>
+                    <a:lstStyle/>
+                    <a:p>
+                      <a:r>
+                        <a:rPr lang="en-US" sz="700" dirty="0"/>
+                        <a:t>11</a:t>
+                      </a:r>
+                    </a:p>
+                  </a:txBody>
+                  <a:tcPr/>
+                </a:tc>
+                <a:tc>
+                  <a:txBody>
+                    <a:bodyPr/>
+                    <a:lstStyle/>
+                    <a:p>
+                      <a:endParaRPr lang="en-US" sz="700"/>
+                    </a:p>
+                  </a:txBody>
+                  <a:tcPr/>
+                </a:tc>
+                <a:tc>
+                  <a:txBody>
+                    <a:bodyPr/>
+                    <a:lstStyle/>
+                    <a:p>
+                      <a:r>
+                        <a:rPr lang="en-US" sz="700"/>
+                        <a:t>Black</a:t>
+                      </a:r>
+                      <a:endParaRPr lang="en-US" sz="700" dirty="0"/>
+                    </a:p>
+                  </a:txBody>
+                  <a:tcPr/>
+                </a:tc>
+                <a:tc>
+                  <a:txBody>
+                    <a:bodyPr/>
+                    <a:lstStyle/>
+                    <a:p>
+                      <a:r>
+                        <a:rPr lang="en-US" sz="700"/>
+                        <a:t>GND</a:t>
+                      </a:r>
+                      <a:endParaRPr lang="en-US" sz="700" dirty="0"/>
+                    </a:p>
+                  </a:txBody>
+                  <a:tcPr/>
+                </a:tc>
+                <a:tc>
+                  <a:txBody>
+                    <a:bodyPr/>
+                    <a:lstStyle/>
+                    <a:p>
+                      <a:endParaRPr lang="en-US" sz="700" dirty="0"/>
+                    </a:p>
+                  </a:txBody>
+                  <a:tcPr/>
+                </a:tc>
+                <a:tc>
+                  <a:txBody>
+                    <a:bodyPr/>
+                    <a:lstStyle/>
+                    <a:p>
+                      <a:pPr marL="0" marR="0" lvl="0" indent="0" algn="l" defTabSz="914400" rtl="0" eaLnBrk="1" fontAlgn="auto" latinLnBrk="0" hangingPunct="1">
+                        <a:lnSpc>
+                          <a:spcPct val="100000"/>
+                        </a:lnSpc>
+                        <a:spcBef>
+                          <a:spcPts val="0"/>
+                        </a:spcBef>
+                        <a:spcAft>
+                          <a:spcPts val="0"/>
+                        </a:spcAft>
+                        <a:buClrTx/>
+                        <a:buSzTx/>
+                        <a:buFontTx/>
+                        <a:buNone/>
+                        <a:tabLst/>
+                        <a:defRPr/>
+                      </a:pPr>
+                      <a:r>
+                        <a:rPr lang="en-US" sz="700" dirty="0"/>
+                        <a:t>SPST</a:t>
+                      </a:r>
+                    </a:p>
+                  </a:txBody>
+                  <a:tcPr/>
+                </a:tc>
+                <a:extLst>
+                  <a:ext uri="{0D108BD9-81ED-4DB2-BD59-A6C34878D82A}">
+                    <a16:rowId xmlns:a16="http://schemas.microsoft.com/office/drawing/2014/main" val="562809467"/>
+                  </a:ext>
+                </a:extLst>
+              </a:tr>
+              <a:tr h="158907">
+                <a:tc>
+                  <a:txBody>
+                    <a:bodyPr/>
+                    <a:lstStyle/>
+                    <a:p>
+                      <a:r>
+                        <a:rPr lang="en-US" sz="700" dirty="0"/>
+                        <a:t>12*</a:t>
+                      </a:r>
+                    </a:p>
+                  </a:txBody>
+                  <a:tcPr/>
+                </a:tc>
+                <a:tc>
+                  <a:txBody>
+                    <a:bodyPr/>
+                    <a:lstStyle/>
+                    <a:p>
+                      <a:endParaRPr lang="en-US" sz="700"/>
+                    </a:p>
+                  </a:txBody>
+                  <a:tcPr/>
+                </a:tc>
+                <a:tc>
+                  <a:txBody>
+                    <a:bodyPr/>
+                    <a:lstStyle/>
+                    <a:p>
+                      <a:r>
+                        <a:rPr lang="en-US" sz="700"/>
+                        <a:t>Blue</a:t>
+                      </a:r>
+                      <a:endParaRPr lang="en-US" sz="700" dirty="0"/>
+                    </a:p>
+                  </a:txBody>
+                  <a:tcPr/>
+                </a:tc>
+                <a:tc>
+                  <a:txBody>
+                    <a:bodyPr/>
+                    <a:lstStyle/>
+                    <a:p>
+                      <a:r>
+                        <a:rPr lang="en-US" sz="700"/>
+                        <a:t>Relay trigger.  Triggered by GP16.</a:t>
+                      </a:r>
+                      <a:endParaRPr lang="en-US" sz="700" dirty="0"/>
+                    </a:p>
+                  </a:txBody>
+                  <a:tcPr/>
+                </a:tc>
+                <a:tc>
+                  <a:txBody>
+                    <a:bodyPr/>
+                    <a:lstStyle/>
+                    <a:p>
+                      <a:r>
+                        <a:rPr lang="en-US" sz="700" dirty="0"/>
+                        <a:t>13</a:t>
+                      </a:r>
+                    </a:p>
+                  </a:txBody>
+                  <a:tcPr/>
+                </a:tc>
+                <a:tc>
+                  <a:txBody>
+                    <a:bodyPr/>
+                    <a:lstStyle/>
+                    <a:p>
+                      <a:r>
+                        <a:rPr lang="en-US" sz="700" dirty="0"/>
+                        <a:t>SPST</a:t>
+                      </a:r>
+                    </a:p>
+                  </a:txBody>
+                  <a:tcPr/>
+                </a:tc>
+                <a:extLst>
+                  <a:ext uri="{0D108BD9-81ED-4DB2-BD59-A6C34878D82A}">
+                    <a16:rowId xmlns:a16="http://schemas.microsoft.com/office/drawing/2014/main" val="1507709430"/>
+                  </a:ext>
+                </a:extLst>
+              </a:tr>
+              <a:tr h="158907">
+                <a:tc>
+                  <a:txBody>
+                    <a:bodyPr/>
+                    <a:lstStyle/>
+                    <a:p>
+                      <a:r>
+                        <a:rPr lang="en-US" sz="700" dirty="0"/>
+                        <a:t>13*</a:t>
+                      </a:r>
+                    </a:p>
+                  </a:txBody>
+                  <a:tcPr/>
+                </a:tc>
+                <a:tc>
+                  <a:txBody>
+                    <a:bodyPr/>
+                    <a:lstStyle/>
+                    <a:p>
+                      <a:endParaRPr lang="en-US" sz="700" dirty="0"/>
+                    </a:p>
+                  </a:txBody>
+                  <a:tcPr/>
+                </a:tc>
+                <a:tc>
+                  <a:txBody>
+                    <a:bodyPr/>
+                    <a:lstStyle/>
+                    <a:p>
+                      <a:r>
+                        <a:rPr lang="en-US" sz="700"/>
+                        <a:t>White</a:t>
+                      </a:r>
+                      <a:endParaRPr lang="en-US" sz="700" dirty="0"/>
+                    </a:p>
+                  </a:txBody>
+                  <a:tcPr/>
+                </a:tc>
+                <a:tc>
+                  <a:txBody>
+                    <a:bodyPr/>
+                    <a:lstStyle/>
+                    <a:p>
+                      <a:r>
+                        <a:rPr lang="en-US" sz="700"/>
+                        <a:t>NO of SPST connects to DPDT Relay</a:t>
+                      </a:r>
+                      <a:endParaRPr lang="en-US" sz="700" dirty="0"/>
+                    </a:p>
+                  </a:txBody>
+                  <a:tcPr/>
+                </a:tc>
+                <a:tc>
+                  <a:txBody>
+                    <a:bodyPr/>
+                    <a:lstStyle/>
+                    <a:p>
+                      <a:r>
+                        <a:rPr lang="en-US" sz="700" dirty="0"/>
+                        <a:t>14*,8*</a:t>
+                      </a:r>
+                    </a:p>
+                  </a:txBody>
+                  <a:tcPr/>
+                </a:tc>
+                <a:tc>
+                  <a:txBody>
+                    <a:bodyPr/>
+                    <a:lstStyle/>
+                    <a:p>
+                      <a:r>
+                        <a:rPr lang="en-US" sz="700" dirty="0"/>
+                        <a:t>SPST</a:t>
+                      </a:r>
+                    </a:p>
+                  </a:txBody>
+                  <a:tcPr/>
+                </a:tc>
+                <a:extLst>
+                  <a:ext uri="{0D108BD9-81ED-4DB2-BD59-A6C34878D82A}">
+                    <a16:rowId xmlns:a16="http://schemas.microsoft.com/office/drawing/2014/main" val="2062659724"/>
+                  </a:ext>
+                </a:extLst>
+              </a:tr>
+              <a:tr h="158907">
+                <a:tc>
+                  <a:txBody>
+                    <a:bodyPr/>
+                    <a:lstStyle/>
+                    <a:p>
+                      <a:r>
+                        <a:rPr lang="en-US" sz="700" dirty="0"/>
+                        <a:t>14*</a:t>
+                      </a:r>
+                    </a:p>
+                  </a:txBody>
+                  <a:tcPr/>
+                </a:tc>
+                <a:tc>
+                  <a:txBody>
+                    <a:bodyPr/>
+                    <a:lstStyle/>
+                    <a:p>
+                      <a:endParaRPr lang="en-US" sz="700"/>
+                    </a:p>
+                  </a:txBody>
+                  <a:tcPr/>
+                </a:tc>
+                <a:tc>
+                  <a:txBody>
+                    <a:bodyPr/>
+                    <a:lstStyle/>
+                    <a:p>
+                      <a:r>
+                        <a:rPr lang="en-US" sz="700"/>
+                        <a:t>Red</a:t>
+                      </a:r>
+                      <a:endParaRPr lang="en-US" sz="700" dirty="0"/>
+                    </a:p>
+                  </a:txBody>
+                  <a:tcPr/>
+                </a:tc>
+                <a:tc>
+                  <a:txBody>
+                    <a:bodyPr/>
+                    <a:lstStyle/>
+                    <a:p>
+                      <a:r>
+                        <a:rPr lang="en-US" sz="700"/>
+                        <a:t>VCC in from SPST relay</a:t>
+                      </a:r>
+                      <a:endParaRPr lang="en-US" sz="700" dirty="0"/>
+                    </a:p>
+                  </a:txBody>
+                  <a:tcPr/>
+                </a:tc>
+                <a:tc>
+                  <a:txBody>
+                    <a:bodyPr/>
+                    <a:lstStyle/>
+                    <a:p>
+                      <a:r>
+                        <a:rPr lang="en-US" sz="700" dirty="0"/>
+                        <a:t>13*</a:t>
+                      </a:r>
+                    </a:p>
+                  </a:txBody>
+                  <a:tcPr/>
+                </a:tc>
+                <a:tc>
+                  <a:txBody>
+                    <a:bodyPr/>
+                    <a:lstStyle/>
+                    <a:p>
+                      <a:r>
+                        <a:rPr lang="en-US" sz="700" dirty="0"/>
+                        <a:t>DPDT</a:t>
+                      </a:r>
+                    </a:p>
+                  </a:txBody>
+                  <a:tcPr/>
+                </a:tc>
+                <a:extLst>
+                  <a:ext uri="{0D108BD9-81ED-4DB2-BD59-A6C34878D82A}">
+                    <a16:rowId xmlns:a16="http://schemas.microsoft.com/office/drawing/2014/main" val="1439538098"/>
+                  </a:ext>
+                </a:extLst>
+              </a:tr>
+              <a:tr h="158907">
+                <a:tc>
+                  <a:txBody>
+                    <a:bodyPr/>
+                    <a:lstStyle/>
+                    <a:p>
+                      <a:r>
+                        <a:rPr lang="en-US" sz="700" dirty="0"/>
+                        <a:t>15*</a:t>
+                      </a:r>
+                    </a:p>
+                  </a:txBody>
+                  <a:tcPr/>
+                </a:tc>
+                <a:tc>
+                  <a:txBody>
+                    <a:bodyPr/>
+                    <a:lstStyle/>
+                    <a:p>
+                      <a:endParaRPr lang="en-US" sz="700"/>
+                    </a:p>
+                  </a:txBody>
+                  <a:tcPr/>
+                </a:tc>
+                <a:tc>
+                  <a:txBody>
+                    <a:bodyPr/>
+                    <a:lstStyle/>
+                    <a:p>
+                      <a:r>
+                        <a:rPr lang="en-US" sz="700"/>
+                        <a:t>Black</a:t>
+                      </a:r>
+                      <a:endParaRPr lang="en-US" sz="700" dirty="0"/>
+                    </a:p>
+                  </a:txBody>
+                  <a:tcPr/>
+                </a:tc>
+                <a:tc>
+                  <a:txBody>
+                    <a:bodyPr/>
+                    <a:lstStyle/>
+                    <a:p>
+                      <a:r>
+                        <a:rPr lang="en-US" sz="700"/>
+                        <a:t>GND</a:t>
+                      </a:r>
+                      <a:endParaRPr lang="en-US" sz="700" dirty="0"/>
+                    </a:p>
+                  </a:txBody>
+                  <a:tcPr/>
+                </a:tc>
+                <a:tc>
+                  <a:txBody>
+                    <a:bodyPr/>
+                    <a:lstStyle/>
+                    <a:p>
+                      <a:endParaRPr lang="en-US" sz="700" dirty="0"/>
+                    </a:p>
+                  </a:txBody>
+                  <a:tcPr/>
+                </a:tc>
+                <a:tc>
+                  <a:txBody>
+                    <a:bodyPr/>
+                    <a:lstStyle/>
+                    <a:p>
+                      <a:pPr marL="0" marR="0" lvl="0" indent="0" algn="l" defTabSz="914400" rtl="0" eaLnBrk="1" fontAlgn="auto" latinLnBrk="0" hangingPunct="1">
+                        <a:lnSpc>
+                          <a:spcPct val="100000"/>
+                        </a:lnSpc>
+                        <a:spcBef>
+                          <a:spcPts val="0"/>
+                        </a:spcBef>
+                        <a:spcAft>
+                          <a:spcPts val="0"/>
+                        </a:spcAft>
+                        <a:buClrTx/>
+                        <a:buSzTx/>
+                        <a:buFontTx/>
+                        <a:buNone/>
+                        <a:tabLst/>
+                        <a:defRPr/>
+                      </a:pPr>
+                      <a:r>
+                        <a:rPr lang="en-US" sz="700" dirty="0"/>
+                        <a:t>DPDT</a:t>
+                      </a:r>
+                    </a:p>
+                  </a:txBody>
+                  <a:tcPr/>
+                </a:tc>
+                <a:extLst>
+                  <a:ext uri="{0D108BD9-81ED-4DB2-BD59-A6C34878D82A}">
+                    <a16:rowId xmlns:a16="http://schemas.microsoft.com/office/drawing/2014/main" val="159620313"/>
+                  </a:ext>
+                </a:extLst>
+              </a:tr>
+              <a:tr h="158907">
+                <a:tc>
+                  <a:txBody>
+                    <a:bodyPr/>
+                    <a:lstStyle/>
+                    <a:p>
+                      <a:r>
+                        <a:rPr lang="en-US" sz="700" dirty="0"/>
+                        <a:t>16*</a:t>
+                      </a:r>
+                    </a:p>
+                  </a:txBody>
+                  <a:tcPr/>
+                </a:tc>
+                <a:tc>
+                  <a:txBody>
+                    <a:bodyPr/>
+                    <a:lstStyle/>
+                    <a:p>
+                      <a:endParaRPr lang="en-US" sz="700" dirty="0"/>
+                    </a:p>
+                  </a:txBody>
+                  <a:tcPr/>
+                </a:tc>
+                <a:tc>
+                  <a:txBody>
+                    <a:bodyPr/>
+                    <a:lstStyle/>
+                    <a:p>
+                      <a:r>
+                        <a:rPr lang="en-US" sz="700" dirty="0"/>
+                        <a:t>Blue</a:t>
+                      </a:r>
+                    </a:p>
+                  </a:txBody>
+                  <a:tcPr/>
+                </a:tc>
+                <a:tc>
+                  <a:txBody>
+                    <a:bodyPr/>
+                    <a:lstStyle/>
+                    <a:p>
+                      <a:r>
+                        <a:rPr lang="en-US" sz="700" dirty="0"/>
+                        <a:t>DPDT relay trigger.  Triggered by GP17.</a:t>
+                      </a:r>
+                    </a:p>
+                  </a:txBody>
+                  <a:tcPr/>
+                </a:tc>
+                <a:tc>
+                  <a:txBody>
+                    <a:bodyPr/>
+                    <a:lstStyle/>
+                    <a:p>
+                      <a:r>
+                        <a:rPr lang="en-US" sz="700" dirty="0"/>
+                        <a:t>12</a:t>
+                      </a:r>
+                    </a:p>
+                  </a:txBody>
+                  <a:tcPr/>
+                </a:tc>
+                <a:tc>
+                  <a:txBody>
+                    <a:bodyPr/>
+                    <a:lstStyle/>
+                    <a:p>
+                      <a:r>
+                        <a:rPr lang="en-US" sz="700" dirty="0"/>
+                        <a:t>DPDT</a:t>
+                      </a:r>
+                    </a:p>
+                  </a:txBody>
+                  <a:tcPr/>
+                </a:tc>
+                <a:extLst>
+                  <a:ext uri="{0D108BD9-81ED-4DB2-BD59-A6C34878D82A}">
+                    <a16:rowId xmlns:a16="http://schemas.microsoft.com/office/drawing/2014/main" val="118631398"/>
+                  </a:ext>
+                </a:extLst>
+              </a:tr>
+            </a:tbl>
+          </a:graphicData>
+        </a:graphic>
+      </p:graphicFrame>
       <p:sp>
         <p:nvSpPr>
-          <p:cNvPr id="19" name="TextBox 18">
-            <a:extLst>
-              <a:ext uri="{FF2B5EF4-FFF2-40B4-BE49-F238E27FC236}">
-                <a16:creationId xmlns:a16="http://schemas.microsoft.com/office/drawing/2014/main" id="{E8345D95-1295-6084-499C-AEF976C03B38}"/>
+          <p:cNvPr id="3" name="TextBox 2">
+            <a:extLst>
+              <a:ext uri="{FF2B5EF4-FFF2-40B4-BE49-F238E27FC236}">
+                <a16:creationId xmlns:a16="http://schemas.microsoft.com/office/drawing/2014/main" id="{983BAF03-D8B9-39E8-C026-45C331A01A97}"/>
               </a:ext>
             </a:extLst>
           </p:cNvPr>
@@ -3562,8 +6029,8 @@
         </p:nvSpPr>
         <p:spPr>
           <a:xfrm>
-            <a:off x="5203079" y="3355067"/>
-            <a:ext cx="434734" cy="169277"/>
+            <a:off x="11169621" y="6408235"/>
+            <a:ext cx="822661" cy="169277"/>
           </a:xfrm>
           <a:prstGeom prst="rect">
             <a:avLst/>
@@ -3578,646 +6045,7 @@
           <a:p>
             <a:r>
               <a:rPr lang="en-US" sz="500" dirty="0"/>
-              <a:t>Top LS on</a:t>
-            </a:r>
-          </a:p>
-        </p:txBody>
-      </p:sp>
-      <p:sp>
-        <p:nvSpPr>
-          <p:cNvPr id="20" name="TextBox 19">
-            <a:extLst>
-              <a:ext uri="{FF2B5EF4-FFF2-40B4-BE49-F238E27FC236}">
-                <a16:creationId xmlns:a16="http://schemas.microsoft.com/office/drawing/2014/main" id="{5E9B85A5-2694-5623-A200-020FFEDA9E6C}"/>
-              </a:ext>
-            </a:extLst>
-          </p:cNvPr>
-          <p:cNvSpPr txBox="1"/>
-          <p:nvPr/>
-        </p:nvSpPr>
-        <p:spPr>
-          <a:xfrm>
-            <a:off x="5238715" y="3186815"/>
-            <a:ext cx="412292" cy="169277"/>
-          </a:xfrm>
-          <a:prstGeom prst="rect">
-            <a:avLst/>
-          </a:prstGeom>
-          <a:noFill/>
-        </p:spPr>
-        <p:txBody>
-          <a:bodyPr wrap="none" rtlCol="0">
-            <a:spAutoFit/>
-          </a:bodyPr>
-          <a:lstStyle/>
-          <a:p>
-            <a:r>
-              <a:rPr lang="en-US" sz="500" dirty="0"/>
-              <a:t>No LS on</a:t>
-            </a:r>
-          </a:p>
-        </p:txBody>
-      </p:sp>
-      <p:sp>
-        <p:nvSpPr>
-          <p:cNvPr id="21" name="TextBox 20">
-            <a:extLst>
-              <a:ext uri="{FF2B5EF4-FFF2-40B4-BE49-F238E27FC236}">
-                <a16:creationId xmlns:a16="http://schemas.microsoft.com/office/drawing/2014/main" id="{60F63262-3F0B-5875-BEBD-2B700F95B3BB}"/>
-              </a:ext>
-            </a:extLst>
-          </p:cNvPr>
-          <p:cNvSpPr txBox="1"/>
-          <p:nvPr/>
-        </p:nvSpPr>
-        <p:spPr>
-          <a:xfrm>
-            <a:off x="5408030" y="2762568"/>
-            <a:ext cx="532518" cy="169277"/>
-          </a:xfrm>
-          <a:prstGeom prst="rect">
-            <a:avLst/>
-          </a:prstGeom>
-          <a:noFill/>
-        </p:spPr>
-        <p:txBody>
-          <a:bodyPr wrap="none" rtlCol="0">
-            <a:spAutoFit/>
-          </a:bodyPr>
-          <a:lstStyle/>
-          <a:p>
-            <a:r>
-              <a:rPr lang="en-US" sz="500" dirty="0"/>
-              <a:t>Bottom LS on</a:t>
-            </a:r>
-          </a:p>
-        </p:txBody>
-      </p:sp>
-      <p:sp>
-        <p:nvSpPr>
-          <p:cNvPr id="22" name="Rectangle 21">
-            <a:extLst>
-              <a:ext uri="{FF2B5EF4-FFF2-40B4-BE49-F238E27FC236}">
-                <a16:creationId xmlns:a16="http://schemas.microsoft.com/office/drawing/2014/main" id="{0CAB1A12-C1FA-F6BA-5ACD-8D230E4BC219}"/>
-              </a:ext>
-            </a:extLst>
-          </p:cNvPr>
-          <p:cNvSpPr/>
-          <p:nvPr/>
-        </p:nvSpPr>
-        <p:spPr>
-          <a:xfrm>
-            <a:off x="4544941" y="3200098"/>
-            <a:ext cx="627269" cy="251791"/>
-          </a:xfrm>
-          <a:prstGeom prst="rect">
-            <a:avLst/>
-          </a:prstGeom>
-        </p:spPr>
-        <p:style>
-          <a:lnRef idx="2">
-            <a:schemeClr val="accent1">
-              <a:shade val="15000"/>
-            </a:schemeClr>
-          </a:lnRef>
-          <a:fillRef idx="1">
-            <a:schemeClr val="accent1"/>
-          </a:fillRef>
-          <a:effectRef idx="0">
-            <a:schemeClr val="accent1"/>
-          </a:effectRef>
-          <a:fontRef idx="minor">
-            <a:schemeClr val="lt1"/>
-          </a:fontRef>
-        </p:style>
-        <p:txBody>
-          <a:bodyPr rtlCol="0" anchor="ctr"/>
-          <a:lstStyle/>
-          <a:p>
-            <a:pPr algn="ctr"/>
-            <a:r>
-              <a:rPr lang="en-US" sz="1000" dirty="0"/>
-              <a:t>Starting</a:t>
-            </a:r>
-          </a:p>
-        </p:txBody>
-      </p:sp>
-      <p:sp>
-        <p:nvSpPr>
-          <p:cNvPr id="27" name="Rectangle 26">
-            <a:extLst>
-              <a:ext uri="{FF2B5EF4-FFF2-40B4-BE49-F238E27FC236}">
-                <a16:creationId xmlns:a16="http://schemas.microsoft.com/office/drawing/2014/main" id="{DD617026-8C76-7BDB-48DB-20D0E3E7AFC7}"/>
-              </a:ext>
-            </a:extLst>
-          </p:cNvPr>
-          <p:cNvSpPr/>
-          <p:nvPr/>
-        </p:nvSpPr>
-        <p:spPr>
-          <a:xfrm>
-            <a:off x="6078584" y="2379183"/>
-            <a:ext cx="627269" cy="251791"/>
-          </a:xfrm>
-          <a:prstGeom prst="rect">
-            <a:avLst/>
-          </a:prstGeom>
-        </p:spPr>
-        <p:style>
-          <a:lnRef idx="2">
-            <a:schemeClr val="accent1">
-              <a:shade val="15000"/>
-            </a:schemeClr>
-          </a:lnRef>
-          <a:fillRef idx="1">
-            <a:schemeClr val="accent1"/>
-          </a:fillRef>
-          <a:effectRef idx="0">
-            <a:schemeClr val="accent1"/>
-          </a:effectRef>
-          <a:fontRef idx="minor">
-            <a:schemeClr val="lt1"/>
-          </a:fontRef>
-        </p:style>
-        <p:txBody>
-          <a:bodyPr rtlCol="0" anchor="ctr"/>
-          <a:lstStyle/>
-          <a:p>
-            <a:pPr algn="ctr"/>
-            <a:r>
-              <a:rPr lang="en-US" sz="1000" dirty="0"/>
-              <a:t>Closing</a:t>
-            </a:r>
-          </a:p>
-        </p:txBody>
-      </p:sp>
-      <p:sp>
-        <p:nvSpPr>
-          <p:cNvPr id="29" name="Rectangle 28">
-            <a:extLst>
-              <a:ext uri="{FF2B5EF4-FFF2-40B4-BE49-F238E27FC236}">
-                <a16:creationId xmlns:a16="http://schemas.microsoft.com/office/drawing/2014/main" id="{F3FD557B-7875-FF9A-520B-0023BF343056}"/>
-              </a:ext>
-            </a:extLst>
-          </p:cNvPr>
-          <p:cNvSpPr/>
-          <p:nvPr/>
-        </p:nvSpPr>
-        <p:spPr>
-          <a:xfrm>
-            <a:off x="6078584" y="3145557"/>
-            <a:ext cx="627269" cy="251791"/>
-          </a:xfrm>
-          <a:prstGeom prst="rect">
-            <a:avLst/>
-          </a:prstGeom>
-        </p:spPr>
-        <p:style>
-          <a:lnRef idx="2">
-            <a:schemeClr val="accent1">
-              <a:shade val="15000"/>
-            </a:schemeClr>
-          </a:lnRef>
-          <a:fillRef idx="1">
-            <a:schemeClr val="accent1"/>
-          </a:fillRef>
-          <a:effectRef idx="0">
-            <a:schemeClr val="accent1"/>
-          </a:effectRef>
-          <a:fontRef idx="minor">
-            <a:schemeClr val="lt1"/>
-          </a:fontRef>
-        </p:style>
-        <p:txBody>
-          <a:bodyPr rtlCol="0" anchor="ctr"/>
-          <a:lstStyle/>
-          <a:p>
-            <a:pPr algn="ctr"/>
-            <a:r>
-              <a:rPr lang="en-US" sz="1000" dirty="0"/>
-              <a:t>Opening</a:t>
-            </a:r>
-          </a:p>
-        </p:txBody>
-      </p:sp>
-      <p:sp>
-        <p:nvSpPr>
-          <p:cNvPr id="43" name="Oval 42">
-            <a:extLst>
-              <a:ext uri="{FF2B5EF4-FFF2-40B4-BE49-F238E27FC236}">
-                <a16:creationId xmlns:a16="http://schemas.microsoft.com/office/drawing/2014/main" id="{B9E13A75-A19F-4FE2-FA94-F2E13B6A785C}"/>
-              </a:ext>
-            </a:extLst>
-          </p:cNvPr>
-          <p:cNvSpPr/>
-          <p:nvPr/>
-        </p:nvSpPr>
-        <p:spPr>
-          <a:xfrm>
-            <a:off x="7407964" y="1919774"/>
-            <a:ext cx="958960" cy="918818"/>
-          </a:xfrm>
-          <a:prstGeom prst="ellipse">
-            <a:avLst/>
-          </a:prstGeom>
-        </p:spPr>
-        <p:style>
-          <a:lnRef idx="2">
-            <a:schemeClr val="accent6">
-              <a:shade val="15000"/>
-            </a:schemeClr>
-          </a:lnRef>
-          <a:fillRef idx="1">
-            <a:schemeClr val="accent6"/>
-          </a:fillRef>
-          <a:effectRef idx="0">
-            <a:schemeClr val="accent6"/>
-          </a:effectRef>
-          <a:fontRef idx="minor">
-            <a:schemeClr val="lt1"/>
-          </a:fontRef>
-        </p:style>
-        <p:txBody>
-          <a:bodyPr rtlCol="0" anchor="ctr"/>
-          <a:lstStyle/>
-          <a:p>
-            <a:pPr algn="ctr"/>
-            <a:r>
-              <a:rPr lang="en-US" sz="1000" dirty="0"/>
-              <a:t>Bottom LS pressed</a:t>
-            </a:r>
-          </a:p>
-        </p:txBody>
-      </p:sp>
-      <p:cxnSp>
-        <p:nvCxnSpPr>
-          <p:cNvPr id="44" name="Straight Arrow Connector 43">
-            <a:extLst>
-              <a:ext uri="{FF2B5EF4-FFF2-40B4-BE49-F238E27FC236}">
-                <a16:creationId xmlns:a16="http://schemas.microsoft.com/office/drawing/2014/main" id="{FD9FB5C1-364E-900E-7F00-8B8C7D5A6ADD}"/>
-              </a:ext>
-            </a:extLst>
-          </p:cNvPr>
-          <p:cNvCxnSpPr>
-            <a:cxnSpLocks/>
-            <a:stCxn id="43" idx="2"/>
-            <a:endCxn id="27" idx="3"/>
-          </p:cNvCxnSpPr>
-          <p:nvPr/>
-        </p:nvCxnSpPr>
-        <p:spPr>
-          <a:xfrm flipH="1">
-            <a:off x="6705853" y="2379183"/>
-            <a:ext cx="702111" cy="125896"/>
-          </a:xfrm>
-          <a:prstGeom prst="straightConnector1">
-            <a:avLst/>
-          </a:prstGeom>
-          <a:ln>
-            <a:tailEnd type="triangle"/>
-          </a:ln>
-        </p:spPr>
-        <p:style>
-          <a:lnRef idx="1">
-            <a:schemeClr val="accent1"/>
-          </a:lnRef>
-          <a:fillRef idx="0">
-            <a:schemeClr val="accent1"/>
-          </a:fillRef>
-          <a:effectRef idx="0">
-            <a:schemeClr val="accent1"/>
-          </a:effectRef>
-          <a:fontRef idx="minor">
-            <a:schemeClr val="tx1"/>
-          </a:fontRef>
-        </p:style>
-      </p:cxnSp>
-      <p:sp>
-        <p:nvSpPr>
-          <p:cNvPr id="50" name="Oval 49">
-            <a:extLst>
-              <a:ext uri="{FF2B5EF4-FFF2-40B4-BE49-F238E27FC236}">
-                <a16:creationId xmlns:a16="http://schemas.microsoft.com/office/drawing/2014/main" id="{74C5CEB0-6248-7E12-9E95-E41F6F4AD79E}"/>
-              </a:ext>
-            </a:extLst>
-          </p:cNvPr>
-          <p:cNvSpPr/>
-          <p:nvPr/>
-        </p:nvSpPr>
-        <p:spPr>
-          <a:xfrm>
-            <a:off x="7407964" y="3397348"/>
-            <a:ext cx="958960" cy="918818"/>
-          </a:xfrm>
-          <a:prstGeom prst="ellipse">
-            <a:avLst/>
-          </a:prstGeom>
-        </p:spPr>
-        <p:style>
-          <a:lnRef idx="2">
-            <a:schemeClr val="accent6">
-              <a:shade val="15000"/>
-            </a:schemeClr>
-          </a:lnRef>
-          <a:fillRef idx="1">
-            <a:schemeClr val="accent6"/>
-          </a:fillRef>
-          <a:effectRef idx="0">
-            <a:schemeClr val="accent6"/>
-          </a:effectRef>
-          <a:fontRef idx="minor">
-            <a:schemeClr val="lt1"/>
-          </a:fontRef>
-        </p:style>
-        <p:txBody>
-          <a:bodyPr rtlCol="0" anchor="ctr"/>
-          <a:lstStyle/>
-          <a:p>
-            <a:pPr algn="ctr"/>
-            <a:r>
-              <a:rPr lang="en-US" sz="1000" dirty="0"/>
-              <a:t>Top LS pressed</a:t>
-            </a:r>
-          </a:p>
-        </p:txBody>
-      </p:sp>
-      <p:cxnSp>
-        <p:nvCxnSpPr>
-          <p:cNvPr id="51" name="Straight Arrow Connector 50">
-            <a:extLst>
-              <a:ext uri="{FF2B5EF4-FFF2-40B4-BE49-F238E27FC236}">
-                <a16:creationId xmlns:a16="http://schemas.microsoft.com/office/drawing/2014/main" id="{082264C5-E34D-743C-6B07-0AF9F635FD3A}"/>
-              </a:ext>
-            </a:extLst>
-          </p:cNvPr>
-          <p:cNvCxnSpPr>
-            <a:cxnSpLocks/>
-            <a:stCxn id="50" idx="2"/>
-            <a:endCxn id="29" idx="3"/>
-          </p:cNvCxnSpPr>
-          <p:nvPr/>
-        </p:nvCxnSpPr>
-        <p:spPr>
-          <a:xfrm flipH="1" flipV="1">
-            <a:off x="6705853" y="3271453"/>
-            <a:ext cx="702111" cy="585304"/>
-          </a:xfrm>
-          <a:prstGeom prst="straightConnector1">
-            <a:avLst/>
-          </a:prstGeom>
-          <a:ln>
-            <a:tailEnd type="triangle"/>
-          </a:ln>
-        </p:spPr>
-        <p:style>
-          <a:lnRef idx="1">
-            <a:schemeClr val="accent1"/>
-          </a:lnRef>
-          <a:fillRef idx="0">
-            <a:schemeClr val="accent1"/>
-          </a:fillRef>
-          <a:effectRef idx="0">
-            <a:schemeClr val="accent1"/>
-          </a:effectRef>
-          <a:fontRef idx="minor">
-            <a:schemeClr val="tx1"/>
-          </a:fontRef>
-        </p:style>
-      </p:cxnSp>
-      <p:sp>
-        <p:nvSpPr>
-          <p:cNvPr id="54" name="Oval 53">
-            <a:extLst>
-              <a:ext uri="{FF2B5EF4-FFF2-40B4-BE49-F238E27FC236}">
-                <a16:creationId xmlns:a16="http://schemas.microsoft.com/office/drawing/2014/main" id="{5B6726E6-1058-A17B-DE02-1979C165B44E}"/>
-              </a:ext>
-            </a:extLst>
-          </p:cNvPr>
-          <p:cNvSpPr/>
-          <p:nvPr/>
-        </p:nvSpPr>
-        <p:spPr>
-          <a:xfrm>
-            <a:off x="3671426" y="5031783"/>
-            <a:ext cx="958960" cy="918818"/>
-          </a:xfrm>
-          <a:prstGeom prst="ellipse">
-            <a:avLst/>
-          </a:prstGeom>
-        </p:spPr>
-        <p:style>
-          <a:lnRef idx="2">
-            <a:schemeClr val="accent6">
-              <a:shade val="15000"/>
-            </a:schemeClr>
-          </a:lnRef>
-          <a:fillRef idx="1">
-            <a:schemeClr val="accent6"/>
-          </a:fillRef>
-          <a:effectRef idx="0">
-            <a:schemeClr val="accent6"/>
-          </a:effectRef>
-          <a:fontRef idx="minor">
-            <a:schemeClr val="lt1"/>
-          </a:fontRef>
-        </p:style>
-        <p:txBody>
-          <a:bodyPr rtlCol="0" anchor="ctr"/>
-          <a:lstStyle/>
-          <a:p>
-            <a:pPr algn="ctr"/>
-            <a:r>
-              <a:rPr lang="en-US" sz="1000" dirty="0"/>
-              <a:t>Motion sensor off</a:t>
-            </a:r>
-          </a:p>
-        </p:txBody>
-      </p:sp>
-      <p:cxnSp>
-        <p:nvCxnSpPr>
-          <p:cNvPr id="55" name="Straight Arrow Connector 54">
-            <a:extLst>
-              <a:ext uri="{FF2B5EF4-FFF2-40B4-BE49-F238E27FC236}">
-                <a16:creationId xmlns:a16="http://schemas.microsoft.com/office/drawing/2014/main" id="{7275C736-02E9-4F6C-DF57-A874C415780A}"/>
-              </a:ext>
-            </a:extLst>
-          </p:cNvPr>
-          <p:cNvCxnSpPr>
-            <a:cxnSpLocks/>
-            <a:stCxn id="54" idx="0"/>
-            <a:endCxn id="4" idx="4"/>
-          </p:cNvCxnSpPr>
-          <p:nvPr/>
-        </p:nvCxnSpPr>
-        <p:spPr>
-          <a:xfrm flipH="1" flipV="1">
-            <a:off x="3865888" y="3698034"/>
-            <a:ext cx="285018" cy="1333749"/>
-          </a:xfrm>
-          <a:prstGeom prst="straightConnector1">
-            <a:avLst/>
-          </a:prstGeom>
-          <a:ln>
-            <a:tailEnd type="triangle"/>
-          </a:ln>
-        </p:spPr>
-        <p:style>
-          <a:lnRef idx="1">
-            <a:schemeClr val="accent1"/>
-          </a:lnRef>
-          <a:fillRef idx="0">
-            <a:schemeClr val="accent1"/>
-          </a:fillRef>
-          <a:effectRef idx="0">
-            <a:schemeClr val="accent1"/>
-          </a:effectRef>
-          <a:fontRef idx="minor">
-            <a:schemeClr val="tx1"/>
-          </a:fontRef>
-        </p:style>
-      </p:cxnSp>
-      <p:sp>
-        <p:nvSpPr>
-          <p:cNvPr id="61" name="Oval 60">
-            <a:extLst>
-              <a:ext uri="{FF2B5EF4-FFF2-40B4-BE49-F238E27FC236}">
-                <a16:creationId xmlns:a16="http://schemas.microsoft.com/office/drawing/2014/main" id="{21D6F7B2-14F6-454F-6394-48067EA30082}"/>
-              </a:ext>
-            </a:extLst>
-          </p:cNvPr>
-          <p:cNvSpPr/>
-          <p:nvPr/>
-        </p:nvSpPr>
-        <p:spPr>
-          <a:xfrm>
-            <a:off x="5082783" y="4169385"/>
-            <a:ext cx="958960" cy="918818"/>
-          </a:xfrm>
-          <a:prstGeom prst="ellipse">
-            <a:avLst/>
-          </a:prstGeom>
-        </p:spPr>
-        <p:style>
-          <a:lnRef idx="2">
-            <a:schemeClr val="accent6">
-              <a:shade val="15000"/>
-            </a:schemeClr>
-          </a:lnRef>
-          <a:fillRef idx="1">
-            <a:schemeClr val="accent6"/>
-          </a:fillRef>
-          <a:effectRef idx="0">
-            <a:schemeClr val="accent6"/>
-          </a:effectRef>
-          <a:fontRef idx="minor">
-            <a:schemeClr val="lt1"/>
-          </a:fontRef>
-        </p:style>
-        <p:txBody>
-          <a:bodyPr rtlCol="0" anchor="ctr"/>
-          <a:lstStyle/>
-          <a:p>
-            <a:pPr algn="ctr"/>
-            <a:r>
-              <a:rPr lang="en-US" sz="1000" dirty="0"/>
-              <a:t>Motion sensor on</a:t>
-            </a:r>
-          </a:p>
-        </p:txBody>
-      </p:sp>
-      <p:cxnSp>
-        <p:nvCxnSpPr>
-          <p:cNvPr id="62" name="Straight Arrow Connector 61">
-            <a:extLst>
-              <a:ext uri="{FF2B5EF4-FFF2-40B4-BE49-F238E27FC236}">
-                <a16:creationId xmlns:a16="http://schemas.microsoft.com/office/drawing/2014/main" id="{68DF547E-9000-64ED-FAC9-5D7D50FAFD3B}"/>
-              </a:ext>
-            </a:extLst>
-          </p:cNvPr>
-          <p:cNvCxnSpPr>
-            <a:cxnSpLocks/>
-            <a:stCxn id="61" idx="1"/>
-            <a:endCxn id="22" idx="2"/>
-          </p:cNvCxnSpPr>
-          <p:nvPr/>
-        </p:nvCxnSpPr>
-        <p:spPr>
-          <a:xfrm flipH="1" flipV="1">
-            <a:off x="4858576" y="3451889"/>
-            <a:ext cx="364643" cy="852054"/>
-          </a:xfrm>
-          <a:prstGeom prst="straightConnector1">
-            <a:avLst/>
-          </a:prstGeom>
-          <a:ln>
-            <a:tailEnd type="triangle"/>
-          </a:ln>
-        </p:spPr>
-        <p:style>
-          <a:lnRef idx="1">
-            <a:schemeClr val="accent1"/>
-          </a:lnRef>
-          <a:fillRef idx="0">
-            <a:schemeClr val="accent1"/>
-          </a:fillRef>
-          <a:effectRef idx="0">
-            <a:schemeClr val="accent1"/>
-          </a:effectRef>
-          <a:fontRef idx="minor">
-            <a:schemeClr val="tx1"/>
-          </a:fontRef>
-        </p:style>
-      </p:cxnSp>
-      <p:sp>
-        <p:nvSpPr>
-          <p:cNvPr id="66" name="Title 1">
-            <a:extLst>
-              <a:ext uri="{FF2B5EF4-FFF2-40B4-BE49-F238E27FC236}">
-                <a16:creationId xmlns:a16="http://schemas.microsoft.com/office/drawing/2014/main" id="{9C82F5AD-F9E9-AF73-9555-419FD75596F1}"/>
-              </a:ext>
-            </a:extLst>
-          </p:cNvPr>
-          <p:cNvSpPr txBox="1">
-            <a:spLocks/>
-          </p:cNvSpPr>
-          <p:nvPr/>
-        </p:nvSpPr>
-        <p:spPr>
-          <a:xfrm>
-            <a:off x="820784" y="491539"/>
-            <a:ext cx="10515600" cy="820915"/>
-          </a:xfrm>
-          <a:prstGeom prst="rect">
-            <a:avLst/>
-          </a:prstGeom>
-        </p:spPr>
-        <p:txBody>
-          <a:bodyPr vert="horz" lIns="91440" tIns="45720" rIns="91440" bIns="45720" rtlCol="0" anchor="b">
-            <a:normAutofit/>
-          </a:bodyPr>
-          <a:lstStyle>
-            <a:lvl1pPr algn="ctr" defTabSz="914400" rtl="0" eaLnBrk="1" latinLnBrk="0" hangingPunct="1">
-              <a:lnSpc>
-                <a:spcPct val="90000"/>
-              </a:lnSpc>
-              <a:spcBef>
-                <a:spcPct val="0"/>
-              </a:spcBef>
-              <a:buNone/>
-              <a:defRPr sz="6000" kern="1200">
-                <a:solidFill>
-                  <a:schemeClr val="tx1"/>
-                </a:solidFill>
-                <a:latin typeface="+mj-lt"/>
-                <a:ea typeface="+mj-ea"/>
-                <a:cs typeface="+mj-cs"/>
-              </a:defRPr>
-            </a:lvl1pPr>
-          </a:lstStyle>
-          <a:p>
-            <a:r>
-              <a:rPr lang="en-US" sz="4400" dirty="0"/>
-              <a:t>States and Actions (Events)</a:t>
+              <a:t>Last modified 2/17/2025</a:t>
             </a:r>
           </a:p>
         </p:txBody>
@@ -4225,7 +6053,7 @@
     </p:spTree>
     <p:extLst>
       <p:ext uri="{BB962C8B-B14F-4D97-AF65-F5344CB8AC3E}">
-        <p14:creationId xmlns:p14="http://schemas.microsoft.com/office/powerpoint/2010/main" val="3101452491"/>
+        <p14:creationId xmlns:p14="http://schemas.microsoft.com/office/powerpoint/2010/main" val="2368221998"/>
       </p:ext>
     </p:extLst>
   </p:cSld>
@@ -4236,6 +6064,66 @@
 </file>
 
 <file path=ppt/slides/slide2.xml><?xml version="1.0" encoding="utf-8"?>
+<p:sld xmlns:a="http://schemas.openxmlformats.org/drawingml/2006/main" xmlns:r="http://schemas.openxmlformats.org/officeDocument/2006/relationships" xmlns:p="http://schemas.openxmlformats.org/presentationml/2006/main">
+  <p:cSld>
+    <p:spTree>
+      <p:nvGrpSpPr>
+        <p:cNvPr id="1" name=""/>
+        <p:cNvGrpSpPr/>
+        <p:nvPr/>
+      </p:nvGrpSpPr>
+      <p:grpSpPr>
+        <a:xfrm>
+          <a:off x="0" y="0"/>
+          <a:ext cx="0" cy="0"/>
+          <a:chOff x="0" y="0"/>
+          <a:chExt cx="0" cy="0"/>
+        </a:xfrm>
+      </p:grpSpPr>
+      <p:pic>
+        <p:nvPicPr>
+          <p:cNvPr id="5" name="Picture 4">
+            <a:extLst>
+              <a:ext uri="{FF2B5EF4-FFF2-40B4-BE49-F238E27FC236}">
+                <a16:creationId xmlns:a16="http://schemas.microsoft.com/office/drawing/2014/main" id="{E9AE82B0-A5D6-CFBC-3AFB-AA0C1007C1A5}"/>
+              </a:ext>
+            </a:extLst>
+          </p:cNvPr>
+          <p:cNvPicPr>
+            <a:picLocks noChangeAspect="1"/>
+          </p:cNvPicPr>
+          <p:nvPr/>
+        </p:nvPicPr>
+        <p:blipFill>
+          <a:blip r:embed="rId2"/>
+          <a:stretch>
+            <a:fillRect/>
+          </a:stretch>
+        </p:blipFill>
+        <p:spPr>
+          <a:xfrm>
+            <a:off x="2226968" y="490768"/>
+            <a:ext cx="8376792" cy="5588145"/>
+          </a:xfrm>
+          <a:prstGeom prst="rect">
+            <a:avLst/>
+          </a:prstGeom>
+        </p:spPr>
+      </p:pic>
+    </p:spTree>
+    <p:extLst>
+      <p:ext uri="{BB962C8B-B14F-4D97-AF65-F5344CB8AC3E}">
+        <p14:creationId xmlns:p14="http://schemas.microsoft.com/office/powerpoint/2010/main" val="4075259605"/>
+      </p:ext>
+    </p:extLst>
+  </p:cSld>
+  <p:clrMapOvr>
+    <a:masterClrMapping/>
+  </p:clrMapOvr>
+</p:sld>
+</file>
+
+<file path=ppt/slides/slide3.xml><?xml version="1.0" encoding="utf-8"?>
 <p:sld xmlns:a="http://schemas.openxmlformats.org/drawingml/2006/main" xmlns:r="http://schemas.openxmlformats.org/officeDocument/2006/relationships" xmlns:p="http://schemas.openxmlformats.org/presentationml/2006/main">
   <p:cSld>
     <p:spTree>
@@ -4451,41 +6339,6 @@
           </a:fontRef>
         </p:style>
       </p:cxnSp>
-      <p:sp>
-        <p:nvSpPr>
-          <p:cNvPr id="11" name="TextBox 10">
-            <a:extLst>
-              <a:ext uri="{FF2B5EF4-FFF2-40B4-BE49-F238E27FC236}">
-                <a16:creationId xmlns:a16="http://schemas.microsoft.com/office/drawing/2014/main" id="{2F05DCD0-C747-9171-7BC0-118236EF52E9}"/>
-              </a:ext>
-            </a:extLst>
-          </p:cNvPr>
-          <p:cNvSpPr txBox="1"/>
-          <p:nvPr/>
-        </p:nvSpPr>
-        <p:spPr>
-          <a:xfrm>
-            <a:off x="2317378" y="3367794"/>
-            <a:ext cx="401072" cy="230832"/>
-          </a:xfrm>
-          <a:prstGeom prst="rect">
-            <a:avLst/>
-          </a:prstGeom>
-          <a:noFill/>
-        </p:spPr>
-        <p:txBody>
-          <a:bodyPr wrap="none" rtlCol="0">
-            <a:spAutoFit/>
-          </a:bodyPr>
-          <a:lstStyle/>
-          <a:p>
-            <a:r>
-              <a:rPr lang="en-US" sz="900" dirty="0"/>
-              <a:t>GND</a:t>
-            </a:r>
-          </a:p>
-        </p:txBody>
-      </p:sp>
       <p:cxnSp>
         <p:nvCxnSpPr>
           <p:cNvPr id="13" name="Straight Arrow Connector 12">
@@ -4678,41 +6531,6 @@
           </a:prstGeom>
         </p:spPr>
       </p:pic>
-      <p:sp>
-        <p:nvSpPr>
-          <p:cNvPr id="22" name="TextBox 21">
-            <a:extLst>
-              <a:ext uri="{FF2B5EF4-FFF2-40B4-BE49-F238E27FC236}">
-                <a16:creationId xmlns:a16="http://schemas.microsoft.com/office/drawing/2014/main" id="{685A8C60-1E10-8240-9102-5670247FA3DB}"/>
-              </a:ext>
-            </a:extLst>
-          </p:cNvPr>
-          <p:cNvSpPr txBox="1"/>
-          <p:nvPr/>
-        </p:nvSpPr>
-        <p:spPr>
-          <a:xfrm>
-            <a:off x="5307283" y="3095375"/>
-            <a:ext cx="401072" cy="230832"/>
-          </a:xfrm>
-          <a:prstGeom prst="rect">
-            <a:avLst/>
-          </a:prstGeom>
-          <a:noFill/>
-        </p:spPr>
-        <p:txBody>
-          <a:bodyPr wrap="none" rtlCol="0">
-            <a:spAutoFit/>
-          </a:bodyPr>
-          <a:lstStyle/>
-          <a:p>
-            <a:r>
-              <a:rPr lang="en-US" sz="900" dirty="0"/>
-              <a:t>GND</a:t>
-            </a:r>
-          </a:p>
-        </p:txBody>
-      </p:sp>
       <p:cxnSp>
         <p:nvCxnSpPr>
           <p:cNvPr id="24" name="Connector: Elbow 23">
@@ -4759,41 +6577,6 @@
           </a:fontRef>
         </p:style>
       </p:cxnSp>
-      <p:sp>
-        <p:nvSpPr>
-          <p:cNvPr id="29" name="TextBox 28">
-            <a:extLst>
-              <a:ext uri="{FF2B5EF4-FFF2-40B4-BE49-F238E27FC236}">
-                <a16:creationId xmlns:a16="http://schemas.microsoft.com/office/drawing/2014/main" id="{40DBA1B3-C692-131F-F920-CC173CA56360}"/>
-              </a:ext>
-            </a:extLst>
-          </p:cNvPr>
-          <p:cNvSpPr txBox="1"/>
-          <p:nvPr/>
-        </p:nvSpPr>
-        <p:spPr>
-          <a:xfrm>
-            <a:off x="4444352" y="3095375"/>
-            <a:ext cx="401072" cy="230832"/>
-          </a:xfrm>
-          <a:prstGeom prst="rect">
-            <a:avLst/>
-          </a:prstGeom>
-          <a:noFill/>
-        </p:spPr>
-        <p:txBody>
-          <a:bodyPr wrap="none" rtlCol="0">
-            <a:spAutoFit/>
-          </a:bodyPr>
-          <a:lstStyle/>
-          <a:p>
-            <a:r>
-              <a:rPr lang="en-US" sz="900" dirty="0"/>
-              <a:t>GND</a:t>
-            </a:r>
-          </a:p>
-        </p:txBody>
-      </p:sp>
       <p:cxnSp>
         <p:nvCxnSpPr>
           <p:cNvPr id="32" name="Straight Connector 31">
@@ -5454,154 +7237,7 @@
         </p:nvSpPr>
         <p:spPr>
           <a:xfrm>
-            <a:off x="9806140" y="2024762"/>
-            <a:ext cx="620683" cy="230832"/>
-          </a:xfrm>
-          <a:prstGeom prst="rect">
-            <a:avLst/>
-          </a:prstGeom>
-          <a:noFill/>
-        </p:spPr>
-        <p:txBody>
-          <a:bodyPr wrap="none" rtlCol="0">
-            <a:spAutoFit/>
-          </a:bodyPr>
-          <a:lstStyle/>
-          <a:p>
-            <a:r>
-              <a:rPr lang="en-US" sz="900" dirty="0"/>
-              <a:t>GPIO (IN)</a:t>
-            </a:r>
-          </a:p>
-        </p:txBody>
-      </p:sp>
-      <p:pic>
-        <p:nvPicPr>
-          <p:cNvPr id="61" name="Picture 2">
-            <a:extLst>
-              <a:ext uri="{FF2B5EF4-FFF2-40B4-BE49-F238E27FC236}">
-                <a16:creationId xmlns:a16="http://schemas.microsoft.com/office/drawing/2014/main" id="{7612ABD7-4183-FD1B-80A4-423AECDA6593}"/>
-              </a:ext>
-            </a:extLst>
-          </p:cNvPr>
-          <p:cNvPicPr>
-            <a:picLocks noChangeAspect="1" noChangeArrowheads="1"/>
-          </p:cNvPicPr>
-          <p:nvPr/>
-        </p:nvPicPr>
-        <p:blipFill>
-          <a:blip r:embed="rId5">
-            <a:extLst>
-              <a:ext uri="{28A0092B-C50C-407E-A947-70E740481C1C}">
-                <a14:useLocalDpi xmlns:a14="http://schemas.microsoft.com/office/drawing/2010/main" val="0"/>
-              </a:ext>
-            </a:extLst>
-          </a:blip>
-          <a:srcRect/>
-          <a:stretch>
-            <a:fillRect/>
-          </a:stretch>
-        </p:blipFill>
-        <p:spPr bwMode="auto">
-          <a:xfrm>
-            <a:off x="9423399" y="2891310"/>
-            <a:ext cx="501374" cy="260088"/>
-          </a:xfrm>
-          <a:prstGeom prst="rect">
-            <a:avLst/>
-          </a:prstGeom>
-          <a:noFill/>
-          <a:extLst>
-            <a:ext uri="{909E8E84-426E-40DD-AFC4-6F175D3DCCD1}">
-              <a14:hiddenFill xmlns:a14="http://schemas.microsoft.com/office/drawing/2010/main">
-                <a:solidFill>
-                  <a:srgbClr val="FFFFFF"/>
-                </a:solidFill>
-              </a14:hiddenFill>
-            </a:ext>
-          </a:extLst>
-        </p:spPr>
-      </p:pic>
-      <p:pic>
-        <p:nvPicPr>
-          <p:cNvPr id="62" name="Picture 61">
-            <a:extLst>
-              <a:ext uri="{FF2B5EF4-FFF2-40B4-BE49-F238E27FC236}">
-                <a16:creationId xmlns:a16="http://schemas.microsoft.com/office/drawing/2014/main" id="{BEB05C7C-FDBD-C9BD-7A8E-260D7CC635DB}"/>
-              </a:ext>
-            </a:extLst>
-          </p:cNvPr>
-          <p:cNvPicPr>
-            <a:picLocks noChangeAspect="1"/>
-          </p:cNvPicPr>
-          <p:nvPr/>
-        </p:nvPicPr>
-        <p:blipFill>
-          <a:blip r:embed="rId6"/>
-          <a:stretch>
-            <a:fillRect/>
-          </a:stretch>
-        </p:blipFill>
-        <p:spPr>
-          <a:xfrm>
-            <a:off x="9194010" y="2976032"/>
-            <a:ext cx="292976" cy="104634"/>
-          </a:xfrm>
-          <a:prstGeom prst="rect">
-            <a:avLst/>
-          </a:prstGeom>
-        </p:spPr>
-      </p:pic>
-      <p:sp>
-        <p:nvSpPr>
-          <p:cNvPr id="63" name="TextBox 62">
-            <a:extLst>
-              <a:ext uri="{FF2B5EF4-FFF2-40B4-BE49-F238E27FC236}">
-                <a16:creationId xmlns:a16="http://schemas.microsoft.com/office/drawing/2014/main" id="{629EF7A4-A051-6982-93AD-1884ABD0C08A}"/>
-              </a:ext>
-            </a:extLst>
-          </p:cNvPr>
-          <p:cNvSpPr txBox="1"/>
-          <p:nvPr/>
-        </p:nvSpPr>
-        <p:spPr>
-          <a:xfrm>
-            <a:off x="8819706" y="2909110"/>
-            <a:ext cx="429926" cy="230832"/>
-          </a:xfrm>
-          <a:prstGeom prst="rect">
-            <a:avLst/>
-          </a:prstGeom>
-          <a:noFill/>
-        </p:spPr>
-        <p:txBody>
-          <a:bodyPr wrap="none" rtlCol="0">
-            <a:spAutoFit/>
-          </a:bodyPr>
-          <a:lstStyle/>
-          <a:p>
-            <a:r>
-              <a:rPr lang="en-US" sz="900" dirty="0"/>
-              <a:t>VCC+</a:t>
-            </a:r>
-          </a:p>
-        </p:txBody>
-      </p:sp>
-      <p:sp>
-        <p:nvSpPr>
-          <p:cNvPr id="1024" name="TextBox 1023">
-            <a:extLst>
-              <a:ext uri="{FF2B5EF4-FFF2-40B4-BE49-F238E27FC236}">
-                <a16:creationId xmlns:a16="http://schemas.microsoft.com/office/drawing/2014/main" id="{86698556-E4ED-40F7-3B92-778EDA3CC089}"/>
-              </a:ext>
-            </a:extLst>
-          </p:cNvPr>
-          <p:cNvSpPr txBox="1"/>
-          <p:nvPr/>
-        </p:nvSpPr>
-        <p:spPr>
-          <a:xfrm>
-            <a:off x="9806140" y="2985333"/>
+            <a:off x="9313594" y="2238885"/>
             <a:ext cx="620683" cy="230832"/>
           </a:xfrm>
           <a:prstGeom prst="rect">
@@ -5793,41 +7429,6 @@
           </a:fontRef>
         </p:style>
       </p:cxnSp>
-      <p:sp>
-        <p:nvSpPr>
-          <p:cNvPr id="1033" name="TextBox 1032">
-            <a:extLst>
-              <a:ext uri="{FF2B5EF4-FFF2-40B4-BE49-F238E27FC236}">
-                <a16:creationId xmlns:a16="http://schemas.microsoft.com/office/drawing/2014/main" id="{BD02900D-2155-55AB-5B3A-63B7DA5526CA}"/>
-              </a:ext>
-            </a:extLst>
-          </p:cNvPr>
-          <p:cNvSpPr txBox="1"/>
-          <p:nvPr/>
-        </p:nvSpPr>
-        <p:spPr>
-          <a:xfrm>
-            <a:off x="7195007" y="4794394"/>
-            <a:ext cx="401072" cy="230832"/>
-          </a:xfrm>
-          <a:prstGeom prst="rect">
-            <a:avLst/>
-          </a:prstGeom>
-          <a:noFill/>
-        </p:spPr>
-        <p:txBody>
-          <a:bodyPr wrap="none" rtlCol="0">
-            <a:spAutoFit/>
-          </a:bodyPr>
-          <a:lstStyle/>
-          <a:p>
-            <a:r>
-              <a:rPr lang="en-US" sz="900" dirty="0"/>
-              <a:t>GND</a:t>
-            </a:r>
-          </a:p>
-        </p:txBody>
-      </p:sp>
       <p:cxnSp>
         <p:nvCxnSpPr>
           <p:cNvPr id="1034" name="Straight Connector 1033">
@@ -6020,10 +7621,10 @@
       </p:pic>
       <p:sp>
         <p:nvSpPr>
-          <p:cNvPr id="1060" name="TextBox 1059">
-            <a:extLst>
-              <a:ext uri="{FF2B5EF4-FFF2-40B4-BE49-F238E27FC236}">
-                <a16:creationId xmlns:a16="http://schemas.microsoft.com/office/drawing/2014/main" id="{D08182AC-95B0-A577-EF5F-ACA783CBCC4A}"/>
+          <p:cNvPr id="1061" name="TextBox 1060">
+            <a:extLst>
+              <a:ext uri="{FF2B5EF4-FFF2-40B4-BE49-F238E27FC236}">
+                <a16:creationId xmlns:a16="http://schemas.microsoft.com/office/drawing/2014/main" id="{4860DE10-1B25-91C8-0E07-CF47204312FE}"/>
               </a:ext>
             </a:extLst>
           </p:cNvPr>
@@ -6032,42 +7633,7 @@
         </p:nvSpPr>
         <p:spPr>
           <a:xfrm>
-            <a:off x="8993474" y="3881321"/>
-            <a:ext cx="401072" cy="230832"/>
-          </a:xfrm>
-          <a:prstGeom prst="rect">
-            <a:avLst/>
-          </a:prstGeom>
-          <a:noFill/>
-        </p:spPr>
-        <p:txBody>
-          <a:bodyPr wrap="none" rtlCol="0">
-            <a:spAutoFit/>
-          </a:bodyPr>
-          <a:lstStyle/>
-          <a:p>
-            <a:r>
-              <a:rPr lang="en-US" sz="900" dirty="0"/>
-              <a:t>GND</a:t>
-            </a:r>
-          </a:p>
-        </p:txBody>
-      </p:sp>
-      <p:sp>
-        <p:nvSpPr>
-          <p:cNvPr id="1061" name="TextBox 1060">
-            <a:extLst>
-              <a:ext uri="{FF2B5EF4-FFF2-40B4-BE49-F238E27FC236}">
-                <a16:creationId xmlns:a16="http://schemas.microsoft.com/office/drawing/2014/main" id="{4860DE10-1B25-91C8-0E07-CF47204312FE}"/>
-              </a:ext>
-            </a:extLst>
-          </p:cNvPr>
-          <p:cNvSpPr txBox="1"/>
-          <p:nvPr/>
-        </p:nvSpPr>
-        <p:spPr>
-          <a:xfrm>
-            <a:off x="9962958" y="3845713"/>
+            <a:off x="9074208" y="4894680"/>
             <a:ext cx="620683" cy="230832"/>
           </a:xfrm>
           <a:prstGeom prst="rect">
@@ -6193,15 +7759,15 @@
             </a:extLst>
           </p:cNvPr>
           <p:cNvCxnSpPr>
-            <a:stCxn id="1063" idx="3"/>
-            <a:endCxn id="1061" idx="2"/>
+            <a:cxnSpLocks/>
+            <a:stCxn id="1064" idx="3"/>
           </p:cNvCxnSpPr>
           <p:nvPr/>
         </p:nvCxnSpPr>
         <p:spPr>
-          <a:xfrm flipV="1">
-            <a:off x="10233933" y="4076545"/>
-            <a:ext cx="39367" cy="528009"/>
+          <a:xfrm>
+            <a:off x="9340498" y="4626395"/>
+            <a:ext cx="22805" cy="289595"/>
           </a:xfrm>
           <a:prstGeom prst="bentConnector2">
             <a:avLst/>
@@ -6242,7 +7808,7 @@
         </p:nvSpPr>
         <p:spPr>
           <a:xfrm>
-            <a:off x="9194010" y="4779572"/>
+            <a:off x="9250743" y="5177065"/>
             <a:ext cx="1212191" cy="230832"/>
           </a:xfrm>
           <a:prstGeom prst="rect">
@@ -6298,6 +7864,994 @@
           </a:p>
         </p:txBody>
       </p:sp>
+      <p:cxnSp>
+        <p:nvCxnSpPr>
+          <p:cNvPr id="16" name="Straight Connector 15">
+            <a:extLst>
+              <a:ext uri="{FF2B5EF4-FFF2-40B4-BE49-F238E27FC236}">
+                <a16:creationId xmlns:a16="http://schemas.microsoft.com/office/drawing/2014/main" id="{4D33DA89-203D-906D-6696-1EB46F771CFF}"/>
+              </a:ext>
+            </a:extLst>
+          </p:cNvPr>
+          <p:cNvCxnSpPr>
+            <a:cxnSpLocks/>
+            <a:endCxn id="60" idx="0"/>
+          </p:cNvCxnSpPr>
+          <p:nvPr/>
+        </p:nvCxnSpPr>
+        <p:spPr>
+          <a:xfrm>
+            <a:off x="9623936" y="2047094"/>
+            <a:ext cx="0" cy="191791"/>
+          </a:xfrm>
+          <a:prstGeom prst="line">
+            <a:avLst/>
+          </a:prstGeom>
+          <a:ln w="12700"/>
+        </p:spPr>
+        <p:style>
+          <a:lnRef idx="1">
+            <a:schemeClr val="dk1"/>
+          </a:lnRef>
+          <a:fillRef idx="0">
+            <a:schemeClr val="dk1"/>
+          </a:fillRef>
+          <a:effectRef idx="0">
+            <a:schemeClr val="dk1"/>
+          </a:effectRef>
+          <a:fontRef idx="minor">
+            <a:schemeClr val="tx1"/>
+          </a:fontRef>
+        </p:style>
+      </p:cxnSp>
+      <p:grpSp>
+        <p:nvGrpSpPr>
+          <p:cNvPr id="27" name="Group 26">
+            <a:extLst>
+              <a:ext uri="{FF2B5EF4-FFF2-40B4-BE49-F238E27FC236}">
+                <a16:creationId xmlns:a16="http://schemas.microsoft.com/office/drawing/2014/main" id="{BFEF56EE-A4AF-AF43-9D5D-83388240F5FD}"/>
+              </a:ext>
+            </a:extLst>
+          </p:cNvPr>
+          <p:cNvGrpSpPr/>
+          <p:nvPr/>
+        </p:nvGrpSpPr>
+        <p:grpSpPr>
+          <a:xfrm>
+            <a:off x="9824474" y="1995343"/>
+            <a:ext cx="377026" cy="270630"/>
+            <a:chOff x="10913467" y="3969234"/>
+            <a:chExt cx="377026" cy="270630"/>
+          </a:xfrm>
+        </p:grpSpPr>
+        <p:sp>
+          <p:nvSpPr>
+            <p:cNvPr id="25" name="TextBox 24">
+              <a:extLst>
+                <a:ext uri="{FF2B5EF4-FFF2-40B4-BE49-F238E27FC236}">
+                  <a16:creationId xmlns:a16="http://schemas.microsoft.com/office/drawing/2014/main" id="{B50118E4-34E8-49F5-3617-500070D76CEB}"/>
+                </a:ext>
+              </a:extLst>
+            </p:cNvPr>
+            <p:cNvSpPr txBox="1"/>
+            <p:nvPr/>
+          </p:nvSpPr>
+          <p:spPr>
+            <a:xfrm>
+              <a:off x="10913467" y="4004431"/>
+              <a:ext cx="377026" cy="215444"/>
+            </a:xfrm>
+            <a:prstGeom prst="rect">
+              <a:avLst/>
+            </a:prstGeom>
+            <a:noFill/>
+          </p:spPr>
+          <p:txBody>
+            <a:bodyPr wrap="none" rtlCol="0">
+              <a:spAutoFit/>
+            </a:bodyPr>
+            <a:lstStyle/>
+            <a:p>
+              <a:r>
+                <a:rPr lang="en-US" sz="800" dirty="0"/>
+                <a:t>GND</a:t>
+              </a:r>
+            </a:p>
+          </p:txBody>
+        </p:sp>
+        <p:sp>
+          <p:nvSpPr>
+            <p:cNvPr id="26" name="Oval 25">
+              <a:extLst>
+                <a:ext uri="{FF2B5EF4-FFF2-40B4-BE49-F238E27FC236}">
+                  <a16:creationId xmlns:a16="http://schemas.microsoft.com/office/drawing/2014/main" id="{0CAF60BB-EDF9-7AFE-417B-20CC5BF43898}"/>
+                </a:ext>
+              </a:extLst>
+            </p:cNvPr>
+            <p:cNvSpPr/>
+            <p:nvPr/>
+          </p:nvSpPr>
+          <p:spPr>
+            <a:xfrm>
+              <a:off x="10956398" y="3969234"/>
+              <a:ext cx="291165" cy="270630"/>
+            </a:xfrm>
+            <a:prstGeom prst="ellipse">
+              <a:avLst/>
+            </a:prstGeom>
+            <a:noFill/>
+          </p:spPr>
+          <p:style>
+            <a:lnRef idx="2">
+              <a:schemeClr val="accent1">
+                <a:shade val="15000"/>
+              </a:schemeClr>
+            </a:lnRef>
+            <a:fillRef idx="1">
+              <a:schemeClr val="accent1"/>
+            </a:fillRef>
+            <a:effectRef idx="0">
+              <a:schemeClr val="accent1"/>
+            </a:effectRef>
+            <a:fontRef idx="minor">
+              <a:schemeClr val="lt1"/>
+            </a:fontRef>
+          </p:style>
+          <p:txBody>
+            <a:bodyPr rtlCol="0" anchor="ctr"/>
+            <a:lstStyle/>
+            <a:p>
+              <a:pPr algn="ctr"/>
+              <a:endParaRPr lang="en-US"/>
+            </a:p>
+          </p:txBody>
+        </p:sp>
+      </p:grpSp>
+      <p:grpSp>
+        <p:nvGrpSpPr>
+          <p:cNvPr id="28" name="Group 27">
+            <a:extLst>
+              <a:ext uri="{FF2B5EF4-FFF2-40B4-BE49-F238E27FC236}">
+                <a16:creationId xmlns:a16="http://schemas.microsoft.com/office/drawing/2014/main" id="{063EBB3D-6DDD-5FB5-EDA2-D28E6CA98137}"/>
+              </a:ext>
+            </a:extLst>
+          </p:cNvPr>
+          <p:cNvGrpSpPr/>
+          <p:nvPr/>
+        </p:nvGrpSpPr>
+        <p:grpSpPr>
+          <a:xfrm>
+            <a:off x="10085908" y="4460614"/>
+            <a:ext cx="377026" cy="270630"/>
+            <a:chOff x="10913467" y="3969234"/>
+            <a:chExt cx="377026" cy="270630"/>
+          </a:xfrm>
+        </p:grpSpPr>
+        <p:sp>
+          <p:nvSpPr>
+            <p:cNvPr id="30" name="TextBox 29">
+              <a:extLst>
+                <a:ext uri="{FF2B5EF4-FFF2-40B4-BE49-F238E27FC236}">
+                  <a16:creationId xmlns:a16="http://schemas.microsoft.com/office/drawing/2014/main" id="{E258D3DE-E16D-F9DE-6F38-B0AB6E5D01CD}"/>
+                </a:ext>
+              </a:extLst>
+            </p:cNvPr>
+            <p:cNvSpPr txBox="1"/>
+            <p:nvPr/>
+          </p:nvSpPr>
+          <p:spPr>
+            <a:xfrm>
+              <a:off x="10913467" y="4004431"/>
+              <a:ext cx="377026" cy="215444"/>
+            </a:xfrm>
+            <a:prstGeom prst="rect">
+              <a:avLst/>
+            </a:prstGeom>
+            <a:noFill/>
+          </p:spPr>
+          <p:txBody>
+            <a:bodyPr wrap="none" rtlCol="0">
+              <a:spAutoFit/>
+            </a:bodyPr>
+            <a:lstStyle/>
+            <a:p>
+              <a:r>
+                <a:rPr lang="en-US" sz="800" dirty="0"/>
+                <a:t>GND</a:t>
+              </a:r>
+            </a:p>
+          </p:txBody>
+        </p:sp>
+        <p:sp>
+          <p:nvSpPr>
+            <p:cNvPr id="31" name="Oval 30">
+              <a:extLst>
+                <a:ext uri="{FF2B5EF4-FFF2-40B4-BE49-F238E27FC236}">
+                  <a16:creationId xmlns:a16="http://schemas.microsoft.com/office/drawing/2014/main" id="{55C8DD2F-B65C-EEE7-3115-FD5319BC5194}"/>
+                </a:ext>
+              </a:extLst>
+            </p:cNvPr>
+            <p:cNvSpPr/>
+            <p:nvPr/>
+          </p:nvSpPr>
+          <p:spPr>
+            <a:xfrm>
+              <a:off x="10956398" y="3969234"/>
+              <a:ext cx="291165" cy="270630"/>
+            </a:xfrm>
+            <a:prstGeom prst="ellipse">
+              <a:avLst/>
+            </a:prstGeom>
+            <a:noFill/>
+          </p:spPr>
+          <p:style>
+            <a:lnRef idx="2">
+              <a:schemeClr val="accent1">
+                <a:shade val="15000"/>
+              </a:schemeClr>
+            </a:lnRef>
+            <a:fillRef idx="1">
+              <a:schemeClr val="accent1"/>
+            </a:fillRef>
+            <a:effectRef idx="0">
+              <a:schemeClr val="accent1"/>
+            </a:effectRef>
+            <a:fontRef idx="minor">
+              <a:schemeClr val="lt1"/>
+            </a:fontRef>
+          </p:style>
+          <p:txBody>
+            <a:bodyPr rtlCol="0" anchor="ctr"/>
+            <a:lstStyle/>
+            <a:p>
+              <a:pPr algn="ctr"/>
+              <a:endParaRPr lang="en-US"/>
+            </a:p>
+          </p:txBody>
+        </p:sp>
+      </p:grpSp>
+      <p:grpSp>
+        <p:nvGrpSpPr>
+          <p:cNvPr id="33" name="Group 32">
+            <a:extLst>
+              <a:ext uri="{FF2B5EF4-FFF2-40B4-BE49-F238E27FC236}">
+                <a16:creationId xmlns:a16="http://schemas.microsoft.com/office/drawing/2014/main" id="{983AE450-8CC9-B78D-6CC9-02EF76AEE919}"/>
+              </a:ext>
+            </a:extLst>
+          </p:cNvPr>
+          <p:cNvGrpSpPr/>
+          <p:nvPr/>
+        </p:nvGrpSpPr>
+        <p:grpSpPr>
+          <a:xfrm>
+            <a:off x="7419834" y="4767458"/>
+            <a:ext cx="377026" cy="270630"/>
+            <a:chOff x="10913467" y="3969234"/>
+            <a:chExt cx="377026" cy="270630"/>
+          </a:xfrm>
+        </p:grpSpPr>
+        <p:sp>
+          <p:nvSpPr>
+            <p:cNvPr id="34" name="TextBox 33">
+              <a:extLst>
+                <a:ext uri="{FF2B5EF4-FFF2-40B4-BE49-F238E27FC236}">
+                  <a16:creationId xmlns:a16="http://schemas.microsoft.com/office/drawing/2014/main" id="{C0C8CAEF-833E-89E6-2B1B-7DE58A651706}"/>
+                </a:ext>
+              </a:extLst>
+            </p:cNvPr>
+            <p:cNvSpPr txBox="1"/>
+            <p:nvPr/>
+          </p:nvSpPr>
+          <p:spPr>
+            <a:xfrm>
+              <a:off x="10913467" y="4004431"/>
+              <a:ext cx="377026" cy="215444"/>
+            </a:xfrm>
+            <a:prstGeom prst="rect">
+              <a:avLst/>
+            </a:prstGeom>
+            <a:noFill/>
+          </p:spPr>
+          <p:txBody>
+            <a:bodyPr wrap="none" rtlCol="0">
+              <a:spAutoFit/>
+            </a:bodyPr>
+            <a:lstStyle/>
+            <a:p>
+              <a:r>
+                <a:rPr lang="en-US" sz="800" dirty="0"/>
+                <a:t>GND</a:t>
+              </a:r>
+            </a:p>
+          </p:txBody>
+        </p:sp>
+        <p:sp>
+          <p:nvSpPr>
+            <p:cNvPr id="38" name="Oval 37">
+              <a:extLst>
+                <a:ext uri="{FF2B5EF4-FFF2-40B4-BE49-F238E27FC236}">
+                  <a16:creationId xmlns:a16="http://schemas.microsoft.com/office/drawing/2014/main" id="{18779DC6-55E0-6288-D0E2-1572FB45336D}"/>
+                </a:ext>
+              </a:extLst>
+            </p:cNvPr>
+            <p:cNvSpPr/>
+            <p:nvPr/>
+          </p:nvSpPr>
+          <p:spPr>
+            <a:xfrm>
+              <a:off x="10956398" y="3969234"/>
+              <a:ext cx="291165" cy="270630"/>
+            </a:xfrm>
+            <a:prstGeom prst="ellipse">
+              <a:avLst/>
+            </a:prstGeom>
+            <a:noFill/>
+          </p:spPr>
+          <p:style>
+            <a:lnRef idx="2">
+              <a:schemeClr val="accent1">
+                <a:shade val="15000"/>
+              </a:schemeClr>
+            </a:lnRef>
+            <a:fillRef idx="1">
+              <a:schemeClr val="accent1"/>
+            </a:fillRef>
+            <a:effectRef idx="0">
+              <a:schemeClr val="accent1"/>
+            </a:effectRef>
+            <a:fontRef idx="minor">
+              <a:schemeClr val="lt1"/>
+            </a:fontRef>
+          </p:style>
+          <p:txBody>
+            <a:bodyPr rtlCol="0" anchor="ctr"/>
+            <a:lstStyle/>
+            <a:p>
+              <a:pPr algn="ctr"/>
+              <a:endParaRPr lang="en-US"/>
+            </a:p>
+          </p:txBody>
+        </p:sp>
+      </p:grpSp>
+      <p:grpSp>
+        <p:nvGrpSpPr>
+          <p:cNvPr id="39" name="Group 38">
+            <a:extLst>
+              <a:ext uri="{FF2B5EF4-FFF2-40B4-BE49-F238E27FC236}">
+                <a16:creationId xmlns:a16="http://schemas.microsoft.com/office/drawing/2014/main" id="{86CC8C10-C8A4-94FA-8B0F-60FF3BD47659}"/>
+              </a:ext>
+            </a:extLst>
+          </p:cNvPr>
+          <p:cNvGrpSpPr/>
+          <p:nvPr/>
+        </p:nvGrpSpPr>
+        <p:grpSpPr>
+          <a:xfrm>
+            <a:off x="2331103" y="3411560"/>
+            <a:ext cx="377026" cy="270630"/>
+            <a:chOff x="10913467" y="3969234"/>
+            <a:chExt cx="377026" cy="270630"/>
+          </a:xfrm>
+        </p:grpSpPr>
+        <p:sp>
+          <p:nvSpPr>
+            <p:cNvPr id="40" name="TextBox 39">
+              <a:extLst>
+                <a:ext uri="{FF2B5EF4-FFF2-40B4-BE49-F238E27FC236}">
+                  <a16:creationId xmlns:a16="http://schemas.microsoft.com/office/drawing/2014/main" id="{78D99958-1DB2-C3F1-D818-D9592B4766CA}"/>
+                </a:ext>
+              </a:extLst>
+            </p:cNvPr>
+            <p:cNvSpPr txBox="1"/>
+            <p:nvPr/>
+          </p:nvSpPr>
+          <p:spPr>
+            <a:xfrm>
+              <a:off x="10913467" y="4004431"/>
+              <a:ext cx="377026" cy="215444"/>
+            </a:xfrm>
+            <a:prstGeom prst="rect">
+              <a:avLst/>
+            </a:prstGeom>
+            <a:noFill/>
+          </p:spPr>
+          <p:txBody>
+            <a:bodyPr wrap="none" rtlCol="0">
+              <a:spAutoFit/>
+            </a:bodyPr>
+            <a:lstStyle/>
+            <a:p>
+              <a:r>
+                <a:rPr lang="en-US" sz="800" dirty="0"/>
+                <a:t>GND</a:t>
+              </a:r>
+            </a:p>
+          </p:txBody>
+        </p:sp>
+        <p:sp>
+          <p:nvSpPr>
+            <p:cNvPr id="44" name="Oval 43">
+              <a:extLst>
+                <a:ext uri="{FF2B5EF4-FFF2-40B4-BE49-F238E27FC236}">
+                  <a16:creationId xmlns:a16="http://schemas.microsoft.com/office/drawing/2014/main" id="{635B7489-06CA-0F32-18F4-EFA16C54E2D8}"/>
+                </a:ext>
+              </a:extLst>
+            </p:cNvPr>
+            <p:cNvSpPr/>
+            <p:nvPr/>
+          </p:nvSpPr>
+          <p:spPr>
+            <a:xfrm>
+              <a:off x="10956398" y="3969234"/>
+              <a:ext cx="291165" cy="270630"/>
+            </a:xfrm>
+            <a:prstGeom prst="ellipse">
+              <a:avLst/>
+            </a:prstGeom>
+            <a:noFill/>
+          </p:spPr>
+          <p:style>
+            <a:lnRef idx="2">
+              <a:schemeClr val="accent1">
+                <a:shade val="15000"/>
+              </a:schemeClr>
+            </a:lnRef>
+            <a:fillRef idx="1">
+              <a:schemeClr val="accent1"/>
+            </a:fillRef>
+            <a:effectRef idx="0">
+              <a:schemeClr val="accent1"/>
+            </a:effectRef>
+            <a:fontRef idx="minor">
+              <a:schemeClr val="lt1"/>
+            </a:fontRef>
+          </p:style>
+          <p:txBody>
+            <a:bodyPr rtlCol="0" anchor="ctr"/>
+            <a:lstStyle/>
+            <a:p>
+              <a:pPr algn="ctr"/>
+              <a:endParaRPr lang="en-US"/>
+            </a:p>
+          </p:txBody>
+        </p:sp>
+      </p:grpSp>
+      <p:cxnSp>
+        <p:nvCxnSpPr>
+          <p:cNvPr id="45" name="Straight Connector 44">
+            <a:extLst>
+              <a:ext uri="{FF2B5EF4-FFF2-40B4-BE49-F238E27FC236}">
+                <a16:creationId xmlns:a16="http://schemas.microsoft.com/office/drawing/2014/main" id="{0A3BCF0A-A45C-7660-2F92-1A1C73B9B995}"/>
+              </a:ext>
+            </a:extLst>
+          </p:cNvPr>
+          <p:cNvCxnSpPr>
+            <a:cxnSpLocks/>
+            <a:endCxn id="38" idx="2"/>
+          </p:cNvCxnSpPr>
+          <p:nvPr/>
+        </p:nvCxnSpPr>
+        <p:spPr>
+          <a:xfrm>
+            <a:off x="7271025" y="4902773"/>
+            <a:ext cx="191740" cy="0"/>
+          </a:xfrm>
+          <a:prstGeom prst="line">
+            <a:avLst/>
+          </a:prstGeom>
+          <a:ln w="12700"/>
+        </p:spPr>
+        <p:style>
+          <a:lnRef idx="1">
+            <a:schemeClr val="dk1"/>
+          </a:lnRef>
+          <a:fillRef idx="0">
+            <a:schemeClr val="dk1"/>
+          </a:fillRef>
+          <a:effectRef idx="0">
+            <a:schemeClr val="dk1"/>
+          </a:effectRef>
+          <a:fontRef idx="minor">
+            <a:schemeClr val="tx1"/>
+          </a:fontRef>
+        </p:style>
+      </p:cxnSp>
+      <p:pic>
+        <p:nvPicPr>
+          <p:cNvPr id="55" name="Picture 2">
+            <a:extLst>
+              <a:ext uri="{FF2B5EF4-FFF2-40B4-BE49-F238E27FC236}">
+                <a16:creationId xmlns:a16="http://schemas.microsoft.com/office/drawing/2014/main" id="{303828F7-C20E-BFA6-1C6C-CA6522744B92}"/>
+              </a:ext>
+            </a:extLst>
+          </p:cNvPr>
+          <p:cNvPicPr>
+            <a:picLocks noChangeAspect="1" noChangeArrowheads="1"/>
+          </p:cNvPicPr>
+          <p:nvPr/>
+        </p:nvPicPr>
+        <p:blipFill>
+          <a:blip r:embed="rId5">
+            <a:extLst>
+              <a:ext uri="{28A0092B-C50C-407E-A947-70E740481C1C}">
+                <a14:useLocalDpi xmlns:a14="http://schemas.microsoft.com/office/drawing/2010/main" val="0"/>
+              </a:ext>
+            </a:extLst>
+          </a:blip>
+          <a:srcRect/>
+          <a:stretch>
+            <a:fillRect/>
+          </a:stretch>
+        </p:blipFill>
+        <p:spPr bwMode="auto">
+          <a:xfrm>
+            <a:off x="9409988" y="2943520"/>
+            <a:ext cx="501374" cy="260088"/>
+          </a:xfrm>
+          <a:prstGeom prst="rect">
+            <a:avLst/>
+          </a:prstGeom>
+          <a:noFill/>
+          <a:extLst>
+            <a:ext uri="{909E8E84-426E-40DD-AFC4-6F175D3DCCD1}">
+              <a14:hiddenFill xmlns:a14="http://schemas.microsoft.com/office/drawing/2010/main">
+                <a:solidFill>
+                  <a:srgbClr val="FFFFFF"/>
+                </a:solidFill>
+              </a14:hiddenFill>
+            </a:ext>
+          </a:extLst>
+        </p:spPr>
+      </p:pic>
+      <p:pic>
+        <p:nvPicPr>
+          <p:cNvPr id="57" name="Picture 56">
+            <a:extLst>
+              <a:ext uri="{FF2B5EF4-FFF2-40B4-BE49-F238E27FC236}">
+                <a16:creationId xmlns:a16="http://schemas.microsoft.com/office/drawing/2014/main" id="{58AD96EE-0D65-F2CF-C01B-AE66C36592F4}"/>
+              </a:ext>
+            </a:extLst>
+          </p:cNvPr>
+          <p:cNvPicPr>
+            <a:picLocks noChangeAspect="1"/>
+          </p:cNvPicPr>
+          <p:nvPr/>
+        </p:nvPicPr>
+        <p:blipFill>
+          <a:blip r:embed="rId6"/>
+          <a:stretch>
+            <a:fillRect/>
+          </a:stretch>
+        </p:blipFill>
+        <p:spPr>
+          <a:xfrm>
+            <a:off x="9180599" y="3028242"/>
+            <a:ext cx="292976" cy="104634"/>
+          </a:xfrm>
+          <a:prstGeom prst="rect">
+            <a:avLst/>
+          </a:prstGeom>
+        </p:spPr>
+      </p:pic>
+      <p:sp>
+        <p:nvSpPr>
+          <p:cNvPr id="58" name="TextBox 57">
+            <a:extLst>
+              <a:ext uri="{FF2B5EF4-FFF2-40B4-BE49-F238E27FC236}">
+                <a16:creationId xmlns:a16="http://schemas.microsoft.com/office/drawing/2014/main" id="{7D503A92-A880-75B8-4EAC-C79EC1D7761F}"/>
+              </a:ext>
+            </a:extLst>
+          </p:cNvPr>
+          <p:cNvSpPr txBox="1"/>
+          <p:nvPr/>
+        </p:nvSpPr>
+        <p:spPr>
+          <a:xfrm>
+            <a:off x="8806295" y="2961320"/>
+            <a:ext cx="429926" cy="230832"/>
+          </a:xfrm>
+          <a:prstGeom prst="rect">
+            <a:avLst/>
+          </a:prstGeom>
+          <a:noFill/>
+        </p:spPr>
+        <p:txBody>
+          <a:bodyPr wrap="none" rtlCol="0">
+            <a:spAutoFit/>
+          </a:bodyPr>
+          <a:lstStyle/>
+          <a:p>
+            <a:r>
+              <a:rPr lang="en-US" sz="900" dirty="0"/>
+              <a:t>VCC+</a:t>
+            </a:r>
+          </a:p>
+        </p:txBody>
+      </p:sp>
+      <p:sp>
+        <p:nvSpPr>
+          <p:cNvPr id="59" name="TextBox 58">
+            <a:extLst>
+              <a:ext uri="{FF2B5EF4-FFF2-40B4-BE49-F238E27FC236}">
+                <a16:creationId xmlns:a16="http://schemas.microsoft.com/office/drawing/2014/main" id="{E15494C8-F34B-72C7-B2DB-CB7BD55EF8A0}"/>
+              </a:ext>
+            </a:extLst>
+          </p:cNvPr>
+          <p:cNvSpPr txBox="1"/>
+          <p:nvPr/>
+        </p:nvSpPr>
+        <p:spPr>
+          <a:xfrm>
+            <a:off x="9300183" y="3251666"/>
+            <a:ext cx="620683" cy="230832"/>
+          </a:xfrm>
+          <a:prstGeom prst="rect">
+            <a:avLst/>
+          </a:prstGeom>
+          <a:noFill/>
+        </p:spPr>
+        <p:txBody>
+          <a:bodyPr wrap="none" rtlCol="0">
+            <a:spAutoFit/>
+          </a:bodyPr>
+          <a:lstStyle/>
+          <a:p>
+            <a:r>
+              <a:rPr lang="en-US" sz="900" dirty="0"/>
+              <a:t>GPIO (IN)</a:t>
+            </a:r>
+          </a:p>
+        </p:txBody>
+      </p:sp>
+      <p:cxnSp>
+        <p:nvCxnSpPr>
+          <p:cNvPr id="1028" name="Straight Connector 1027">
+            <a:extLst>
+              <a:ext uri="{FF2B5EF4-FFF2-40B4-BE49-F238E27FC236}">
+                <a16:creationId xmlns:a16="http://schemas.microsoft.com/office/drawing/2014/main" id="{FC3D5249-23B2-1B12-3FE6-CCDFC6C01629}"/>
+              </a:ext>
+            </a:extLst>
+          </p:cNvPr>
+          <p:cNvCxnSpPr>
+            <a:cxnSpLocks/>
+            <a:endCxn id="59" idx="0"/>
+          </p:cNvCxnSpPr>
+          <p:nvPr/>
+        </p:nvCxnSpPr>
+        <p:spPr>
+          <a:xfrm>
+            <a:off x="9610525" y="3059875"/>
+            <a:ext cx="0" cy="191791"/>
+          </a:xfrm>
+          <a:prstGeom prst="line">
+            <a:avLst/>
+          </a:prstGeom>
+          <a:ln w="12700"/>
+        </p:spPr>
+        <p:style>
+          <a:lnRef idx="1">
+            <a:schemeClr val="dk1"/>
+          </a:lnRef>
+          <a:fillRef idx="0">
+            <a:schemeClr val="dk1"/>
+          </a:fillRef>
+          <a:effectRef idx="0">
+            <a:schemeClr val="dk1"/>
+          </a:effectRef>
+          <a:fontRef idx="minor">
+            <a:schemeClr val="tx1"/>
+          </a:fontRef>
+        </p:style>
+      </p:cxnSp>
+      <p:grpSp>
+        <p:nvGrpSpPr>
+          <p:cNvPr id="1031" name="Group 1030">
+            <a:extLst>
+              <a:ext uri="{FF2B5EF4-FFF2-40B4-BE49-F238E27FC236}">
+                <a16:creationId xmlns:a16="http://schemas.microsoft.com/office/drawing/2014/main" id="{6EBCAB5B-66CB-C925-E11F-73EB3D6A0ADB}"/>
+              </a:ext>
+            </a:extLst>
+          </p:cNvPr>
+          <p:cNvGrpSpPr/>
+          <p:nvPr/>
+        </p:nvGrpSpPr>
+        <p:grpSpPr>
+          <a:xfrm>
+            <a:off x="9811063" y="3008124"/>
+            <a:ext cx="377026" cy="270630"/>
+            <a:chOff x="10913467" y="3969234"/>
+            <a:chExt cx="377026" cy="270630"/>
+          </a:xfrm>
+        </p:grpSpPr>
+        <p:sp>
+          <p:nvSpPr>
+            <p:cNvPr id="1035" name="TextBox 1034">
+              <a:extLst>
+                <a:ext uri="{FF2B5EF4-FFF2-40B4-BE49-F238E27FC236}">
+                  <a16:creationId xmlns:a16="http://schemas.microsoft.com/office/drawing/2014/main" id="{D3FCCFC8-E0EB-D949-F86F-8F99164EFA7C}"/>
+                </a:ext>
+              </a:extLst>
+            </p:cNvPr>
+            <p:cNvSpPr txBox="1"/>
+            <p:nvPr/>
+          </p:nvSpPr>
+          <p:spPr>
+            <a:xfrm>
+              <a:off x="10913467" y="4004431"/>
+              <a:ext cx="377026" cy="215444"/>
+            </a:xfrm>
+            <a:prstGeom prst="rect">
+              <a:avLst/>
+            </a:prstGeom>
+            <a:noFill/>
+          </p:spPr>
+          <p:txBody>
+            <a:bodyPr wrap="none" rtlCol="0">
+              <a:spAutoFit/>
+            </a:bodyPr>
+            <a:lstStyle/>
+            <a:p>
+              <a:r>
+                <a:rPr lang="en-US" sz="800" dirty="0"/>
+                <a:t>GND</a:t>
+              </a:r>
+            </a:p>
+          </p:txBody>
+        </p:sp>
+        <p:sp>
+          <p:nvSpPr>
+            <p:cNvPr id="1036" name="Oval 1035">
+              <a:extLst>
+                <a:ext uri="{FF2B5EF4-FFF2-40B4-BE49-F238E27FC236}">
+                  <a16:creationId xmlns:a16="http://schemas.microsoft.com/office/drawing/2014/main" id="{92915018-12EE-008E-C5F5-92A29BA9B2D6}"/>
+                </a:ext>
+              </a:extLst>
+            </p:cNvPr>
+            <p:cNvSpPr/>
+            <p:nvPr/>
+          </p:nvSpPr>
+          <p:spPr>
+            <a:xfrm>
+              <a:off x="10956398" y="3969234"/>
+              <a:ext cx="291165" cy="270630"/>
+            </a:xfrm>
+            <a:prstGeom prst="ellipse">
+              <a:avLst/>
+            </a:prstGeom>
+            <a:noFill/>
+          </p:spPr>
+          <p:style>
+            <a:lnRef idx="2">
+              <a:schemeClr val="accent1">
+                <a:shade val="15000"/>
+              </a:schemeClr>
+            </a:lnRef>
+            <a:fillRef idx="1">
+              <a:schemeClr val="accent1"/>
+            </a:fillRef>
+            <a:effectRef idx="0">
+              <a:schemeClr val="accent1"/>
+            </a:effectRef>
+            <a:fontRef idx="minor">
+              <a:schemeClr val="lt1"/>
+            </a:fontRef>
+          </p:style>
+          <p:txBody>
+            <a:bodyPr rtlCol="0" anchor="ctr"/>
+            <a:lstStyle/>
+            <a:p>
+              <a:pPr algn="ctr"/>
+              <a:endParaRPr lang="en-US"/>
+            </a:p>
+          </p:txBody>
+        </p:sp>
+      </p:grpSp>
+      <p:grpSp>
+        <p:nvGrpSpPr>
+          <p:cNvPr id="1037" name="Group 1036">
+            <a:extLst>
+              <a:ext uri="{FF2B5EF4-FFF2-40B4-BE49-F238E27FC236}">
+                <a16:creationId xmlns:a16="http://schemas.microsoft.com/office/drawing/2014/main" id="{CDE768CD-C68F-316F-62D4-3AEBC288ABF3}"/>
+              </a:ext>
+            </a:extLst>
+          </p:cNvPr>
+          <p:cNvGrpSpPr/>
+          <p:nvPr/>
+        </p:nvGrpSpPr>
+        <p:grpSpPr>
+          <a:xfrm>
+            <a:off x="4487304" y="3161039"/>
+            <a:ext cx="377026" cy="270630"/>
+            <a:chOff x="10913467" y="3969234"/>
+            <a:chExt cx="377026" cy="270630"/>
+          </a:xfrm>
+        </p:grpSpPr>
+        <p:sp>
+          <p:nvSpPr>
+            <p:cNvPr id="1039" name="TextBox 1038">
+              <a:extLst>
+                <a:ext uri="{FF2B5EF4-FFF2-40B4-BE49-F238E27FC236}">
+                  <a16:creationId xmlns:a16="http://schemas.microsoft.com/office/drawing/2014/main" id="{343DB415-AE2D-6F5F-0E7C-B55CB81ED4AA}"/>
+                </a:ext>
+              </a:extLst>
+            </p:cNvPr>
+            <p:cNvSpPr txBox="1"/>
+            <p:nvPr/>
+          </p:nvSpPr>
+          <p:spPr>
+            <a:xfrm>
+              <a:off x="10913467" y="4004431"/>
+              <a:ext cx="377026" cy="215444"/>
+            </a:xfrm>
+            <a:prstGeom prst="rect">
+              <a:avLst/>
+            </a:prstGeom>
+            <a:noFill/>
+          </p:spPr>
+          <p:txBody>
+            <a:bodyPr wrap="none" rtlCol="0">
+              <a:spAutoFit/>
+            </a:bodyPr>
+            <a:lstStyle/>
+            <a:p>
+              <a:r>
+                <a:rPr lang="en-US" sz="800" dirty="0"/>
+                <a:t>GND</a:t>
+              </a:r>
+            </a:p>
+          </p:txBody>
+        </p:sp>
+        <p:sp>
+          <p:nvSpPr>
+            <p:cNvPr id="1040" name="Oval 1039">
+              <a:extLst>
+                <a:ext uri="{FF2B5EF4-FFF2-40B4-BE49-F238E27FC236}">
+                  <a16:creationId xmlns:a16="http://schemas.microsoft.com/office/drawing/2014/main" id="{E8EFF054-9091-46B9-DC45-9F870B8FA5A8}"/>
+                </a:ext>
+              </a:extLst>
+            </p:cNvPr>
+            <p:cNvSpPr/>
+            <p:nvPr/>
+          </p:nvSpPr>
+          <p:spPr>
+            <a:xfrm>
+              <a:off x="10956398" y="3969234"/>
+              <a:ext cx="291165" cy="270630"/>
+            </a:xfrm>
+            <a:prstGeom prst="ellipse">
+              <a:avLst/>
+            </a:prstGeom>
+            <a:noFill/>
+          </p:spPr>
+          <p:style>
+            <a:lnRef idx="2">
+              <a:schemeClr val="accent1">
+                <a:shade val="15000"/>
+              </a:schemeClr>
+            </a:lnRef>
+            <a:fillRef idx="1">
+              <a:schemeClr val="accent1"/>
+            </a:fillRef>
+            <a:effectRef idx="0">
+              <a:schemeClr val="accent1"/>
+            </a:effectRef>
+            <a:fontRef idx="minor">
+              <a:schemeClr val="lt1"/>
+            </a:fontRef>
+          </p:style>
+          <p:txBody>
+            <a:bodyPr rtlCol="0" anchor="ctr"/>
+            <a:lstStyle/>
+            <a:p>
+              <a:pPr algn="ctr"/>
+              <a:endParaRPr lang="en-US"/>
+            </a:p>
+          </p:txBody>
+        </p:sp>
+      </p:grpSp>
+      <p:grpSp>
+        <p:nvGrpSpPr>
+          <p:cNvPr id="1041" name="Group 1040">
+            <a:extLst>
+              <a:ext uri="{FF2B5EF4-FFF2-40B4-BE49-F238E27FC236}">
+                <a16:creationId xmlns:a16="http://schemas.microsoft.com/office/drawing/2014/main" id="{A6894150-4DC3-CF91-E20A-A2EECFF8EDB9}"/>
+              </a:ext>
+            </a:extLst>
+          </p:cNvPr>
+          <p:cNvGrpSpPr/>
+          <p:nvPr/>
+        </p:nvGrpSpPr>
+        <p:grpSpPr>
+          <a:xfrm>
+            <a:off x="5336857" y="3163442"/>
+            <a:ext cx="377026" cy="270630"/>
+            <a:chOff x="10913467" y="3969234"/>
+            <a:chExt cx="377026" cy="270630"/>
+          </a:xfrm>
+        </p:grpSpPr>
+        <p:sp>
+          <p:nvSpPr>
+            <p:cNvPr id="1042" name="TextBox 1041">
+              <a:extLst>
+                <a:ext uri="{FF2B5EF4-FFF2-40B4-BE49-F238E27FC236}">
+                  <a16:creationId xmlns:a16="http://schemas.microsoft.com/office/drawing/2014/main" id="{AB1C7AAE-AF93-9C7E-0013-9DE9952ACD6A}"/>
+                </a:ext>
+              </a:extLst>
+            </p:cNvPr>
+            <p:cNvSpPr txBox="1"/>
+            <p:nvPr/>
+          </p:nvSpPr>
+          <p:spPr>
+            <a:xfrm>
+              <a:off x="10913467" y="4004431"/>
+              <a:ext cx="377026" cy="215444"/>
+            </a:xfrm>
+            <a:prstGeom prst="rect">
+              <a:avLst/>
+            </a:prstGeom>
+            <a:noFill/>
+          </p:spPr>
+          <p:txBody>
+            <a:bodyPr wrap="none" rtlCol="0">
+              <a:spAutoFit/>
+            </a:bodyPr>
+            <a:lstStyle/>
+            <a:p>
+              <a:r>
+                <a:rPr lang="en-US" sz="800" dirty="0"/>
+                <a:t>GND</a:t>
+              </a:r>
+            </a:p>
+          </p:txBody>
+        </p:sp>
+        <p:sp>
+          <p:nvSpPr>
+            <p:cNvPr id="1044" name="Oval 1043">
+              <a:extLst>
+                <a:ext uri="{FF2B5EF4-FFF2-40B4-BE49-F238E27FC236}">
+                  <a16:creationId xmlns:a16="http://schemas.microsoft.com/office/drawing/2014/main" id="{23C82F9A-6CD1-B5C5-1703-538908293A2A}"/>
+                </a:ext>
+              </a:extLst>
+            </p:cNvPr>
+            <p:cNvSpPr/>
+            <p:nvPr/>
+          </p:nvSpPr>
+          <p:spPr>
+            <a:xfrm>
+              <a:off x="10956398" y="3969234"/>
+              <a:ext cx="291165" cy="270630"/>
+            </a:xfrm>
+            <a:prstGeom prst="ellipse">
+              <a:avLst/>
+            </a:prstGeom>
+            <a:noFill/>
+          </p:spPr>
+          <p:style>
+            <a:lnRef idx="2">
+              <a:schemeClr val="accent1">
+                <a:shade val="15000"/>
+              </a:schemeClr>
+            </a:lnRef>
+            <a:fillRef idx="1">
+              <a:schemeClr val="accent1"/>
+            </a:fillRef>
+            <a:effectRef idx="0">
+              <a:schemeClr val="accent1"/>
+            </a:effectRef>
+            <a:fontRef idx="minor">
+              <a:schemeClr val="lt1"/>
+            </a:fontRef>
+          </p:style>
+          <p:txBody>
+            <a:bodyPr rtlCol="0" anchor="ctr"/>
+            <a:lstStyle/>
+            <a:p>
+              <a:pPr algn="ctr"/>
+              <a:endParaRPr lang="en-US"/>
+            </a:p>
+          </p:txBody>
+        </p:sp>
+      </p:grpSp>
     </p:spTree>
     <p:extLst>
       <p:ext uri="{BB962C8B-B14F-4D97-AF65-F5344CB8AC3E}">
@@ -6311,7 +8865,7 @@
 </p:sld>
 </file>
 
-<file path=ppt/slides/slide3.xml><?xml version="1.0" encoding="utf-8"?>
+<file path=ppt/slides/slide4.xml><?xml version="1.0" encoding="utf-8"?>
 <p:sld xmlns:a="http://schemas.openxmlformats.org/drawingml/2006/main" xmlns:r="http://schemas.openxmlformats.org/officeDocument/2006/relationships" xmlns:p="http://schemas.openxmlformats.org/presentationml/2006/main">
   <p:cSld>
     <p:spTree>
@@ -6330,2263 +8884,902 @@
       </p:grpSpPr>
       <p:sp>
         <p:nvSpPr>
-          <p:cNvPr id="2" name="Title 1">
-            <a:extLst>
-              <a:ext uri="{FF2B5EF4-FFF2-40B4-BE49-F238E27FC236}">
-                <a16:creationId xmlns:a16="http://schemas.microsoft.com/office/drawing/2014/main" id="{9AF386DA-445C-1084-3B33-4233742CBC92}"/>
-              </a:ext>
-            </a:extLst>
-          </p:cNvPr>
-          <p:cNvSpPr>
-            <a:spLocks noGrp="1"/>
-          </p:cNvSpPr>
-          <p:nvPr>
-            <p:ph type="title"/>
-          </p:nvPr>
+          <p:cNvPr id="4" name="Oval 3">
+            <a:extLst>
+              <a:ext uri="{FF2B5EF4-FFF2-40B4-BE49-F238E27FC236}">
+                <a16:creationId xmlns:a16="http://schemas.microsoft.com/office/drawing/2014/main" id="{4D544A8A-3BB0-2DFD-3B64-19383A87C29A}"/>
+              </a:ext>
+            </a:extLst>
+          </p:cNvPr>
+          <p:cNvSpPr/>
+          <p:nvPr/>
         </p:nvSpPr>
         <p:spPr>
           <a:xfrm>
-            <a:off x="838200" y="365126"/>
-            <a:ext cx="10515600" cy="631284"/>
+            <a:off x="3511464" y="3439706"/>
+            <a:ext cx="708848" cy="258328"/>
           </a:xfrm>
+          <a:prstGeom prst="ellipse">
+            <a:avLst/>
+          </a:prstGeom>
+        </p:spPr>
+        <p:style>
+          <a:lnRef idx="2">
+            <a:schemeClr val="accent1">
+              <a:shade val="15000"/>
+            </a:schemeClr>
+          </a:lnRef>
+          <a:fillRef idx="1">
+            <a:schemeClr val="accent1"/>
+          </a:fillRef>
+          <a:effectRef idx="0">
+            <a:schemeClr val="accent1"/>
+          </a:effectRef>
+          <a:fontRef idx="minor">
+            <a:schemeClr val="lt1"/>
+          </a:fontRef>
+        </p:style>
+        <p:txBody>
+          <a:bodyPr rtlCol="0" anchor="ctr"/>
+          <a:lstStyle/>
+          <a:p>
+            <a:pPr algn="ctr"/>
+            <a:r>
+              <a:rPr lang="en-US" sz="1000" dirty="0"/>
+              <a:t>Idle</a:t>
+            </a:r>
+          </a:p>
+        </p:txBody>
+      </p:sp>
+      <p:cxnSp>
+        <p:nvCxnSpPr>
+          <p:cNvPr id="6" name="Straight Arrow Connector 5">
+            <a:extLst>
+              <a:ext uri="{FF2B5EF4-FFF2-40B4-BE49-F238E27FC236}">
+                <a16:creationId xmlns:a16="http://schemas.microsoft.com/office/drawing/2014/main" id="{065FE340-F7C0-2D0F-EDEE-39281DF52596}"/>
+              </a:ext>
+            </a:extLst>
+          </p:cNvPr>
+          <p:cNvCxnSpPr>
+            <a:cxnSpLocks/>
+            <a:stCxn id="4" idx="6"/>
+            <a:endCxn id="22" idx="1"/>
+          </p:cNvCxnSpPr>
+          <p:nvPr/>
+        </p:nvCxnSpPr>
+        <p:spPr>
+          <a:xfrm flipV="1">
+            <a:off x="4220312" y="3325994"/>
+            <a:ext cx="324629" cy="242876"/>
+          </a:xfrm>
+          <a:prstGeom prst="straightConnector1">
+            <a:avLst/>
+          </a:prstGeom>
+          <a:ln>
+            <a:tailEnd type="triangle"/>
+          </a:ln>
+        </p:spPr>
+        <p:style>
+          <a:lnRef idx="1">
+            <a:schemeClr val="accent1"/>
+          </a:lnRef>
+          <a:fillRef idx="0">
+            <a:schemeClr val="accent1"/>
+          </a:fillRef>
+          <a:effectRef idx="0">
+            <a:schemeClr val="accent1"/>
+          </a:effectRef>
+          <a:fontRef idx="minor">
+            <a:schemeClr val="tx1"/>
+          </a:fontRef>
+        </p:style>
+      </p:cxnSp>
+      <p:cxnSp>
+        <p:nvCxnSpPr>
+          <p:cNvPr id="11" name="Straight Arrow Connector 10">
+            <a:extLst>
+              <a:ext uri="{FF2B5EF4-FFF2-40B4-BE49-F238E27FC236}">
+                <a16:creationId xmlns:a16="http://schemas.microsoft.com/office/drawing/2014/main" id="{FE84E0DE-ACDD-76F0-6239-6E66F70971BE}"/>
+              </a:ext>
+            </a:extLst>
+          </p:cNvPr>
+          <p:cNvCxnSpPr>
+            <a:cxnSpLocks/>
+            <a:stCxn id="22" idx="3"/>
+            <a:endCxn id="27" idx="1"/>
+          </p:cNvCxnSpPr>
+          <p:nvPr/>
+        </p:nvCxnSpPr>
+        <p:spPr>
+          <a:xfrm flipV="1">
+            <a:off x="5172210" y="2505079"/>
+            <a:ext cx="906374" cy="820915"/>
+          </a:xfrm>
+          <a:prstGeom prst="straightConnector1">
+            <a:avLst/>
+          </a:prstGeom>
+          <a:ln>
+            <a:tailEnd type="triangle"/>
+          </a:ln>
+        </p:spPr>
+        <p:style>
+          <a:lnRef idx="1">
+            <a:schemeClr val="accent1"/>
+          </a:lnRef>
+          <a:fillRef idx="0">
+            <a:schemeClr val="accent1"/>
+          </a:fillRef>
+          <a:effectRef idx="0">
+            <a:schemeClr val="accent1"/>
+          </a:effectRef>
+          <a:fontRef idx="minor">
+            <a:schemeClr val="tx1"/>
+          </a:fontRef>
+        </p:style>
+      </p:cxnSp>
+      <p:cxnSp>
+        <p:nvCxnSpPr>
+          <p:cNvPr id="13" name="Straight Arrow Connector 12">
+            <a:extLst>
+              <a:ext uri="{FF2B5EF4-FFF2-40B4-BE49-F238E27FC236}">
+                <a16:creationId xmlns:a16="http://schemas.microsoft.com/office/drawing/2014/main" id="{0D3EA336-F13E-5FA6-ADDA-81D08ED980BE}"/>
+              </a:ext>
+            </a:extLst>
+          </p:cNvPr>
+          <p:cNvCxnSpPr>
+            <a:cxnSpLocks/>
+            <a:stCxn id="22" idx="3"/>
+            <a:endCxn id="29" idx="1"/>
+          </p:cNvCxnSpPr>
+          <p:nvPr/>
+        </p:nvCxnSpPr>
+        <p:spPr>
+          <a:xfrm flipV="1">
+            <a:off x="5172210" y="3271453"/>
+            <a:ext cx="906374" cy="54541"/>
+          </a:xfrm>
+          <a:prstGeom prst="straightConnector1">
+            <a:avLst/>
+          </a:prstGeom>
+          <a:ln>
+            <a:tailEnd type="triangle"/>
+          </a:ln>
+        </p:spPr>
+        <p:style>
+          <a:lnRef idx="1">
+            <a:schemeClr val="accent1"/>
+          </a:lnRef>
+          <a:fillRef idx="0">
+            <a:schemeClr val="accent1"/>
+          </a:fillRef>
+          <a:effectRef idx="0">
+            <a:schemeClr val="accent1"/>
+          </a:effectRef>
+          <a:fontRef idx="minor">
+            <a:schemeClr val="tx1"/>
+          </a:fontRef>
+        </p:style>
+      </p:cxnSp>
+      <p:cxnSp>
+        <p:nvCxnSpPr>
+          <p:cNvPr id="16" name="Straight Arrow Connector 15">
+            <a:extLst>
+              <a:ext uri="{FF2B5EF4-FFF2-40B4-BE49-F238E27FC236}">
+                <a16:creationId xmlns:a16="http://schemas.microsoft.com/office/drawing/2014/main" id="{F9BA919B-B317-A0E8-DEA2-2EDD5D0A8F9F}"/>
+              </a:ext>
+            </a:extLst>
+          </p:cNvPr>
+          <p:cNvCxnSpPr>
+            <a:cxnSpLocks/>
+            <a:endCxn id="29" idx="1"/>
+          </p:cNvCxnSpPr>
+          <p:nvPr/>
+        </p:nvCxnSpPr>
+        <p:spPr>
+          <a:xfrm flipV="1">
+            <a:off x="5172210" y="3271453"/>
+            <a:ext cx="906374" cy="168253"/>
+          </a:xfrm>
+          <a:prstGeom prst="straightConnector1">
+            <a:avLst/>
+          </a:prstGeom>
+          <a:ln>
+            <a:tailEnd type="triangle"/>
+          </a:ln>
+        </p:spPr>
+        <p:style>
+          <a:lnRef idx="1">
+            <a:schemeClr val="accent1"/>
+          </a:lnRef>
+          <a:fillRef idx="0">
+            <a:schemeClr val="accent1"/>
+          </a:fillRef>
+          <a:effectRef idx="0">
+            <a:schemeClr val="accent1"/>
+          </a:effectRef>
+          <a:fontRef idx="minor">
+            <a:schemeClr val="tx1"/>
+          </a:fontRef>
+        </p:style>
+      </p:cxnSp>
+      <p:sp>
+        <p:nvSpPr>
+          <p:cNvPr id="19" name="TextBox 18">
+            <a:extLst>
+              <a:ext uri="{FF2B5EF4-FFF2-40B4-BE49-F238E27FC236}">
+                <a16:creationId xmlns:a16="http://schemas.microsoft.com/office/drawing/2014/main" id="{E8345D95-1295-6084-499C-AEF976C03B38}"/>
+              </a:ext>
+            </a:extLst>
+          </p:cNvPr>
+          <p:cNvSpPr txBox="1"/>
+          <p:nvPr/>
+        </p:nvSpPr>
+        <p:spPr>
+          <a:xfrm>
+            <a:off x="5203079" y="3355067"/>
+            <a:ext cx="434734" cy="169277"/>
+          </a:xfrm>
+          <a:prstGeom prst="rect">
+            <a:avLst/>
+          </a:prstGeom>
+          <a:noFill/>
         </p:spPr>
         <p:txBody>
-          <a:bodyPr>
+          <a:bodyPr wrap="none" rtlCol="0">
+            <a:spAutoFit/>
+          </a:bodyPr>
+          <a:lstStyle/>
+          <a:p>
+            <a:r>
+              <a:rPr lang="en-US" sz="500" dirty="0"/>
+              <a:t>Top LS on</a:t>
+            </a:r>
+          </a:p>
+        </p:txBody>
+      </p:sp>
+      <p:sp>
+        <p:nvSpPr>
+          <p:cNvPr id="20" name="TextBox 19">
+            <a:extLst>
+              <a:ext uri="{FF2B5EF4-FFF2-40B4-BE49-F238E27FC236}">
+                <a16:creationId xmlns:a16="http://schemas.microsoft.com/office/drawing/2014/main" id="{5E9B85A5-2694-5623-A200-020FFEDA9E6C}"/>
+              </a:ext>
+            </a:extLst>
+          </p:cNvPr>
+          <p:cNvSpPr txBox="1"/>
+          <p:nvPr/>
+        </p:nvSpPr>
+        <p:spPr>
+          <a:xfrm>
+            <a:off x="5238715" y="3186815"/>
+            <a:ext cx="412292" cy="169277"/>
+          </a:xfrm>
+          <a:prstGeom prst="rect">
+            <a:avLst/>
+          </a:prstGeom>
+          <a:noFill/>
+        </p:spPr>
+        <p:txBody>
+          <a:bodyPr wrap="none" rtlCol="0">
+            <a:spAutoFit/>
+          </a:bodyPr>
+          <a:lstStyle/>
+          <a:p>
+            <a:r>
+              <a:rPr lang="en-US" sz="500" dirty="0"/>
+              <a:t>No LS on</a:t>
+            </a:r>
+          </a:p>
+        </p:txBody>
+      </p:sp>
+      <p:sp>
+        <p:nvSpPr>
+          <p:cNvPr id="21" name="TextBox 20">
+            <a:extLst>
+              <a:ext uri="{FF2B5EF4-FFF2-40B4-BE49-F238E27FC236}">
+                <a16:creationId xmlns:a16="http://schemas.microsoft.com/office/drawing/2014/main" id="{60F63262-3F0B-5875-BEBD-2B700F95B3BB}"/>
+              </a:ext>
+            </a:extLst>
+          </p:cNvPr>
+          <p:cNvSpPr txBox="1"/>
+          <p:nvPr/>
+        </p:nvSpPr>
+        <p:spPr>
+          <a:xfrm>
+            <a:off x="5408030" y="2762568"/>
+            <a:ext cx="532518" cy="169277"/>
+          </a:xfrm>
+          <a:prstGeom prst="rect">
+            <a:avLst/>
+          </a:prstGeom>
+          <a:noFill/>
+        </p:spPr>
+        <p:txBody>
+          <a:bodyPr wrap="none" rtlCol="0">
+            <a:spAutoFit/>
+          </a:bodyPr>
+          <a:lstStyle/>
+          <a:p>
+            <a:r>
+              <a:rPr lang="en-US" sz="500" dirty="0"/>
+              <a:t>Bottom LS on</a:t>
+            </a:r>
+          </a:p>
+        </p:txBody>
+      </p:sp>
+      <p:sp>
+        <p:nvSpPr>
+          <p:cNvPr id="22" name="Rectangle 21">
+            <a:extLst>
+              <a:ext uri="{FF2B5EF4-FFF2-40B4-BE49-F238E27FC236}">
+                <a16:creationId xmlns:a16="http://schemas.microsoft.com/office/drawing/2014/main" id="{0CAB1A12-C1FA-F6BA-5ACD-8D230E4BC219}"/>
+              </a:ext>
+            </a:extLst>
+          </p:cNvPr>
+          <p:cNvSpPr/>
+          <p:nvPr/>
+        </p:nvSpPr>
+        <p:spPr>
+          <a:xfrm>
+            <a:off x="4544941" y="3200098"/>
+            <a:ext cx="627269" cy="251791"/>
+          </a:xfrm>
+          <a:prstGeom prst="rect">
+            <a:avLst/>
+          </a:prstGeom>
+        </p:spPr>
+        <p:style>
+          <a:lnRef idx="2">
+            <a:schemeClr val="accent1">
+              <a:shade val="15000"/>
+            </a:schemeClr>
+          </a:lnRef>
+          <a:fillRef idx="1">
+            <a:schemeClr val="accent1"/>
+          </a:fillRef>
+          <a:effectRef idx="0">
+            <a:schemeClr val="accent1"/>
+          </a:effectRef>
+          <a:fontRef idx="minor">
+            <a:schemeClr val="lt1"/>
+          </a:fontRef>
+        </p:style>
+        <p:txBody>
+          <a:bodyPr rtlCol="0" anchor="ctr"/>
+          <a:lstStyle/>
+          <a:p>
+            <a:pPr algn="ctr"/>
+            <a:r>
+              <a:rPr lang="en-US" sz="1000" dirty="0"/>
+              <a:t>Starting</a:t>
+            </a:r>
+          </a:p>
+        </p:txBody>
+      </p:sp>
+      <p:sp>
+        <p:nvSpPr>
+          <p:cNvPr id="27" name="Rectangle 26">
+            <a:extLst>
+              <a:ext uri="{FF2B5EF4-FFF2-40B4-BE49-F238E27FC236}">
+                <a16:creationId xmlns:a16="http://schemas.microsoft.com/office/drawing/2014/main" id="{DD617026-8C76-7BDB-48DB-20D0E3E7AFC7}"/>
+              </a:ext>
+            </a:extLst>
+          </p:cNvPr>
+          <p:cNvSpPr/>
+          <p:nvPr/>
+        </p:nvSpPr>
+        <p:spPr>
+          <a:xfrm>
+            <a:off x="6078584" y="2379183"/>
+            <a:ext cx="627269" cy="251791"/>
+          </a:xfrm>
+          <a:prstGeom prst="rect">
+            <a:avLst/>
+          </a:prstGeom>
+        </p:spPr>
+        <p:style>
+          <a:lnRef idx="2">
+            <a:schemeClr val="accent1">
+              <a:shade val="15000"/>
+            </a:schemeClr>
+          </a:lnRef>
+          <a:fillRef idx="1">
+            <a:schemeClr val="accent1"/>
+          </a:fillRef>
+          <a:effectRef idx="0">
+            <a:schemeClr val="accent1"/>
+          </a:effectRef>
+          <a:fontRef idx="minor">
+            <a:schemeClr val="lt1"/>
+          </a:fontRef>
+        </p:style>
+        <p:txBody>
+          <a:bodyPr rtlCol="0" anchor="ctr"/>
+          <a:lstStyle/>
+          <a:p>
+            <a:pPr algn="ctr"/>
+            <a:r>
+              <a:rPr lang="en-US" sz="1000" dirty="0"/>
+              <a:t>Closing</a:t>
+            </a:r>
+          </a:p>
+        </p:txBody>
+      </p:sp>
+      <p:sp>
+        <p:nvSpPr>
+          <p:cNvPr id="29" name="Rectangle 28">
+            <a:extLst>
+              <a:ext uri="{FF2B5EF4-FFF2-40B4-BE49-F238E27FC236}">
+                <a16:creationId xmlns:a16="http://schemas.microsoft.com/office/drawing/2014/main" id="{F3FD557B-7875-FF9A-520B-0023BF343056}"/>
+              </a:ext>
+            </a:extLst>
+          </p:cNvPr>
+          <p:cNvSpPr/>
+          <p:nvPr/>
+        </p:nvSpPr>
+        <p:spPr>
+          <a:xfrm>
+            <a:off x="6078584" y="3145557"/>
+            <a:ext cx="627269" cy="251791"/>
+          </a:xfrm>
+          <a:prstGeom prst="rect">
+            <a:avLst/>
+          </a:prstGeom>
+        </p:spPr>
+        <p:style>
+          <a:lnRef idx="2">
+            <a:schemeClr val="accent1">
+              <a:shade val="15000"/>
+            </a:schemeClr>
+          </a:lnRef>
+          <a:fillRef idx="1">
+            <a:schemeClr val="accent1"/>
+          </a:fillRef>
+          <a:effectRef idx="0">
+            <a:schemeClr val="accent1"/>
+          </a:effectRef>
+          <a:fontRef idx="minor">
+            <a:schemeClr val="lt1"/>
+          </a:fontRef>
+        </p:style>
+        <p:txBody>
+          <a:bodyPr rtlCol="0" anchor="ctr"/>
+          <a:lstStyle/>
+          <a:p>
+            <a:pPr algn="ctr"/>
+            <a:r>
+              <a:rPr lang="en-US" sz="1000" dirty="0"/>
+              <a:t>Opening</a:t>
+            </a:r>
+          </a:p>
+        </p:txBody>
+      </p:sp>
+      <p:sp>
+        <p:nvSpPr>
+          <p:cNvPr id="43" name="Oval 42">
+            <a:extLst>
+              <a:ext uri="{FF2B5EF4-FFF2-40B4-BE49-F238E27FC236}">
+                <a16:creationId xmlns:a16="http://schemas.microsoft.com/office/drawing/2014/main" id="{B9E13A75-A19F-4FE2-FA94-F2E13B6A785C}"/>
+              </a:ext>
+            </a:extLst>
+          </p:cNvPr>
+          <p:cNvSpPr/>
+          <p:nvPr/>
+        </p:nvSpPr>
+        <p:spPr>
+          <a:xfrm>
+            <a:off x="7407964" y="1919774"/>
+            <a:ext cx="958960" cy="918818"/>
+          </a:xfrm>
+          <a:prstGeom prst="ellipse">
+            <a:avLst/>
+          </a:prstGeom>
+        </p:spPr>
+        <p:style>
+          <a:lnRef idx="2">
+            <a:schemeClr val="accent6">
+              <a:shade val="15000"/>
+            </a:schemeClr>
+          </a:lnRef>
+          <a:fillRef idx="1">
+            <a:schemeClr val="accent6"/>
+          </a:fillRef>
+          <a:effectRef idx="0">
+            <a:schemeClr val="accent6"/>
+          </a:effectRef>
+          <a:fontRef idx="minor">
+            <a:schemeClr val="lt1"/>
+          </a:fontRef>
+        </p:style>
+        <p:txBody>
+          <a:bodyPr rtlCol="0" anchor="ctr"/>
+          <a:lstStyle/>
+          <a:p>
+            <a:pPr algn="ctr"/>
+            <a:r>
+              <a:rPr lang="en-US" sz="1000" dirty="0"/>
+              <a:t>Bottom LS pressed</a:t>
+            </a:r>
+          </a:p>
+        </p:txBody>
+      </p:sp>
+      <p:cxnSp>
+        <p:nvCxnSpPr>
+          <p:cNvPr id="44" name="Straight Arrow Connector 43">
+            <a:extLst>
+              <a:ext uri="{FF2B5EF4-FFF2-40B4-BE49-F238E27FC236}">
+                <a16:creationId xmlns:a16="http://schemas.microsoft.com/office/drawing/2014/main" id="{FD9FB5C1-364E-900E-7F00-8B8C7D5A6ADD}"/>
+              </a:ext>
+            </a:extLst>
+          </p:cNvPr>
+          <p:cNvCxnSpPr>
+            <a:cxnSpLocks/>
+            <a:stCxn id="43" idx="2"/>
+            <a:endCxn id="27" idx="3"/>
+          </p:cNvCxnSpPr>
+          <p:nvPr/>
+        </p:nvCxnSpPr>
+        <p:spPr>
+          <a:xfrm flipH="1">
+            <a:off x="6705853" y="2379183"/>
+            <a:ext cx="702111" cy="125896"/>
+          </a:xfrm>
+          <a:prstGeom prst="straightConnector1">
+            <a:avLst/>
+          </a:prstGeom>
+          <a:ln>
+            <a:tailEnd type="triangle"/>
+          </a:ln>
+        </p:spPr>
+        <p:style>
+          <a:lnRef idx="1">
+            <a:schemeClr val="accent1"/>
+          </a:lnRef>
+          <a:fillRef idx="0">
+            <a:schemeClr val="accent1"/>
+          </a:fillRef>
+          <a:effectRef idx="0">
+            <a:schemeClr val="accent1"/>
+          </a:effectRef>
+          <a:fontRef idx="minor">
+            <a:schemeClr val="tx1"/>
+          </a:fontRef>
+        </p:style>
+      </p:cxnSp>
+      <p:sp>
+        <p:nvSpPr>
+          <p:cNvPr id="50" name="Oval 49">
+            <a:extLst>
+              <a:ext uri="{FF2B5EF4-FFF2-40B4-BE49-F238E27FC236}">
+                <a16:creationId xmlns:a16="http://schemas.microsoft.com/office/drawing/2014/main" id="{74C5CEB0-6248-7E12-9E95-E41F6F4AD79E}"/>
+              </a:ext>
+            </a:extLst>
+          </p:cNvPr>
+          <p:cNvSpPr/>
+          <p:nvPr/>
+        </p:nvSpPr>
+        <p:spPr>
+          <a:xfrm>
+            <a:off x="7407964" y="3397348"/>
+            <a:ext cx="958960" cy="918818"/>
+          </a:xfrm>
+          <a:prstGeom prst="ellipse">
+            <a:avLst/>
+          </a:prstGeom>
+        </p:spPr>
+        <p:style>
+          <a:lnRef idx="2">
+            <a:schemeClr val="accent6">
+              <a:shade val="15000"/>
+            </a:schemeClr>
+          </a:lnRef>
+          <a:fillRef idx="1">
+            <a:schemeClr val="accent6"/>
+          </a:fillRef>
+          <a:effectRef idx="0">
+            <a:schemeClr val="accent6"/>
+          </a:effectRef>
+          <a:fontRef idx="minor">
+            <a:schemeClr val="lt1"/>
+          </a:fontRef>
+        </p:style>
+        <p:txBody>
+          <a:bodyPr rtlCol="0" anchor="ctr"/>
+          <a:lstStyle/>
+          <a:p>
+            <a:pPr algn="ctr"/>
+            <a:r>
+              <a:rPr lang="en-US" sz="1000" dirty="0"/>
+              <a:t>Top LS pressed</a:t>
+            </a:r>
+          </a:p>
+        </p:txBody>
+      </p:sp>
+      <p:cxnSp>
+        <p:nvCxnSpPr>
+          <p:cNvPr id="51" name="Straight Arrow Connector 50">
+            <a:extLst>
+              <a:ext uri="{FF2B5EF4-FFF2-40B4-BE49-F238E27FC236}">
+                <a16:creationId xmlns:a16="http://schemas.microsoft.com/office/drawing/2014/main" id="{082264C5-E34D-743C-6B07-0AF9F635FD3A}"/>
+              </a:ext>
+            </a:extLst>
+          </p:cNvPr>
+          <p:cNvCxnSpPr>
+            <a:cxnSpLocks/>
+            <a:stCxn id="50" idx="2"/>
+            <a:endCxn id="29" idx="3"/>
+          </p:cNvCxnSpPr>
+          <p:nvPr/>
+        </p:nvCxnSpPr>
+        <p:spPr>
+          <a:xfrm flipH="1" flipV="1">
+            <a:off x="6705853" y="3271453"/>
+            <a:ext cx="702111" cy="585304"/>
+          </a:xfrm>
+          <a:prstGeom prst="straightConnector1">
+            <a:avLst/>
+          </a:prstGeom>
+          <a:ln>
+            <a:tailEnd type="triangle"/>
+          </a:ln>
+        </p:spPr>
+        <p:style>
+          <a:lnRef idx="1">
+            <a:schemeClr val="accent1"/>
+          </a:lnRef>
+          <a:fillRef idx="0">
+            <a:schemeClr val="accent1"/>
+          </a:fillRef>
+          <a:effectRef idx="0">
+            <a:schemeClr val="accent1"/>
+          </a:effectRef>
+          <a:fontRef idx="minor">
+            <a:schemeClr val="tx1"/>
+          </a:fontRef>
+        </p:style>
+      </p:cxnSp>
+      <p:sp>
+        <p:nvSpPr>
+          <p:cNvPr id="54" name="Oval 53">
+            <a:extLst>
+              <a:ext uri="{FF2B5EF4-FFF2-40B4-BE49-F238E27FC236}">
+                <a16:creationId xmlns:a16="http://schemas.microsoft.com/office/drawing/2014/main" id="{5B6726E6-1058-A17B-DE02-1979C165B44E}"/>
+              </a:ext>
+            </a:extLst>
+          </p:cNvPr>
+          <p:cNvSpPr/>
+          <p:nvPr/>
+        </p:nvSpPr>
+        <p:spPr>
+          <a:xfrm>
+            <a:off x="3671426" y="5031783"/>
+            <a:ext cx="958960" cy="918818"/>
+          </a:xfrm>
+          <a:prstGeom prst="ellipse">
+            <a:avLst/>
+          </a:prstGeom>
+        </p:spPr>
+        <p:style>
+          <a:lnRef idx="2">
+            <a:schemeClr val="accent6">
+              <a:shade val="15000"/>
+            </a:schemeClr>
+          </a:lnRef>
+          <a:fillRef idx="1">
+            <a:schemeClr val="accent6"/>
+          </a:fillRef>
+          <a:effectRef idx="0">
+            <a:schemeClr val="accent6"/>
+          </a:effectRef>
+          <a:fontRef idx="minor">
+            <a:schemeClr val="lt1"/>
+          </a:fontRef>
+        </p:style>
+        <p:txBody>
+          <a:bodyPr rtlCol="0" anchor="ctr"/>
+          <a:lstStyle/>
+          <a:p>
+            <a:pPr algn="ctr"/>
+            <a:r>
+              <a:rPr lang="en-US" sz="1000" dirty="0"/>
+              <a:t>Motion sensor off</a:t>
+            </a:r>
+          </a:p>
+        </p:txBody>
+      </p:sp>
+      <p:cxnSp>
+        <p:nvCxnSpPr>
+          <p:cNvPr id="55" name="Straight Arrow Connector 54">
+            <a:extLst>
+              <a:ext uri="{FF2B5EF4-FFF2-40B4-BE49-F238E27FC236}">
+                <a16:creationId xmlns:a16="http://schemas.microsoft.com/office/drawing/2014/main" id="{7275C736-02E9-4F6C-DF57-A874C415780A}"/>
+              </a:ext>
+            </a:extLst>
+          </p:cNvPr>
+          <p:cNvCxnSpPr>
+            <a:cxnSpLocks/>
+            <a:stCxn id="54" idx="0"/>
+            <a:endCxn id="4" idx="4"/>
+          </p:cNvCxnSpPr>
+          <p:nvPr/>
+        </p:nvCxnSpPr>
+        <p:spPr>
+          <a:xfrm flipH="1" flipV="1">
+            <a:off x="3865888" y="3698034"/>
+            <a:ext cx="285018" cy="1333749"/>
+          </a:xfrm>
+          <a:prstGeom prst="straightConnector1">
+            <a:avLst/>
+          </a:prstGeom>
+          <a:ln>
+            <a:tailEnd type="triangle"/>
+          </a:ln>
+        </p:spPr>
+        <p:style>
+          <a:lnRef idx="1">
+            <a:schemeClr val="accent1"/>
+          </a:lnRef>
+          <a:fillRef idx="0">
+            <a:schemeClr val="accent1"/>
+          </a:fillRef>
+          <a:effectRef idx="0">
+            <a:schemeClr val="accent1"/>
+          </a:effectRef>
+          <a:fontRef idx="minor">
+            <a:schemeClr val="tx1"/>
+          </a:fontRef>
+        </p:style>
+      </p:cxnSp>
+      <p:sp>
+        <p:nvSpPr>
+          <p:cNvPr id="61" name="Oval 60">
+            <a:extLst>
+              <a:ext uri="{FF2B5EF4-FFF2-40B4-BE49-F238E27FC236}">
+                <a16:creationId xmlns:a16="http://schemas.microsoft.com/office/drawing/2014/main" id="{21D6F7B2-14F6-454F-6394-48067EA30082}"/>
+              </a:ext>
+            </a:extLst>
+          </p:cNvPr>
+          <p:cNvSpPr/>
+          <p:nvPr/>
+        </p:nvSpPr>
+        <p:spPr>
+          <a:xfrm>
+            <a:off x="5082783" y="4169385"/>
+            <a:ext cx="958960" cy="918818"/>
+          </a:xfrm>
+          <a:prstGeom prst="ellipse">
+            <a:avLst/>
+          </a:prstGeom>
+        </p:spPr>
+        <p:style>
+          <a:lnRef idx="2">
+            <a:schemeClr val="accent6">
+              <a:shade val="15000"/>
+            </a:schemeClr>
+          </a:lnRef>
+          <a:fillRef idx="1">
+            <a:schemeClr val="accent6"/>
+          </a:fillRef>
+          <a:effectRef idx="0">
+            <a:schemeClr val="accent6"/>
+          </a:effectRef>
+          <a:fontRef idx="minor">
+            <a:schemeClr val="lt1"/>
+          </a:fontRef>
+        </p:style>
+        <p:txBody>
+          <a:bodyPr rtlCol="0" anchor="ctr"/>
+          <a:lstStyle/>
+          <a:p>
+            <a:pPr algn="ctr"/>
+            <a:r>
+              <a:rPr lang="en-US" sz="1000" dirty="0"/>
+              <a:t>Motion sensor on</a:t>
+            </a:r>
+          </a:p>
+        </p:txBody>
+      </p:sp>
+      <p:cxnSp>
+        <p:nvCxnSpPr>
+          <p:cNvPr id="62" name="Straight Arrow Connector 61">
+            <a:extLst>
+              <a:ext uri="{FF2B5EF4-FFF2-40B4-BE49-F238E27FC236}">
+                <a16:creationId xmlns:a16="http://schemas.microsoft.com/office/drawing/2014/main" id="{68DF547E-9000-64ED-FAC9-5D7D50FAFD3B}"/>
+              </a:ext>
+            </a:extLst>
+          </p:cNvPr>
+          <p:cNvCxnSpPr>
+            <a:cxnSpLocks/>
+            <a:stCxn id="61" idx="1"/>
+            <a:endCxn id="22" idx="2"/>
+          </p:cNvCxnSpPr>
+          <p:nvPr/>
+        </p:nvCxnSpPr>
+        <p:spPr>
+          <a:xfrm flipH="1" flipV="1">
+            <a:off x="4858576" y="3451889"/>
+            <a:ext cx="364643" cy="852054"/>
+          </a:xfrm>
+          <a:prstGeom prst="straightConnector1">
+            <a:avLst/>
+          </a:prstGeom>
+          <a:ln>
+            <a:tailEnd type="triangle"/>
+          </a:ln>
+        </p:spPr>
+        <p:style>
+          <a:lnRef idx="1">
+            <a:schemeClr val="accent1"/>
+          </a:lnRef>
+          <a:fillRef idx="0">
+            <a:schemeClr val="accent1"/>
+          </a:fillRef>
+          <a:effectRef idx="0">
+            <a:schemeClr val="accent1"/>
+          </a:effectRef>
+          <a:fontRef idx="minor">
+            <a:schemeClr val="tx1"/>
+          </a:fontRef>
+        </p:style>
+      </p:cxnSp>
+      <p:sp>
+        <p:nvSpPr>
+          <p:cNvPr id="66" name="Title 1">
+            <a:extLst>
+              <a:ext uri="{FF2B5EF4-FFF2-40B4-BE49-F238E27FC236}">
+                <a16:creationId xmlns:a16="http://schemas.microsoft.com/office/drawing/2014/main" id="{9C82F5AD-F9E9-AF73-9555-419FD75596F1}"/>
+              </a:ext>
+            </a:extLst>
+          </p:cNvPr>
+          <p:cNvSpPr txBox="1">
+            <a:spLocks/>
+          </p:cNvSpPr>
+          <p:nvPr/>
+        </p:nvSpPr>
+        <p:spPr>
+          <a:xfrm>
+            <a:off x="820784" y="491539"/>
+            <a:ext cx="10515600" cy="820915"/>
+          </a:xfrm>
+          <a:prstGeom prst="rect">
+            <a:avLst/>
+          </a:prstGeom>
+        </p:spPr>
+        <p:txBody>
+          <a:bodyPr vert="horz" lIns="91440" tIns="45720" rIns="91440" bIns="45720" rtlCol="0" anchor="b">
             <a:normAutofit/>
           </a:bodyPr>
-          <a:lstStyle/>
-          <a:p>
-            <a:pPr algn="ctr"/>
+          <a:lstStyle>
+            <a:lvl1pPr algn="ctr" defTabSz="914400" rtl="0" eaLnBrk="1" latinLnBrk="0" hangingPunct="1">
+              <a:lnSpc>
+                <a:spcPct val="90000"/>
+              </a:lnSpc>
+              <a:spcBef>
+                <a:spcPct val="0"/>
+              </a:spcBef>
+              <a:buNone/>
+              <a:defRPr sz="6000" kern="1200">
+                <a:solidFill>
+                  <a:schemeClr val="tx1"/>
+                </a:solidFill>
+                <a:latin typeface="+mj-lt"/>
+                <a:ea typeface="+mj-ea"/>
+                <a:cs typeface="+mj-cs"/>
+              </a:defRPr>
+            </a:lvl1pPr>
+          </a:lstStyle>
+          <a:p>
             <a:r>
-              <a:rPr lang="en-US" sz="2000" dirty="0"/>
-              <a:t>Pins</a:t>
+              <a:rPr lang="en-US" sz="4400" dirty="0"/>
+              <a:t>States and Actions (Events)</a:t>
             </a:r>
           </a:p>
         </p:txBody>
       </p:sp>
-      <p:graphicFrame>
-        <p:nvGraphicFramePr>
-          <p:cNvPr id="4" name="Content Placeholder 3">
-            <a:extLst>
-              <a:ext uri="{FF2B5EF4-FFF2-40B4-BE49-F238E27FC236}">
-                <a16:creationId xmlns:a16="http://schemas.microsoft.com/office/drawing/2014/main" id="{C4DAC521-E733-902D-5DBB-358695E52147}"/>
-              </a:ext>
-            </a:extLst>
-          </p:cNvPr>
-          <p:cNvGraphicFramePr>
-            <a:graphicFrameLocks noGrp="1"/>
-          </p:cNvGraphicFramePr>
-          <p:nvPr>
-            <p:ph idx="1"/>
-            <p:extLst>
-              <p:ext uri="{D42A27DB-BD31-4B8C-83A1-F6EECF244321}">
-                <p14:modId xmlns:p14="http://schemas.microsoft.com/office/powerpoint/2010/main" val="3713097021"/>
-              </p:ext>
-            </p:extLst>
-          </p:nvPr>
-        </p:nvGraphicFramePr>
-        <p:xfrm>
-          <a:off x="1804198" y="866796"/>
-          <a:ext cx="8321040" cy="4754880"/>
-        </p:xfrm>
-        <a:graphic>
-          <a:graphicData uri="http://schemas.openxmlformats.org/drawingml/2006/table">
-            <a:tbl>
-              <a:tblPr firstRow="1" bandRow="1">
-                <a:tableStyleId>{5C22544A-7EE6-4342-B048-85BDC9FD1C3A}</a:tableStyleId>
-              </a:tblPr>
-              <a:tblGrid>
-                <a:gridCol w="555835">
-                  <a:extLst>
-                    <a:ext uri="{9D8B030D-6E8A-4147-A177-3AD203B41FA5}">
-                      <a16:colId xmlns:a16="http://schemas.microsoft.com/office/drawing/2014/main" val="696950623"/>
-                    </a:ext>
-                  </a:extLst>
-                </a:gridCol>
-                <a:gridCol w="392509">
-                  <a:extLst>
-                    <a:ext uri="{9D8B030D-6E8A-4147-A177-3AD203B41FA5}">
-                      <a16:colId xmlns:a16="http://schemas.microsoft.com/office/drawing/2014/main" val="3569791209"/>
-                    </a:ext>
-                  </a:extLst>
-                </a:gridCol>
-                <a:gridCol w="745141">
-                  <a:extLst>
-                    <a:ext uri="{9D8B030D-6E8A-4147-A177-3AD203B41FA5}">
-                      <a16:colId xmlns:a16="http://schemas.microsoft.com/office/drawing/2014/main" val="3624046573"/>
-                    </a:ext>
-                  </a:extLst>
-                </a:gridCol>
-                <a:gridCol w="3366468">
-                  <a:extLst>
-                    <a:ext uri="{9D8B030D-6E8A-4147-A177-3AD203B41FA5}">
-                      <a16:colId xmlns:a16="http://schemas.microsoft.com/office/drawing/2014/main" val="4119670629"/>
-                    </a:ext>
-                  </a:extLst>
-                </a:gridCol>
-                <a:gridCol w="1201431">
-                  <a:extLst>
-                    <a:ext uri="{9D8B030D-6E8A-4147-A177-3AD203B41FA5}">
-                      <a16:colId xmlns:a16="http://schemas.microsoft.com/office/drawing/2014/main" val="3286478401"/>
-                    </a:ext>
-                  </a:extLst>
-                </a:gridCol>
-                <a:gridCol w="2059656">
-                  <a:extLst>
-                    <a:ext uri="{9D8B030D-6E8A-4147-A177-3AD203B41FA5}">
-                      <a16:colId xmlns:a16="http://schemas.microsoft.com/office/drawing/2014/main" val="1813250324"/>
-                    </a:ext>
-                  </a:extLst>
-                </a:gridCol>
-              </a:tblGrid>
-              <a:tr h="158907">
-                <a:tc>
-                  <a:txBody>
-                    <a:bodyPr/>
-                    <a:lstStyle/>
-                    <a:p>
-                      <a:r>
-                        <a:rPr lang="en-US" sz="600" dirty="0"/>
-                        <a:t>Controller Board Pin</a:t>
-                      </a:r>
-                    </a:p>
-                  </a:txBody>
-                  <a:tcPr/>
-                </a:tc>
-                <a:tc>
-                  <a:txBody>
-                    <a:bodyPr/>
-                    <a:lstStyle/>
-                    <a:p>
-                      <a:r>
-                        <a:rPr lang="en-US" sz="600" dirty="0"/>
-                        <a:t>RP Pico Pin</a:t>
-                      </a:r>
-                    </a:p>
-                  </a:txBody>
-                  <a:tcPr/>
-                </a:tc>
-                <a:tc>
-                  <a:txBody>
-                    <a:bodyPr/>
-                    <a:lstStyle/>
-                    <a:p>
-                      <a:r>
-                        <a:rPr lang="en-US" sz="600" dirty="0"/>
-                        <a:t>Color</a:t>
-                      </a:r>
-                    </a:p>
-                  </a:txBody>
-                  <a:tcPr/>
-                </a:tc>
-                <a:tc>
-                  <a:txBody>
-                    <a:bodyPr/>
-                    <a:lstStyle/>
-                    <a:p>
-                      <a:r>
-                        <a:rPr lang="en-US" sz="600" dirty="0"/>
-                        <a:t>Purpose</a:t>
-                      </a:r>
-                    </a:p>
-                  </a:txBody>
-                  <a:tcPr/>
-                </a:tc>
-                <a:tc>
-                  <a:txBody>
-                    <a:bodyPr/>
-                    <a:lstStyle/>
-                    <a:p>
-                      <a:r>
-                        <a:rPr lang="en-US" sz="600" dirty="0"/>
-                        <a:t>Connects to controller board pin</a:t>
-                      </a:r>
-                    </a:p>
-                  </a:txBody>
-                  <a:tcPr/>
-                </a:tc>
-                <a:tc>
-                  <a:txBody>
-                    <a:bodyPr/>
-                    <a:lstStyle/>
-                    <a:p>
-                      <a:r>
-                        <a:rPr lang="en-US" sz="600" dirty="0"/>
-                        <a:t>Harness</a:t>
-                      </a:r>
-                    </a:p>
-                  </a:txBody>
-                  <a:tcPr/>
-                </a:tc>
-                <a:extLst>
-                  <a:ext uri="{0D108BD9-81ED-4DB2-BD59-A6C34878D82A}">
-                    <a16:rowId xmlns:a16="http://schemas.microsoft.com/office/drawing/2014/main" val="1638991790"/>
-                  </a:ext>
-                </a:extLst>
-              </a:tr>
-              <a:tr h="158907">
-                <a:tc>
-                  <a:txBody>
-                    <a:bodyPr/>
-                    <a:lstStyle/>
-                    <a:p>
-                      <a:r>
-                        <a:rPr lang="en-US" sz="600" dirty="0"/>
-                        <a:t>1</a:t>
-                      </a:r>
-                    </a:p>
-                  </a:txBody>
-                  <a:tcPr/>
-                </a:tc>
-                <a:tc>
-                  <a:txBody>
-                    <a:bodyPr/>
-                    <a:lstStyle/>
-                    <a:p>
-                      <a:r>
-                        <a:rPr lang="en-US" sz="600" dirty="0"/>
-                        <a:t>21</a:t>
-                      </a:r>
-                    </a:p>
-                  </a:txBody>
-                  <a:tcPr/>
-                </a:tc>
-                <a:tc>
-                  <a:txBody>
-                    <a:bodyPr/>
-                    <a:lstStyle/>
-                    <a:p>
-                      <a:r>
-                        <a:rPr lang="en-US" sz="600" dirty="0"/>
-                        <a:t>White</a:t>
-                      </a:r>
-                    </a:p>
-                  </a:txBody>
-                  <a:tcPr/>
-                </a:tc>
-                <a:tc>
-                  <a:txBody>
-                    <a:bodyPr/>
-                    <a:lstStyle/>
-                    <a:p>
-                      <a:r>
-                        <a:rPr lang="en-US" sz="600" dirty="0"/>
-                        <a:t>GPIO out SPST trigger</a:t>
-                      </a:r>
-                    </a:p>
-                  </a:txBody>
-                  <a:tcPr/>
-                </a:tc>
-                <a:tc>
-                  <a:txBody>
-                    <a:bodyPr/>
-                    <a:lstStyle/>
-                    <a:p>
-                      <a:r>
-                        <a:rPr lang="en-US" sz="600" dirty="0"/>
-                        <a:t>20</a:t>
-                      </a:r>
-                    </a:p>
-                  </a:txBody>
-                  <a:tcPr/>
-                </a:tc>
-                <a:tc>
-                  <a:txBody>
-                    <a:bodyPr/>
-                    <a:lstStyle/>
-                    <a:p>
-                      <a:r>
-                        <a:rPr lang="en-US" sz="600" dirty="0"/>
-                        <a:t>RP</a:t>
-                      </a:r>
-                    </a:p>
-                  </a:txBody>
-                  <a:tcPr/>
-                </a:tc>
-                <a:extLst>
-                  <a:ext uri="{0D108BD9-81ED-4DB2-BD59-A6C34878D82A}">
-                    <a16:rowId xmlns:a16="http://schemas.microsoft.com/office/drawing/2014/main" val="3355078547"/>
-                  </a:ext>
-                </a:extLst>
-              </a:tr>
-              <a:tr h="158907">
-                <a:tc>
-                  <a:txBody>
-                    <a:bodyPr/>
-                    <a:lstStyle/>
-                    <a:p>
-                      <a:r>
-                        <a:rPr lang="en-US" sz="600" dirty="0"/>
-                        <a:t>2</a:t>
-                      </a:r>
-                    </a:p>
-                  </a:txBody>
-                  <a:tcPr/>
-                </a:tc>
-                <a:tc>
-                  <a:txBody>
-                    <a:bodyPr/>
-                    <a:lstStyle/>
-                    <a:p>
-                      <a:r>
-                        <a:rPr lang="en-US" sz="600" dirty="0"/>
-                        <a:t>22</a:t>
-                      </a:r>
-                    </a:p>
-                  </a:txBody>
-                  <a:tcPr/>
-                </a:tc>
-                <a:tc>
-                  <a:txBody>
-                    <a:bodyPr/>
-                    <a:lstStyle/>
-                    <a:p>
-                      <a:r>
-                        <a:rPr lang="en-US" sz="600" dirty="0"/>
-                        <a:t>Green</a:t>
-                      </a:r>
-                    </a:p>
-                  </a:txBody>
-                  <a:tcPr/>
-                </a:tc>
-                <a:tc>
-                  <a:txBody>
-                    <a:bodyPr/>
-                    <a:lstStyle/>
-                    <a:p>
-                      <a:r>
-                        <a:rPr lang="en-US" sz="600" dirty="0"/>
-                        <a:t>GPIO Out to DPDT trigger</a:t>
-                      </a:r>
-                    </a:p>
-                  </a:txBody>
-                  <a:tcPr/>
-                </a:tc>
-                <a:tc>
-                  <a:txBody>
-                    <a:bodyPr/>
-                    <a:lstStyle/>
-                    <a:p>
-                      <a:r>
-                        <a:rPr lang="en-US" sz="600" dirty="0"/>
-                        <a:t>24</a:t>
-                      </a:r>
-                    </a:p>
-                  </a:txBody>
-                  <a:tcPr/>
-                </a:tc>
-                <a:tc>
-                  <a:txBody>
-                    <a:bodyPr/>
-                    <a:lstStyle/>
-                    <a:p>
-                      <a:r>
-                        <a:rPr lang="en-US" sz="600" dirty="0"/>
-                        <a:t>RP</a:t>
-                      </a:r>
-                    </a:p>
-                  </a:txBody>
-                  <a:tcPr/>
-                </a:tc>
-                <a:extLst>
-                  <a:ext uri="{0D108BD9-81ED-4DB2-BD59-A6C34878D82A}">
-                    <a16:rowId xmlns:a16="http://schemas.microsoft.com/office/drawing/2014/main" val="3888512149"/>
-                  </a:ext>
-                </a:extLst>
-              </a:tr>
-              <a:tr h="158907">
-                <a:tc>
-                  <a:txBody>
-                    <a:bodyPr/>
-                    <a:lstStyle/>
-                    <a:p>
-                      <a:r>
-                        <a:rPr lang="en-US" sz="600" dirty="0"/>
-                        <a:t>3</a:t>
-                      </a:r>
-                    </a:p>
-                  </a:txBody>
-                  <a:tcPr/>
-                </a:tc>
-                <a:tc>
-                  <a:txBody>
-                    <a:bodyPr/>
-                    <a:lstStyle/>
-                    <a:p>
-                      <a:r>
-                        <a:rPr lang="en-US" sz="600" dirty="0"/>
-                        <a:t>23</a:t>
-                      </a:r>
-                    </a:p>
-                  </a:txBody>
-                  <a:tcPr/>
-                </a:tc>
-                <a:tc>
-                  <a:txBody>
-                    <a:bodyPr/>
-                    <a:lstStyle/>
-                    <a:p>
-                      <a:r>
-                        <a:rPr lang="en-US" sz="600" dirty="0"/>
-                        <a:t>Red</a:t>
-                      </a:r>
-                    </a:p>
-                  </a:txBody>
-                  <a:tcPr/>
-                </a:tc>
-                <a:tc>
-                  <a:txBody>
-                    <a:bodyPr/>
-                    <a:lstStyle/>
-                    <a:p>
-                      <a:r>
-                        <a:rPr lang="en-US" sz="600" dirty="0"/>
-                        <a:t>Not used (GND on RP)</a:t>
-                      </a:r>
-                    </a:p>
-                  </a:txBody>
-                  <a:tcPr/>
-                </a:tc>
-                <a:tc>
-                  <a:txBody>
-                    <a:bodyPr/>
-                    <a:lstStyle/>
-                    <a:p>
-                      <a:endParaRPr lang="en-US" sz="600" dirty="0"/>
-                    </a:p>
-                  </a:txBody>
-                  <a:tcPr/>
-                </a:tc>
-                <a:tc>
-                  <a:txBody>
-                    <a:bodyPr/>
-                    <a:lstStyle/>
-                    <a:p>
-                      <a:pPr marL="0" marR="0" lvl="0" indent="0" algn="l" defTabSz="914400" rtl="0" eaLnBrk="1" fontAlgn="auto" latinLnBrk="0" hangingPunct="1">
-                        <a:lnSpc>
-                          <a:spcPct val="100000"/>
-                        </a:lnSpc>
-                        <a:spcBef>
-                          <a:spcPts val="0"/>
-                        </a:spcBef>
-                        <a:spcAft>
-                          <a:spcPts val="0"/>
-                        </a:spcAft>
-                        <a:buClrTx/>
-                        <a:buSzTx/>
-                        <a:buFontTx/>
-                        <a:buNone/>
-                        <a:tabLst/>
-                        <a:defRPr/>
-                      </a:pPr>
-                      <a:r>
-                        <a:rPr lang="en-US" sz="600" dirty="0"/>
-                        <a:t>RP</a:t>
-                      </a:r>
-                    </a:p>
-                  </a:txBody>
-                  <a:tcPr/>
-                </a:tc>
-                <a:extLst>
-                  <a:ext uri="{0D108BD9-81ED-4DB2-BD59-A6C34878D82A}">
-                    <a16:rowId xmlns:a16="http://schemas.microsoft.com/office/drawing/2014/main" val="3226662448"/>
-                  </a:ext>
-                </a:extLst>
-              </a:tr>
-              <a:tr h="158907">
-                <a:tc>
-                  <a:txBody>
-                    <a:bodyPr/>
-                    <a:lstStyle/>
-                    <a:p>
-                      <a:r>
-                        <a:rPr lang="en-US" sz="600" dirty="0"/>
-                        <a:t>4</a:t>
-                      </a:r>
-                    </a:p>
-                  </a:txBody>
-                  <a:tcPr/>
-                </a:tc>
-                <a:tc>
-                  <a:txBody>
-                    <a:bodyPr/>
-                    <a:lstStyle/>
-                    <a:p>
-                      <a:r>
-                        <a:rPr lang="en-US" sz="600" dirty="0"/>
-                        <a:t>24</a:t>
-                      </a:r>
-                    </a:p>
-                  </a:txBody>
-                  <a:tcPr/>
-                </a:tc>
-                <a:tc>
-                  <a:txBody>
-                    <a:bodyPr/>
-                    <a:lstStyle/>
-                    <a:p>
-                      <a:r>
-                        <a:rPr lang="en-US" sz="600" dirty="0"/>
-                        <a:t>Blue</a:t>
-                      </a:r>
-                    </a:p>
-                  </a:txBody>
-                  <a:tcPr/>
-                </a:tc>
-                <a:tc>
-                  <a:txBody>
-                    <a:bodyPr/>
-                    <a:lstStyle/>
-                    <a:p>
-                      <a:r>
-                        <a:rPr lang="en-US" sz="600" dirty="0"/>
-                        <a:t>Limit switch 1</a:t>
-                      </a:r>
-                    </a:p>
-                  </a:txBody>
-                  <a:tcPr/>
-                </a:tc>
-                <a:tc>
-                  <a:txBody>
-                    <a:bodyPr/>
-                    <a:lstStyle/>
-                    <a:p>
-                      <a:r>
-                        <a:rPr lang="en-US" sz="600" dirty="0"/>
-                        <a:t>7</a:t>
-                      </a:r>
-                    </a:p>
-                  </a:txBody>
-                  <a:tcPr/>
-                </a:tc>
-                <a:tc>
-                  <a:txBody>
-                    <a:bodyPr/>
-                    <a:lstStyle/>
-                    <a:p>
-                      <a:r>
-                        <a:rPr lang="en-US" sz="600" dirty="0"/>
-                        <a:t>RP</a:t>
-                      </a:r>
-                    </a:p>
-                  </a:txBody>
-                  <a:tcPr/>
-                </a:tc>
-                <a:extLst>
-                  <a:ext uri="{0D108BD9-81ED-4DB2-BD59-A6C34878D82A}">
-                    <a16:rowId xmlns:a16="http://schemas.microsoft.com/office/drawing/2014/main" val="2461861957"/>
-                  </a:ext>
-                </a:extLst>
-              </a:tr>
-              <a:tr h="158907">
-                <a:tc>
-                  <a:txBody>
-                    <a:bodyPr/>
-                    <a:lstStyle/>
-                    <a:p>
-                      <a:r>
-                        <a:rPr lang="en-US" sz="600" dirty="0"/>
-                        <a:t>5</a:t>
-                      </a:r>
-                    </a:p>
-                  </a:txBody>
-                  <a:tcPr/>
-                </a:tc>
-                <a:tc>
-                  <a:txBody>
-                    <a:bodyPr/>
-                    <a:lstStyle/>
-                    <a:p>
-                      <a:r>
-                        <a:rPr lang="en-US" sz="600" dirty="0"/>
-                        <a:t>25</a:t>
-                      </a:r>
-                    </a:p>
-                  </a:txBody>
-                  <a:tcPr/>
-                </a:tc>
-                <a:tc>
-                  <a:txBody>
-                    <a:bodyPr/>
-                    <a:lstStyle/>
-                    <a:p>
-                      <a:r>
-                        <a:rPr lang="en-US" sz="600" dirty="0"/>
-                        <a:t>Yellow</a:t>
-                      </a:r>
-                    </a:p>
-                  </a:txBody>
-                  <a:tcPr/>
-                </a:tc>
-                <a:tc>
-                  <a:txBody>
-                    <a:bodyPr/>
-                    <a:lstStyle/>
-                    <a:p>
-                      <a:r>
-                        <a:rPr lang="en-US" sz="600" dirty="0"/>
-                        <a:t>Limit switch 2</a:t>
-                      </a:r>
-                    </a:p>
-                  </a:txBody>
-                  <a:tcPr/>
-                </a:tc>
-                <a:tc>
-                  <a:txBody>
-                    <a:bodyPr/>
-                    <a:lstStyle/>
-                    <a:p>
-                      <a:r>
-                        <a:rPr lang="en-US" sz="600" dirty="0"/>
-                        <a:t>9</a:t>
-                      </a:r>
-                    </a:p>
-                  </a:txBody>
-                  <a:tcPr/>
-                </a:tc>
-                <a:tc>
-                  <a:txBody>
-                    <a:bodyPr/>
-                    <a:lstStyle/>
-                    <a:p>
-                      <a:r>
-                        <a:rPr lang="en-US" sz="600" dirty="0"/>
-                        <a:t>RP</a:t>
-                      </a:r>
-                    </a:p>
-                  </a:txBody>
-                  <a:tcPr/>
-                </a:tc>
-                <a:extLst>
-                  <a:ext uri="{0D108BD9-81ED-4DB2-BD59-A6C34878D82A}">
-                    <a16:rowId xmlns:a16="http://schemas.microsoft.com/office/drawing/2014/main" val="1531903705"/>
-                  </a:ext>
-                </a:extLst>
-              </a:tr>
-              <a:tr h="158907">
-                <a:tc>
-                  <a:txBody>
-                    <a:bodyPr/>
-                    <a:lstStyle/>
-                    <a:p>
-                      <a:r>
-                        <a:rPr lang="en-US" sz="600" dirty="0"/>
-                        <a:t>6</a:t>
-                      </a:r>
-                    </a:p>
-                  </a:txBody>
-                  <a:tcPr/>
-                </a:tc>
-                <a:tc>
-                  <a:txBody>
-                    <a:bodyPr/>
-                    <a:lstStyle/>
-                    <a:p>
-                      <a:r>
-                        <a:rPr lang="en-US" sz="600" dirty="0"/>
-                        <a:t>26</a:t>
-                      </a:r>
-                    </a:p>
-                  </a:txBody>
-                  <a:tcPr/>
-                </a:tc>
-                <a:tc>
-                  <a:txBody>
-                    <a:bodyPr/>
-                    <a:lstStyle/>
-                    <a:p>
-                      <a:r>
-                        <a:rPr lang="en-US" sz="600" dirty="0"/>
-                        <a:t>White</a:t>
-                      </a:r>
-                    </a:p>
-                  </a:txBody>
-                  <a:tcPr/>
-                </a:tc>
-                <a:tc>
-                  <a:txBody>
-                    <a:bodyPr/>
-                    <a:lstStyle/>
-                    <a:p>
-                      <a:r>
-                        <a:rPr lang="en-US" sz="600" dirty="0"/>
-                        <a:t>Motion sensor or bypass switch</a:t>
-                      </a:r>
-                    </a:p>
-                  </a:txBody>
-                  <a:tcPr/>
-                </a:tc>
-                <a:tc>
-                  <a:txBody>
-                    <a:bodyPr/>
-                    <a:lstStyle/>
-                    <a:p>
-                      <a:r>
-                        <a:rPr lang="en-US" sz="600" dirty="0"/>
-                        <a:t>12</a:t>
-                      </a:r>
-                    </a:p>
-                  </a:txBody>
-                  <a:tcPr/>
-                </a:tc>
-                <a:tc>
-                  <a:txBody>
-                    <a:bodyPr/>
-                    <a:lstStyle/>
-                    <a:p>
-                      <a:r>
-                        <a:rPr lang="en-US" sz="600" dirty="0"/>
-                        <a:t>RP</a:t>
-                      </a:r>
-                    </a:p>
-                  </a:txBody>
-                  <a:tcPr/>
-                </a:tc>
-                <a:extLst>
-                  <a:ext uri="{0D108BD9-81ED-4DB2-BD59-A6C34878D82A}">
-                    <a16:rowId xmlns:a16="http://schemas.microsoft.com/office/drawing/2014/main" val="2217675217"/>
-                  </a:ext>
-                </a:extLst>
-              </a:tr>
-              <a:tr h="158907">
-                <a:tc>
-                  <a:txBody>
-                    <a:bodyPr/>
-                    <a:lstStyle/>
-                    <a:p>
-                      <a:r>
-                        <a:rPr lang="en-US" sz="600" dirty="0"/>
-                        <a:t>7</a:t>
-                      </a:r>
-                    </a:p>
-                  </a:txBody>
-                  <a:tcPr/>
-                </a:tc>
-                <a:tc>
-                  <a:txBody>
-                    <a:bodyPr/>
-                    <a:lstStyle/>
-                    <a:p>
-                      <a:endParaRPr lang="en-US" sz="600" dirty="0"/>
-                    </a:p>
-                  </a:txBody>
-                  <a:tcPr/>
-                </a:tc>
-                <a:tc>
-                  <a:txBody>
-                    <a:bodyPr/>
-                    <a:lstStyle/>
-                    <a:p>
-                      <a:r>
-                        <a:rPr lang="en-US" sz="600" dirty="0"/>
-                        <a:t>Black</a:t>
-                      </a:r>
-                    </a:p>
-                  </a:txBody>
-                  <a:tcPr/>
-                </a:tc>
-                <a:tc>
-                  <a:txBody>
-                    <a:bodyPr/>
-                    <a:lstStyle/>
-                    <a:p>
-                      <a:r>
-                        <a:rPr lang="en-US" sz="600" dirty="0"/>
-                        <a:t>To RP Pin 4 of controller board</a:t>
-                      </a:r>
-                    </a:p>
-                  </a:txBody>
-                  <a:tcPr/>
-                </a:tc>
-                <a:tc>
-                  <a:txBody>
-                    <a:bodyPr/>
-                    <a:lstStyle/>
-                    <a:p>
-                      <a:r>
-                        <a:rPr lang="en-US" sz="600" dirty="0"/>
-                        <a:t>4</a:t>
-                      </a:r>
-                    </a:p>
-                  </a:txBody>
-                  <a:tcPr/>
-                </a:tc>
-                <a:tc>
-                  <a:txBody>
-                    <a:bodyPr/>
-                    <a:lstStyle/>
-                    <a:p>
-                      <a:r>
-                        <a:rPr lang="en-US" sz="600" dirty="0"/>
-                        <a:t>Limit Switch 1</a:t>
-                      </a:r>
-                    </a:p>
-                  </a:txBody>
-                  <a:tcPr/>
-                </a:tc>
-                <a:extLst>
-                  <a:ext uri="{0D108BD9-81ED-4DB2-BD59-A6C34878D82A}">
-                    <a16:rowId xmlns:a16="http://schemas.microsoft.com/office/drawing/2014/main" val="890863445"/>
-                  </a:ext>
-                </a:extLst>
-              </a:tr>
-              <a:tr h="158907">
-                <a:tc>
-                  <a:txBody>
-                    <a:bodyPr/>
-                    <a:lstStyle/>
-                    <a:p>
-                      <a:r>
-                        <a:rPr lang="en-US" sz="600" dirty="0"/>
-                        <a:t>8</a:t>
-                      </a:r>
-                    </a:p>
-                  </a:txBody>
-                  <a:tcPr/>
-                </a:tc>
-                <a:tc>
-                  <a:txBody>
-                    <a:bodyPr/>
-                    <a:lstStyle/>
-                    <a:p>
-                      <a:endParaRPr lang="en-US" sz="600"/>
-                    </a:p>
-                  </a:txBody>
-                  <a:tcPr/>
-                </a:tc>
-                <a:tc>
-                  <a:txBody>
-                    <a:bodyPr/>
-                    <a:lstStyle/>
-                    <a:p>
-                      <a:r>
-                        <a:rPr lang="en-US" sz="600" dirty="0"/>
-                        <a:t>Red</a:t>
-                      </a:r>
-                    </a:p>
-                  </a:txBody>
-                  <a:tcPr/>
-                </a:tc>
-                <a:tc>
-                  <a:txBody>
-                    <a:bodyPr/>
-                    <a:lstStyle/>
-                    <a:p>
-                      <a:r>
-                        <a:rPr lang="en-US" sz="600" dirty="0"/>
-                        <a:t>Trigger voltage (1K resistor) 3V to NO pin of limit switch</a:t>
-                      </a:r>
-                    </a:p>
-                  </a:txBody>
-                  <a:tcPr/>
-                </a:tc>
-                <a:tc>
-                  <a:txBody>
-                    <a:bodyPr/>
-                    <a:lstStyle/>
-                    <a:p>
-                      <a:endParaRPr lang="en-US" sz="600" dirty="0"/>
-                    </a:p>
-                  </a:txBody>
-                  <a:tcPr/>
-                </a:tc>
-                <a:tc>
-                  <a:txBody>
-                    <a:bodyPr/>
-                    <a:lstStyle/>
-                    <a:p>
-                      <a:r>
-                        <a:rPr lang="en-US" sz="600" dirty="0"/>
-                        <a:t>Limit Switch 1</a:t>
-                      </a:r>
-                    </a:p>
-                  </a:txBody>
-                  <a:tcPr/>
-                </a:tc>
-                <a:extLst>
-                  <a:ext uri="{0D108BD9-81ED-4DB2-BD59-A6C34878D82A}">
-                    <a16:rowId xmlns:a16="http://schemas.microsoft.com/office/drawing/2014/main" val="2415942561"/>
-                  </a:ext>
-                </a:extLst>
-              </a:tr>
-              <a:tr h="158907">
-                <a:tc>
-                  <a:txBody>
-                    <a:bodyPr/>
-                    <a:lstStyle/>
-                    <a:p>
-                      <a:r>
-                        <a:rPr lang="en-US" sz="600" dirty="0"/>
-                        <a:t>9</a:t>
-                      </a:r>
-                    </a:p>
-                  </a:txBody>
-                  <a:tcPr/>
-                </a:tc>
-                <a:tc>
-                  <a:txBody>
-                    <a:bodyPr/>
-                    <a:lstStyle/>
-                    <a:p>
-                      <a:endParaRPr lang="en-US" sz="600" dirty="0"/>
-                    </a:p>
-                  </a:txBody>
-                  <a:tcPr/>
-                </a:tc>
-                <a:tc>
-                  <a:txBody>
-                    <a:bodyPr/>
-                    <a:lstStyle/>
-                    <a:p>
-                      <a:r>
-                        <a:rPr lang="en-US" sz="600" dirty="0"/>
-                        <a:t>Black</a:t>
-                      </a:r>
-                    </a:p>
-                  </a:txBody>
-                  <a:tcPr/>
-                </a:tc>
-                <a:tc>
-                  <a:txBody>
-                    <a:bodyPr/>
-                    <a:lstStyle/>
-                    <a:p>
-                      <a:r>
-                        <a:rPr lang="en-US" sz="600" dirty="0"/>
-                        <a:t>To RP Pin 5 of controller board</a:t>
-                      </a:r>
-                    </a:p>
-                  </a:txBody>
-                  <a:tcPr/>
-                </a:tc>
-                <a:tc>
-                  <a:txBody>
-                    <a:bodyPr/>
-                    <a:lstStyle/>
-                    <a:p>
-                      <a:r>
-                        <a:rPr lang="en-US" sz="600" dirty="0"/>
-                        <a:t>5</a:t>
-                      </a:r>
-                    </a:p>
-                  </a:txBody>
-                  <a:tcPr/>
-                </a:tc>
-                <a:tc>
-                  <a:txBody>
-                    <a:bodyPr/>
-                    <a:lstStyle/>
-                    <a:p>
-                      <a:r>
-                        <a:rPr lang="en-US" sz="600" dirty="0"/>
-                        <a:t>Limit Switch 2</a:t>
-                      </a:r>
-                    </a:p>
-                  </a:txBody>
-                  <a:tcPr/>
-                </a:tc>
-                <a:extLst>
-                  <a:ext uri="{0D108BD9-81ED-4DB2-BD59-A6C34878D82A}">
-                    <a16:rowId xmlns:a16="http://schemas.microsoft.com/office/drawing/2014/main" val="1661854459"/>
-                  </a:ext>
-                </a:extLst>
-              </a:tr>
-              <a:tr h="158907">
-                <a:tc>
-                  <a:txBody>
-                    <a:bodyPr/>
-                    <a:lstStyle/>
-                    <a:p>
-                      <a:r>
-                        <a:rPr lang="en-US" sz="600" dirty="0"/>
-                        <a:t>10</a:t>
-                      </a:r>
-                    </a:p>
-                  </a:txBody>
-                  <a:tcPr/>
-                </a:tc>
-                <a:tc>
-                  <a:txBody>
-                    <a:bodyPr/>
-                    <a:lstStyle/>
-                    <a:p>
-                      <a:endParaRPr lang="en-US" sz="600" dirty="0"/>
-                    </a:p>
-                  </a:txBody>
-                  <a:tcPr/>
-                </a:tc>
-                <a:tc>
-                  <a:txBody>
-                    <a:bodyPr/>
-                    <a:lstStyle/>
-                    <a:p>
-                      <a:r>
-                        <a:rPr lang="en-US" sz="600" dirty="0"/>
-                        <a:t>Red</a:t>
-                      </a:r>
-                    </a:p>
-                  </a:txBody>
-                  <a:tcPr/>
-                </a:tc>
-                <a:tc>
-                  <a:txBody>
-                    <a:bodyPr/>
-                    <a:lstStyle/>
-                    <a:p>
-                      <a:r>
-                        <a:rPr lang="en-US" sz="600" dirty="0"/>
-                        <a:t>Trigger voltage (1K resistor) 3V to NO pin of limit switch</a:t>
-                      </a:r>
-                    </a:p>
-                  </a:txBody>
-                  <a:tcPr/>
-                </a:tc>
-                <a:tc>
-                  <a:txBody>
-                    <a:bodyPr/>
-                    <a:lstStyle/>
-                    <a:p>
-                      <a:endParaRPr lang="en-US" sz="600" dirty="0"/>
-                    </a:p>
-                  </a:txBody>
-                  <a:tcPr/>
-                </a:tc>
-                <a:tc>
-                  <a:txBody>
-                    <a:bodyPr/>
-                    <a:lstStyle/>
-                    <a:p>
-                      <a:r>
-                        <a:rPr lang="en-US" sz="600" dirty="0"/>
-                        <a:t>Limit Switch 2</a:t>
-                      </a:r>
-                    </a:p>
-                  </a:txBody>
-                  <a:tcPr/>
-                </a:tc>
-                <a:extLst>
-                  <a:ext uri="{0D108BD9-81ED-4DB2-BD59-A6C34878D82A}">
-                    <a16:rowId xmlns:a16="http://schemas.microsoft.com/office/drawing/2014/main" val="2980785588"/>
-                  </a:ext>
-                </a:extLst>
-              </a:tr>
-              <a:tr h="158907">
-                <a:tc>
-                  <a:txBody>
-                    <a:bodyPr/>
-                    <a:lstStyle/>
-                    <a:p>
-                      <a:r>
-                        <a:rPr lang="en-US" sz="600" dirty="0"/>
-                        <a:t>11</a:t>
-                      </a:r>
-                    </a:p>
-                  </a:txBody>
-                  <a:tcPr/>
-                </a:tc>
-                <a:tc>
-                  <a:txBody>
-                    <a:bodyPr/>
-                    <a:lstStyle/>
-                    <a:p>
-                      <a:endParaRPr lang="en-US" sz="600" dirty="0"/>
-                    </a:p>
-                  </a:txBody>
-                  <a:tcPr/>
-                </a:tc>
-                <a:tc>
-                  <a:txBody>
-                    <a:bodyPr/>
-                    <a:lstStyle/>
-                    <a:p>
-                      <a:r>
-                        <a:rPr lang="en-US" sz="600" dirty="0"/>
-                        <a:t>Black</a:t>
-                      </a:r>
-                    </a:p>
-                  </a:txBody>
-                  <a:tcPr/>
-                </a:tc>
-                <a:tc>
-                  <a:txBody>
-                    <a:bodyPr/>
-                    <a:lstStyle/>
-                    <a:p>
-                      <a:r>
-                        <a:rPr lang="en-US" sz="600" dirty="0"/>
-                        <a:t>GND</a:t>
-                      </a:r>
-                    </a:p>
-                  </a:txBody>
-                  <a:tcPr/>
-                </a:tc>
-                <a:tc>
-                  <a:txBody>
-                    <a:bodyPr/>
-                    <a:lstStyle/>
-                    <a:p>
-                      <a:endParaRPr lang="en-US" sz="600" dirty="0"/>
-                    </a:p>
-                  </a:txBody>
-                  <a:tcPr/>
-                </a:tc>
-                <a:tc>
-                  <a:txBody>
-                    <a:bodyPr/>
-                    <a:lstStyle/>
-                    <a:p>
-                      <a:r>
-                        <a:rPr lang="en-US" sz="600" dirty="0"/>
-                        <a:t>Motion sensor</a:t>
-                      </a:r>
-                    </a:p>
-                  </a:txBody>
-                  <a:tcPr/>
-                </a:tc>
-                <a:extLst>
-                  <a:ext uri="{0D108BD9-81ED-4DB2-BD59-A6C34878D82A}">
-                    <a16:rowId xmlns:a16="http://schemas.microsoft.com/office/drawing/2014/main" val="2458307732"/>
-                  </a:ext>
-                </a:extLst>
-              </a:tr>
-              <a:tr h="158907">
-                <a:tc>
-                  <a:txBody>
-                    <a:bodyPr/>
-                    <a:lstStyle/>
-                    <a:p>
-                      <a:r>
-                        <a:rPr lang="en-US" sz="600" dirty="0"/>
-                        <a:t>12</a:t>
-                      </a:r>
-                    </a:p>
-                  </a:txBody>
-                  <a:tcPr/>
-                </a:tc>
-                <a:tc>
-                  <a:txBody>
-                    <a:bodyPr/>
-                    <a:lstStyle/>
-                    <a:p>
-                      <a:endParaRPr lang="en-US" sz="600"/>
-                    </a:p>
-                  </a:txBody>
-                  <a:tcPr/>
-                </a:tc>
-                <a:tc>
-                  <a:txBody>
-                    <a:bodyPr/>
-                    <a:lstStyle/>
-                    <a:p>
-                      <a:r>
-                        <a:rPr lang="en-US" sz="600" dirty="0"/>
-                        <a:t>White</a:t>
-                      </a:r>
-                    </a:p>
-                  </a:txBody>
-                  <a:tcPr/>
-                </a:tc>
-                <a:tc>
-                  <a:txBody>
-                    <a:bodyPr/>
-                    <a:lstStyle/>
-                    <a:p>
-                      <a:r>
-                        <a:rPr lang="en-US" sz="600" dirty="0"/>
-                        <a:t>Trigger from motion sensor connects to Pin 6 of controller board.</a:t>
-                      </a:r>
-                    </a:p>
-                  </a:txBody>
-                  <a:tcPr/>
-                </a:tc>
-                <a:tc>
-                  <a:txBody>
-                    <a:bodyPr/>
-                    <a:lstStyle/>
-                    <a:p>
-                      <a:r>
-                        <a:rPr lang="en-US" sz="600" dirty="0"/>
-                        <a:t>6</a:t>
-                      </a:r>
-                    </a:p>
-                  </a:txBody>
-                  <a:tcPr/>
-                </a:tc>
-                <a:tc>
-                  <a:txBody>
-                    <a:bodyPr/>
-                    <a:lstStyle/>
-                    <a:p>
-                      <a:pPr marL="0" marR="0" lvl="0" indent="0" algn="l" defTabSz="914400" rtl="0" eaLnBrk="1" fontAlgn="auto" latinLnBrk="0" hangingPunct="1">
-                        <a:lnSpc>
-                          <a:spcPct val="100000"/>
-                        </a:lnSpc>
-                        <a:spcBef>
-                          <a:spcPts val="0"/>
-                        </a:spcBef>
-                        <a:spcAft>
-                          <a:spcPts val="0"/>
-                        </a:spcAft>
-                        <a:buClrTx/>
-                        <a:buSzTx/>
-                        <a:buFontTx/>
-                        <a:buNone/>
-                        <a:tabLst/>
-                        <a:defRPr/>
-                      </a:pPr>
-                      <a:r>
-                        <a:rPr lang="en-US" sz="600" dirty="0"/>
-                        <a:t>Motion sensor</a:t>
-                      </a:r>
-                    </a:p>
-                  </a:txBody>
-                  <a:tcPr/>
-                </a:tc>
-                <a:extLst>
-                  <a:ext uri="{0D108BD9-81ED-4DB2-BD59-A6C34878D82A}">
-                    <a16:rowId xmlns:a16="http://schemas.microsoft.com/office/drawing/2014/main" val="3500009587"/>
-                  </a:ext>
-                </a:extLst>
-              </a:tr>
-              <a:tr h="158907">
-                <a:tc>
-                  <a:txBody>
-                    <a:bodyPr/>
-                    <a:lstStyle/>
-                    <a:p>
-                      <a:r>
-                        <a:rPr lang="en-US" sz="600" dirty="0"/>
-                        <a:t>13</a:t>
-                      </a:r>
-                    </a:p>
-                  </a:txBody>
-                  <a:tcPr/>
-                </a:tc>
-                <a:tc>
-                  <a:txBody>
-                    <a:bodyPr/>
-                    <a:lstStyle/>
-                    <a:p>
-                      <a:endParaRPr lang="en-US" sz="600"/>
-                    </a:p>
-                  </a:txBody>
-                  <a:tcPr/>
-                </a:tc>
-                <a:tc>
-                  <a:txBody>
-                    <a:bodyPr/>
-                    <a:lstStyle/>
-                    <a:p>
-                      <a:r>
-                        <a:rPr lang="en-US" sz="600" dirty="0"/>
-                        <a:t>Red</a:t>
-                      </a:r>
-                    </a:p>
-                  </a:txBody>
-                  <a:tcPr/>
-                </a:tc>
-                <a:tc>
-                  <a:txBody>
-                    <a:bodyPr/>
-                    <a:lstStyle/>
-                    <a:p>
-                      <a:r>
-                        <a:rPr lang="en-US" sz="600" dirty="0"/>
-                        <a:t>VCC</a:t>
-                      </a:r>
-                    </a:p>
-                  </a:txBody>
-                  <a:tcPr/>
-                </a:tc>
-                <a:tc>
-                  <a:txBody>
-                    <a:bodyPr/>
-                    <a:lstStyle/>
-                    <a:p>
-                      <a:endParaRPr lang="en-US" sz="600" dirty="0"/>
-                    </a:p>
-                  </a:txBody>
-                  <a:tcPr/>
-                </a:tc>
-                <a:tc>
-                  <a:txBody>
-                    <a:bodyPr/>
-                    <a:lstStyle/>
-                    <a:p>
-                      <a:pPr marL="0" marR="0" lvl="0" indent="0" algn="l" defTabSz="914400" rtl="0" eaLnBrk="1" fontAlgn="auto" latinLnBrk="0" hangingPunct="1">
-                        <a:lnSpc>
-                          <a:spcPct val="100000"/>
-                        </a:lnSpc>
-                        <a:spcBef>
-                          <a:spcPts val="0"/>
-                        </a:spcBef>
-                        <a:spcAft>
-                          <a:spcPts val="0"/>
-                        </a:spcAft>
-                        <a:buClrTx/>
-                        <a:buSzTx/>
-                        <a:buFontTx/>
-                        <a:buNone/>
-                        <a:tabLst/>
-                        <a:defRPr/>
-                      </a:pPr>
-                      <a:r>
-                        <a:rPr lang="en-US" sz="600" dirty="0"/>
-                        <a:t>Motion sensor</a:t>
-                      </a:r>
-                    </a:p>
-                  </a:txBody>
-                  <a:tcPr/>
-                </a:tc>
-                <a:extLst>
-                  <a:ext uri="{0D108BD9-81ED-4DB2-BD59-A6C34878D82A}">
-                    <a16:rowId xmlns:a16="http://schemas.microsoft.com/office/drawing/2014/main" val="3133626072"/>
-                  </a:ext>
-                </a:extLst>
-              </a:tr>
-              <a:tr h="158907">
-                <a:tc>
-                  <a:txBody>
-                    <a:bodyPr/>
-                    <a:lstStyle/>
-                    <a:p>
-                      <a:r>
-                        <a:rPr lang="en-US" sz="600" dirty="0"/>
-                        <a:t>14</a:t>
-                      </a:r>
-                    </a:p>
-                  </a:txBody>
-                  <a:tcPr/>
-                </a:tc>
-                <a:tc>
-                  <a:txBody>
-                    <a:bodyPr/>
-                    <a:lstStyle/>
-                    <a:p>
-                      <a:endParaRPr lang="en-US" sz="600" dirty="0"/>
-                    </a:p>
-                  </a:txBody>
-                  <a:tcPr/>
-                </a:tc>
-                <a:tc>
-                  <a:txBody>
-                    <a:bodyPr/>
-                    <a:lstStyle/>
-                    <a:p>
-                      <a:r>
-                        <a:rPr lang="en-US" sz="600" dirty="0"/>
-                        <a:t>Black</a:t>
-                      </a:r>
-                    </a:p>
-                  </a:txBody>
-                  <a:tcPr/>
-                </a:tc>
-                <a:tc>
-                  <a:txBody>
-                    <a:bodyPr/>
-                    <a:lstStyle/>
-                    <a:p>
-                      <a:r>
-                        <a:rPr lang="en-US" sz="600" dirty="0"/>
-                        <a:t>To common pin of bypass switch</a:t>
-                      </a:r>
-                    </a:p>
-                  </a:txBody>
-                  <a:tcPr/>
-                </a:tc>
-                <a:tc>
-                  <a:txBody>
-                    <a:bodyPr/>
-                    <a:lstStyle/>
-                    <a:p>
-                      <a:endParaRPr lang="en-US" sz="600" dirty="0"/>
-                    </a:p>
-                  </a:txBody>
-                  <a:tcPr/>
-                </a:tc>
-                <a:tc>
-                  <a:txBody>
-                    <a:bodyPr/>
-                    <a:lstStyle/>
-                    <a:p>
-                      <a:r>
-                        <a:rPr lang="en-US" sz="600" dirty="0"/>
-                        <a:t>Bypass switch</a:t>
-                      </a:r>
-                    </a:p>
-                  </a:txBody>
-                  <a:tcPr/>
-                </a:tc>
-                <a:extLst>
-                  <a:ext uri="{0D108BD9-81ED-4DB2-BD59-A6C34878D82A}">
-                    <a16:rowId xmlns:a16="http://schemas.microsoft.com/office/drawing/2014/main" val="3386686412"/>
-                  </a:ext>
-                </a:extLst>
-              </a:tr>
-              <a:tr h="158907">
-                <a:tc>
-                  <a:txBody>
-                    <a:bodyPr/>
-                    <a:lstStyle/>
-                    <a:p>
-                      <a:r>
-                        <a:rPr lang="en-US" sz="600" dirty="0"/>
-                        <a:t>15</a:t>
-                      </a:r>
-                    </a:p>
-                  </a:txBody>
-                  <a:tcPr/>
-                </a:tc>
-                <a:tc>
-                  <a:txBody>
-                    <a:bodyPr/>
-                    <a:lstStyle/>
-                    <a:p>
-                      <a:endParaRPr lang="en-US" sz="600" dirty="0"/>
-                    </a:p>
-                  </a:txBody>
-                  <a:tcPr/>
-                </a:tc>
-                <a:tc>
-                  <a:txBody>
-                    <a:bodyPr/>
-                    <a:lstStyle/>
-                    <a:p>
-                      <a:r>
-                        <a:rPr lang="en-US" sz="600" dirty="0"/>
-                        <a:t>Red</a:t>
-                      </a:r>
-                    </a:p>
-                  </a:txBody>
-                  <a:tcPr/>
-                </a:tc>
-                <a:tc>
-                  <a:txBody>
-                    <a:bodyPr/>
-                    <a:lstStyle/>
-                    <a:p>
-                      <a:r>
-                        <a:rPr lang="en-US" sz="600" dirty="0"/>
-                        <a:t>Trigger voltage (1K resistor) 3V to NO open pin of bypass switch</a:t>
-                      </a:r>
-                    </a:p>
-                  </a:txBody>
-                  <a:tcPr/>
-                </a:tc>
-                <a:tc>
-                  <a:txBody>
-                    <a:bodyPr/>
-                    <a:lstStyle/>
-                    <a:p>
-                      <a:endParaRPr lang="en-US" sz="600" dirty="0"/>
-                    </a:p>
-                  </a:txBody>
-                  <a:tcPr/>
-                </a:tc>
-                <a:tc>
-                  <a:txBody>
-                    <a:bodyPr/>
-                    <a:lstStyle/>
-                    <a:p>
-                      <a:pPr marL="0" marR="0" lvl="0" indent="0" algn="l" defTabSz="914400" rtl="0" eaLnBrk="1" fontAlgn="auto" latinLnBrk="0" hangingPunct="1">
-                        <a:lnSpc>
-                          <a:spcPct val="100000"/>
-                        </a:lnSpc>
-                        <a:spcBef>
-                          <a:spcPts val="0"/>
-                        </a:spcBef>
-                        <a:spcAft>
-                          <a:spcPts val="0"/>
-                        </a:spcAft>
-                        <a:buClrTx/>
-                        <a:buSzTx/>
-                        <a:buFontTx/>
-                        <a:buNone/>
-                        <a:tabLst/>
-                        <a:defRPr/>
-                      </a:pPr>
-                      <a:r>
-                        <a:rPr lang="en-US" sz="600" dirty="0"/>
-                        <a:t>Bypass switch</a:t>
-                      </a:r>
-                    </a:p>
-                  </a:txBody>
-                  <a:tcPr/>
-                </a:tc>
-                <a:extLst>
-                  <a:ext uri="{0D108BD9-81ED-4DB2-BD59-A6C34878D82A}">
-                    <a16:rowId xmlns:a16="http://schemas.microsoft.com/office/drawing/2014/main" val="1712284145"/>
-                  </a:ext>
-                </a:extLst>
-              </a:tr>
-              <a:tr h="158907">
-                <a:tc>
-                  <a:txBody>
-                    <a:bodyPr/>
-                    <a:lstStyle/>
-                    <a:p>
-                      <a:r>
-                        <a:rPr lang="en-US" sz="600" dirty="0"/>
-                        <a:t>16</a:t>
-                      </a:r>
-                    </a:p>
-                  </a:txBody>
-                  <a:tcPr/>
-                </a:tc>
-                <a:tc>
-                  <a:txBody>
-                    <a:bodyPr/>
-                    <a:lstStyle/>
-                    <a:p>
-                      <a:endParaRPr lang="en-US" sz="600"/>
-                    </a:p>
-                  </a:txBody>
-                  <a:tcPr/>
-                </a:tc>
-                <a:tc>
-                  <a:txBody>
-                    <a:bodyPr/>
-                    <a:lstStyle/>
-                    <a:p>
-                      <a:r>
-                        <a:rPr lang="en-US" sz="600" dirty="0"/>
-                        <a:t>Black</a:t>
-                      </a:r>
-                    </a:p>
-                  </a:txBody>
-                  <a:tcPr/>
-                </a:tc>
-                <a:tc>
-                  <a:txBody>
-                    <a:bodyPr/>
-                    <a:lstStyle/>
-                    <a:p>
-                      <a:r>
-                        <a:rPr lang="en-US" sz="600" dirty="0"/>
-                        <a:t>GND</a:t>
-                      </a:r>
-                    </a:p>
-                  </a:txBody>
-                  <a:tcPr/>
-                </a:tc>
-                <a:tc>
-                  <a:txBody>
-                    <a:bodyPr/>
-                    <a:lstStyle/>
-                    <a:p>
-                      <a:endParaRPr lang="en-US" sz="600" dirty="0"/>
-                    </a:p>
-                  </a:txBody>
-                  <a:tcPr/>
-                </a:tc>
-                <a:tc>
-                  <a:txBody>
-                    <a:bodyPr/>
-                    <a:lstStyle/>
-                    <a:p>
-                      <a:r>
-                        <a:rPr lang="en-US" sz="600" dirty="0"/>
-                        <a:t>Eyes</a:t>
-                      </a:r>
-                    </a:p>
-                  </a:txBody>
-                  <a:tcPr/>
-                </a:tc>
-                <a:extLst>
-                  <a:ext uri="{0D108BD9-81ED-4DB2-BD59-A6C34878D82A}">
-                    <a16:rowId xmlns:a16="http://schemas.microsoft.com/office/drawing/2014/main" val="3969164745"/>
-                  </a:ext>
-                </a:extLst>
-              </a:tr>
-              <a:tr h="158907">
-                <a:tc>
-                  <a:txBody>
-                    <a:bodyPr/>
-                    <a:lstStyle/>
-                    <a:p>
-                      <a:r>
-                        <a:rPr lang="en-US" sz="600" dirty="0"/>
-                        <a:t>17</a:t>
-                      </a:r>
-                    </a:p>
-                  </a:txBody>
-                  <a:tcPr/>
-                </a:tc>
-                <a:tc>
-                  <a:txBody>
-                    <a:bodyPr/>
-                    <a:lstStyle/>
-                    <a:p>
-                      <a:endParaRPr lang="en-US" sz="600"/>
-                    </a:p>
-                  </a:txBody>
-                  <a:tcPr/>
-                </a:tc>
-                <a:tc>
-                  <a:txBody>
-                    <a:bodyPr/>
-                    <a:lstStyle/>
-                    <a:p>
-                      <a:r>
-                        <a:rPr lang="en-US" sz="600" dirty="0"/>
-                        <a:t>Red</a:t>
-                      </a:r>
-                    </a:p>
-                  </a:txBody>
-                  <a:tcPr/>
-                </a:tc>
-                <a:tc>
-                  <a:txBody>
-                    <a:bodyPr/>
-                    <a:lstStyle/>
-                    <a:p>
-                      <a:pPr marL="0" marR="0" lvl="0" indent="0" algn="l" defTabSz="914400" rtl="0" eaLnBrk="1" fontAlgn="auto" latinLnBrk="0" hangingPunct="1">
-                        <a:lnSpc>
-                          <a:spcPct val="100000"/>
-                        </a:lnSpc>
-                        <a:spcBef>
-                          <a:spcPts val="0"/>
-                        </a:spcBef>
-                        <a:spcAft>
-                          <a:spcPts val="0"/>
-                        </a:spcAft>
-                        <a:buClrTx/>
-                        <a:buSzTx/>
-                        <a:buFontTx/>
-                        <a:buNone/>
-                        <a:tabLst/>
-                        <a:defRPr/>
-                      </a:pPr>
-                      <a:r>
-                        <a:rPr lang="en-US" sz="600" dirty="0"/>
-                        <a:t>VCC in Connects to pin 21 of controller board</a:t>
-                      </a:r>
-                    </a:p>
-                  </a:txBody>
-                  <a:tcPr/>
-                </a:tc>
-                <a:tc>
-                  <a:txBody>
-                    <a:bodyPr/>
-                    <a:lstStyle/>
-                    <a:p>
-                      <a:pPr marL="0" marR="0" lvl="0" indent="0" algn="l" defTabSz="914400" rtl="0" eaLnBrk="1" fontAlgn="auto" latinLnBrk="0" hangingPunct="1">
-                        <a:lnSpc>
-                          <a:spcPct val="100000"/>
-                        </a:lnSpc>
-                        <a:spcBef>
-                          <a:spcPts val="0"/>
-                        </a:spcBef>
-                        <a:spcAft>
-                          <a:spcPts val="0"/>
-                        </a:spcAft>
-                        <a:buClrTx/>
-                        <a:buSzTx/>
-                        <a:buFontTx/>
-                        <a:buNone/>
-                        <a:tabLst/>
-                        <a:defRPr/>
-                      </a:pPr>
-                      <a:r>
-                        <a:rPr lang="en-US" sz="600" dirty="0"/>
-                        <a:t>21</a:t>
-                      </a:r>
-                    </a:p>
-                  </a:txBody>
-                  <a:tcPr/>
-                </a:tc>
-                <a:tc>
-                  <a:txBody>
-                    <a:bodyPr/>
-                    <a:lstStyle/>
-                    <a:p>
-                      <a:r>
-                        <a:rPr lang="en-US" sz="600" dirty="0"/>
-                        <a:t>Eyes</a:t>
-                      </a:r>
-                    </a:p>
-                  </a:txBody>
-                  <a:tcPr/>
-                </a:tc>
-                <a:extLst>
-                  <a:ext uri="{0D108BD9-81ED-4DB2-BD59-A6C34878D82A}">
-                    <a16:rowId xmlns:a16="http://schemas.microsoft.com/office/drawing/2014/main" val="3145931555"/>
-                  </a:ext>
-                </a:extLst>
-              </a:tr>
-              <a:tr h="158907">
-                <a:tc>
-                  <a:txBody>
-                    <a:bodyPr/>
-                    <a:lstStyle/>
-                    <a:p>
-                      <a:r>
-                        <a:rPr lang="en-US" sz="600" dirty="0"/>
-                        <a:t>18</a:t>
-                      </a:r>
-                    </a:p>
-                  </a:txBody>
-                  <a:tcPr/>
-                </a:tc>
-                <a:tc>
-                  <a:txBody>
-                    <a:bodyPr/>
-                    <a:lstStyle/>
-                    <a:p>
-                      <a:endParaRPr lang="en-US" sz="600" dirty="0"/>
-                    </a:p>
-                  </a:txBody>
-                  <a:tcPr/>
-                </a:tc>
-                <a:tc>
-                  <a:txBody>
-                    <a:bodyPr/>
-                    <a:lstStyle/>
-                    <a:p>
-                      <a:r>
-                        <a:rPr lang="en-US" sz="600" dirty="0"/>
-                        <a:t>Black</a:t>
-                      </a:r>
-                    </a:p>
-                  </a:txBody>
-                  <a:tcPr/>
-                </a:tc>
-                <a:tc>
-                  <a:txBody>
-                    <a:bodyPr/>
-                    <a:lstStyle/>
-                    <a:p>
-                      <a:r>
-                        <a:rPr lang="en-US" sz="600" dirty="0"/>
-                        <a:t>GND</a:t>
-                      </a:r>
-                    </a:p>
-                  </a:txBody>
-                  <a:tcPr/>
-                </a:tc>
-                <a:tc>
-                  <a:txBody>
-                    <a:bodyPr/>
-                    <a:lstStyle/>
-                    <a:p>
-                      <a:endParaRPr lang="en-US" sz="600" dirty="0"/>
-                    </a:p>
-                  </a:txBody>
-                  <a:tcPr/>
-                </a:tc>
-                <a:tc>
-                  <a:txBody>
-                    <a:bodyPr/>
-                    <a:lstStyle/>
-                    <a:p>
-                      <a:r>
-                        <a:rPr lang="en-US" sz="600" dirty="0"/>
-                        <a:t>SPST</a:t>
-                      </a:r>
-                    </a:p>
-                  </a:txBody>
-                  <a:tcPr/>
-                </a:tc>
-                <a:extLst>
-                  <a:ext uri="{0D108BD9-81ED-4DB2-BD59-A6C34878D82A}">
-                    <a16:rowId xmlns:a16="http://schemas.microsoft.com/office/drawing/2014/main" val="1507709430"/>
-                  </a:ext>
-                </a:extLst>
-              </a:tr>
-              <a:tr h="158907">
-                <a:tc>
-                  <a:txBody>
-                    <a:bodyPr/>
-                    <a:lstStyle/>
-                    <a:p>
-                      <a:r>
-                        <a:rPr lang="en-US" sz="600" dirty="0"/>
-                        <a:t>19</a:t>
-                      </a:r>
-                    </a:p>
-                  </a:txBody>
-                  <a:tcPr/>
-                </a:tc>
-                <a:tc>
-                  <a:txBody>
-                    <a:bodyPr/>
-                    <a:lstStyle/>
-                    <a:p>
-                      <a:endParaRPr lang="en-US" sz="600"/>
-                    </a:p>
-                  </a:txBody>
-                  <a:tcPr/>
-                </a:tc>
-                <a:tc>
-                  <a:txBody>
-                    <a:bodyPr/>
-                    <a:lstStyle/>
-                    <a:p>
-                      <a:r>
-                        <a:rPr lang="en-US" sz="600" dirty="0"/>
-                        <a:t>Red</a:t>
-                      </a:r>
-                    </a:p>
-                  </a:txBody>
-                  <a:tcPr/>
-                </a:tc>
-                <a:tc>
-                  <a:txBody>
-                    <a:bodyPr/>
-                    <a:lstStyle/>
-                    <a:p>
-                      <a:r>
-                        <a:rPr lang="en-US" sz="600" dirty="0"/>
-                        <a:t>VCC</a:t>
-                      </a:r>
-                    </a:p>
-                  </a:txBody>
-                  <a:tcPr/>
-                </a:tc>
-                <a:tc>
-                  <a:txBody>
-                    <a:bodyPr/>
-                    <a:lstStyle/>
-                    <a:p>
-                      <a:endParaRPr lang="en-US" sz="600" dirty="0"/>
-                    </a:p>
-                  </a:txBody>
-                  <a:tcPr/>
-                </a:tc>
-                <a:tc>
-                  <a:txBody>
-                    <a:bodyPr/>
-                    <a:lstStyle/>
-                    <a:p>
-                      <a:r>
-                        <a:rPr lang="en-US" sz="600" dirty="0"/>
-                        <a:t>SPST</a:t>
-                      </a:r>
-                    </a:p>
-                  </a:txBody>
-                  <a:tcPr/>
-                </a:tc>
-                <a:extLst>
-                  <a:ext uri="{0D108BD9-81ED-4DB2-BD59-A6C34878D82A}">
-                    <a16:rowId xmlns:a16="http://schemas.microsoft.com/office/drawing/2014/main" val="3512296099"/>
-                  </a:ext>
-                </a:extLst>
-              </a:tr>
-              <a:tr h="158907">
-                <a:tc>
-                  <a:txBody>
-                    <a:bodyPr/>
-                    <a:lstStyle/>
-                    <a:p>
-                      <a:r>
-                        <a:rPr lang="en-US" sz="600" dirty="0"/>
-                        <a:t>20</a:t>
-                      </a:r>
-                    </a:p>
-                  </a:txBody>
-                  <a:tcPr/>
-                </a:tc>
-                <a:tc>
-                  <a:txBody>
-                    <a:bodyPr/>
-                    <a:lstStyle/>
-                    <a:p>
-                      <a:endParaRPr lang="en-US" sz="600"/>
-                    </a:p>
-                  </a:txBody>
-                  <a:tcPr/>
-                </a:tc>
-                <a:tc>
-                  <a:txBody>
-                    <a:bodyPr/>
-                    <a:lstStyle/>
-                    <a:p>
-                      <a:r>
-                        <a:rPr lang="en-US" sz="600" dirty="0"/>
-                        <a:t>Blue</a:t>
-                      </a:r>
-                    </a:p>
-                  </a:txBody>
-                  <a:tcPr/>
-                </a:tc>
-                <a:tc>
-                  <a:txBody>
-                    <a:bodyPr/>
-                    <a:lstStyle/>
-                    <a:p>
-                      <a:r>
-                        <a:rPr lang="en-US" sz="600" dirty="0"/>
-                        <a:t>Relay trigger.  Connects to pin 1 of controller board.</a:t>
-                      </a:r>
-                    </a:p>
-                  </a:txBody>
-                  <a:tcPr/>
-                </a:tc>
-                <a:tc>
-                  <a:txBody>
-                    <a:bodyPr/>
-                    <a:lstStyle/>
-                    <a:p>
-                      <a:r>
-                        <a:rPr lang="en-US" sz="600" dirty="0"/>
-                        <a:t>1</a:t>
-                      </a:r>
-                    </a:p>
-                  </a:txBody>
-                  <a:tcPr/>
-                </a:tc>
-                <a:tc>
-                  <a:txBody>
-                    <a:bodyPr/>
-                    <a:lstStyle/>
-                    <a:p>
-                      <a:r>
-                        <a:rPr lang="en-US" sz="600" dirty="0"/>
-                        <a:t>SPST</a:t>
-                      </a:r>
-                    </a:p>
-                  </a:txBody>
-                  <a:tcPr/>
-                </a:tc>
-                <a:extLst>
-                  <a:ext uri="{0D108BD9-81ED-4DB2-BD59-A6C34878D82A}">
-                    <a16:rowId xmlns:a16="http://schemas.microsoft.com/office/drawing/2014/main" val="3331410126"/>
-                  </a:ext>
-                </a:extLst>
-              </a:tr>
-              <a:tr h="158907">
-                <a:tc>
-                  <a:txBody>
-                    <a:bodyPr/>
-                    <a:lstStyle/>
-                    <a:p>
-                      <a:r>
-                        <a:rPr lang="en-US" sz="600" dirty="0"/>
-                        <a:t>21</a:t>
-                      </a:r>
-                    </a:p>
-                  </a:txBody>
-                  <a:tcPr/>
-                </a:tc>
-                <a:tc>
-                  <a:txBody>
-                    <a:bodyPr/>
-                    <a:lstStyle/>
-                    <a:p>
-                      <a:endParaRPr lang="en-US" sz="600"/>
-                    </a:p>
-                  </a:txBody>
-                  <a:tcPr/>
-                </a:tc>
-                <a:tc>
-                  <a:txBody>
-                    <a:bodyPr/>
-                    <a:lstStyle/>
-                    <a:p>
-                      <a:r>
-                        <a:rPr lang="en-US" sz="600" dirty="0"/>
-                        <a:t>White</a:t>
-                      </a:r>
-                    </a:p>
-                  </a:txBody>
-                  <a:tcPr/>
-                </a:tc>
-                <a:tc>
-                  <a:txBody>
-                    <a:bodyPr/>
-                    <a:lstStyle/>
-                    <a:p>
-                      <a:r>
-                        <a:rPr lang="en-US" sz="600" dirty="0"/>
-                        <a:t>VCC out to DPDT Relay</a:t>
-                      </a:r>
-                    </a:p>
-                  </a:txBody>
-                  <a:tcPr/>
-                </a:tc>
-                <a:tc>
-                  <a:txBody>
-                    <a:bodyPr/>
-                    <a:lstStyle/>
-                    <a:p>
-                      <a:r>
-                        <a:rPr lang="en-US" sz="600" dirty="0"/>
-                        <a:t>17</a:t>
-                      </a:r>
-                    </a:p>
-                  </a:txBody>
-                  <a:tcPr/>
-                </a:tc>
-                <a:tc>
-                  <a:txBody>
-                    <a:bodyPr/>
-                    <a:lstStyle/>
-                    <a:p>
-                      <a:r>
-                        <a:rPr lang="en-US" sz="600" dirty="0"/>
-                        <a:t>SPST</a:t>
-                      </a:r>
-                    </a:p>
-                  </a:txBody>
-                  <a:tcPr/>
-                </a:tc>
-                <a:extLst>
-                  <a:ext uri="{0D108BD9-81ED-4DB2-BD59-A6C34878D82A}">
-                    <a16:rowId xmlns:a16="http://schemas.microsoft.com/office/drawing/2014/main" val="2375467650"/>
-                  </a:ext>
-                </a:extLst>
-              </a:tr>
-              <a:tr h="158907">
-                <a:tc>
-                  <a:txBody>
-                    <a:bodyPr/>
-                    <a:lstStyle/>
-                    <a:p>
-                      <a:r>
-                        <a:rPr lang="en-US" sz="600" dirty="0"/>
-                        <a:t>22</a:t>
-                      </a:r>
-                    </a:p>
-                  </a:txBody>
-                  <a:tcPr/>
-                </a:tc>
-                <a:tc>
-                  <a:txBody>
-                    <a:bodyPr/>
-                    <a:lstStyle/>
-                    <a:p>
-                      <a:endParaRPr lang="en-US" sz="600" dirty="0"/>
-                    </a:p>
-                  </a:txBody>
-                  <a:tcPr/>
-                </a:tc>
-                <a:tc>
-                  <a:txBody>
-                    <a:bodyPr/>
-                    <a:lstStyle/>
-                    <a:p>
-                      <a:r>
-                        <a:rPr lang="en-US" sz="600" dirty="0"/>
-                        <a:t>Black</a:t>
-                      </a:r>
-                    </a:p>
-                  </a:txBody>
-                  <a:tcPr/>
-                </a:tc>
-                <a:tc>
-                  <a:txBody>
-                    <a:bodyPr/>
-                    <a:lstStyle/>
-                    <a:p>
-                      <a:r>
-                        <a:rPr lang="en-US" sz="600" dirty="0"/>
-                        <a:t>GND</a:t>
-                      </a:r>
-                    </a:p>
-                  </a:txBody>
-                  <a:tcPr/>
-                </a:tc>
-                <a:tc>
-                  <a:txBody>
-                    <a:bodyPr/>
-                    <a:lstStyle/>
-                    <a:p>
-                      <a:endParaRPr lang="en-US" sz="600" dirty="0"/>
-                    </a:p>
-                  </a:txBody>
-                  <a:tcPr/>
-                </a:tc>
-                <a:tc>
-                  <a:txBody>
-                    <a:bodyPr/>
-                    <a:lstStyle/>
-                    <a:p>
-                      <a:r>
-                        <a:rPr lang="en-US" sz="600" dirty="0"/>
-                        <a:t>DPDT</a:t>
-                      </a:r>
-                    </a:p>
-                  </a:txBody>
-                  <a:tcPr/>
-                </a:tc>
-                <a:extLst>
-                  <a:ext uri="{0D108BD9-81ED-4DB2-BD59-A6C34878D82A}">
-                    <a16:rowId xmlns:a16="http://schemas.microsoft.com/office/drawing/2014/main" val="2062659724"/>
-                  </a:ext>
-                </a:extLst>
-              </a:tr>
-              <a:tr h="158907">
-                <a:tc>
-                  <a:txBody>
-                    <a:bodyPr/>
-                    <a:lstStyle/>
-                    <a:p>
-                      <a:r>
-                        <a:rPr lang="en-US" sz="600" dirty="0"/>
-                        <a:t>23</a:t>
-                      </a:r>
-                    </a:p>
-                  </a:txBody>
-                  <a:tcPr/>
-                </a:tc>
-                <a:tc>
-                  <a:txBody>
-                    <a:bodyPr/>
-                    <a:lstStyle/>
-                    <a:p>
-                      <a:endParaRPr lang="en-US" sz="600"/>
-                    </a:p>
-                  </a:txBody>
-                  <a:tcPr/>
-                </a:tc>
-                <a:tc>
-                  <a:txBody>
-                    <a:bodyPr/>
-                    <a:lstStyle/>
-                    <a:p>
-                      <a:r>
-                        <a:rPr lang="en-US" sz="600" dirty="0"/>
-                        <a:t>Red</a:t>
-                      </a:r>
-                    </a:p>
-                  </a:txBody>
-                  <a:tcPr/>
-                </a:tc>
-                <a:tc>
-                  <a:txBody>
-                    <a:bodyPr/>
-                    <a:lstStyle/>
-                    <a:p>
-                      <a:r>
-                        <a:rPr lang="en-US" sz="600" dirty="0"/>
-                        <a:t>VCC in Connects to pin 21 of controller board</a:t>
-                      </a:r>
-                    </a:p>
-                  </a:txBody>
-                  <a:tcPr/>
-                </a:tc>
-                <a:tc>
-                  <a:txBody>
-                    <a:bodyPr/>
-                    <a:lstStyle/>
-                    <a:p>
-                      <a:r>
-                        <a:rPr lang="en-US" sz="600" dirty="0"/>
-                        <a:t>21</a:t>
-                      </a:r>
-                    </a:p>
-                  </a:txBody>
-                  <a:tcPr/>
-                </a:tc>
-                <a:tc>
-                  <a:txBody>
-                    <a:bodyPr/>
-                    <a:lstStyle/>
-                    <a:p>
-                      <a:r>
-                        <a:rPr lang="en-US" sz="600" dirty="0"/>
-                        <a:t>DPDT</a:t>
-                      </a:r>
-                    </a:p>
-                  </a:txBody>
-                  <a:tcPr/>
-                </a:tc>
-                <a:extLst>
-                  <a:ext uri="{0D108BD9-81ED-4DB2-BD59-A6C34878D82A}">
-                    <a16:rowId xmlns:a16="http://schemas.microsoft.com/office/drawing/2014/main" val="1439538098"/>
-                  </a:ext>
-                </a:extLst>
-              </a:tr>
-              <a:tr h="158907">
-                <a:tc>
-                  <a:txBody>
-                    <a:bodyPr/>
-                    <a:lstStyle/>
-                    <a:p>
-                      <a:r>
-                        <a:rPr lang="en-US" sz="600" dirty="0"/>
-                        <a:t>24</a:t>
-                      </a:r>
-                    </a:p>
-                  </a:txBody>
-                  <a:tcPr/>
-                </a:tc>
-                <a:tc>
-                  <a:txBody>
-                    <a:bodyPr/>
-                    <a:lstStyle/>
-                    <a:p>
-                      <a:endParaRPr lang="en-US" sz="600"/>
-                    </a:p>
-                  </a:txBody>
-                  <a:tcPr/>
-                </a:tc>
-                <a:tc>
-                  <a:txBody>
-                    <a:bodyPr/>
-                    <a:lstStyle/>
-                    <a:p>
-                      <a:r>
-                        <a:rPr lang="en-US" sz="600" dirty="0"/>
-                        <a:t>Blue</a:t>
-                      </a:r>
-                    </a:p>
-                  </a:txBody>
-                  <a:tcPr/>
-                </a:tc>
-                <a:tc>
-                  <a:txBody>
-                    <a:bodyPr/>
-                    <a:lstStyle/>
-                    <a:p>
-                      <a:r>
-                        <a:rPr lang="en-US" sz="600" dirty="0"/>
-                        <a:t>DPDT relay trigger.  Connects to pin 2 of controller board.</a:t>
-                      </a:r>
-                    </a:p>
-                  </a:txBody>
-                  <a:tcPr/>
-                </a:tc>
-                <a:tc>
-                  <a:txBody>
-                    <a:bodyPr/>
-                    <a:lstStyle/>
-                    <a:p>
-                      <a:r>
-                        <a:rPr lang="en-US" sz="600" dirty="0"/>
-                        <a:t>2</a:t>
-                      </a:r>
-                    </a:p>
-                  </a:txBody>
-                  <a:tcPr/>
-                </a:tc>
-                <a:tc>
-                  <a:txBody>
-                    <a:bodyPr/>
-                    <a:lstStyle/>
-                    <a:p>
-                      <a:r>
-                        <a:rPr lang="en-US" sz="600" dirty="0"/>
-                        <a:t>DPDT</a:t>
-                      </a:r>
-                    </a:p>
-                  </a:txBody>
-                  <a:tcPr/>
-                </a:tc>
-                <a:extLst>
-                  <a:ext uri="{0D108BD9-81ED-4DB2-BD59-A6C34878D82A}">
-                    <a16:rowId xmlns:a16="http://schemas.microsoft.com/office/drawing/2014/main" val="118631398"/>
-                  </a:ext>
-                </a:extLst>
-              </a:tr>
-            </a:tbl>
-          </a:graphicData>
-        </a:graphic>
-      </p:graphicFrame>
     </p:spTree>
     <p:extLst>
       <p:ext uri="{BB962C8B-B14F-4D97-AF65-F5344CB8AC3E}">
-        <p14:creationId xmlns:p14="http://schemas.microsoft.com/office/powerpoint/2010/main" val="2368221998"/>
+        <p14:creationId xmlns:p14="http://schemas.microsoft.com/office/powerpoint/2010/main" val="3101452491"/>
       </p:ext>
     </p:extLst>
   </p:cSld>
